--- a/COVID-19/presentations/Checkpoint.pptx
+++ b/COVID-19/presentations/Checkpoint.pptx
@@ -4,8 +4,14 @@
   <p:sldMasterIdLst>
     <p:sldMasterId id="2147483648" r:id="rId1"/>
   </p:sldMasterIdLst>
+  <p:notesMasterIdLst>
+    <p:notesMasterId r:id="rId6"/>
+  </p:notesMasterIdLst>
   <p:sldIdLst>
     <p:sldId id="256" r:id="rId2"/>
+    <p:sldId id="257" r:id="rId3"/>
+    <p:sldId id="259" r:id="rId4"/>
+    <p:sldId id="260" r:id="rId5"/>
   </p:sldIdLst>
   <p:sldSz cx="12192000" cy="6858000"/>
   <p:notesSz cx="6858000" cy="9144000"/>
@@ -105,6 +111,356 @@
     </a:lvl9pPr>
   </p:defaultTextStyle>
 </p:presentation>
+</file>
+
+<file path=ppt/notesMasters/notesMaster1.xml><?xml version="1.0" encoding="utf-8"?>
+<p:notesMaster xmlns:a="http://schemas.openxmlformats.org/drawingml/2006/main" xmlns:r="http://schemas.openxmlformats.org/officeDocument/2006/relationships" xmlns:p="http://schemas.openxmlformats.org/presentationml/2006/main">
+  <p:cSld>
+    <p:bg>
+      <p:bgRef idx="1001">
+        <a:schemeClr val="bg1"/>
+      </p:bgRef>
+    </p:bg>
+    <p:spTree>
+      <p:nvGrpSpPr>
+        <p:cNvPr id="1" name=""/>
+        <p:cNvGrpSpPr/>
+        <p:nvPr/>
+      </p:nvGrpSpPr>
+      <p:grpSpPr>
+        <a:xfrm>
+          <a:off x="0" y="0"/>
+          <a:ext cx="0" cy="0"/>
+          <a:chOff x="0" y="0"/>
+          <a:chExt cx="0" cy="0"/>
+        </a:xfrm>
+      </p:grpSpPr>
+      <p:sp>
+        <p:nvSpPr>
+          <p:cNvPr id="2" name="Header Placeholder 1"/>
+          <p:cNvSpPr>
+            <a:spLocks noGrp="1"/>
+          </p:cNvSpPr>
+          <p:nvPr>
+            <p:ph type="hdr" sz="quarter"/>
+          </p:nvPr>
+        </p:nvSpPr>
+        <p:spPr>
+          <a:xfrm>
+            <a:off x="0" y="0"/>
+            <a:ext cx="2971800" cy="458788"/>
+          </a:xfrm>
+          <a:prstGeom prst="rect">
+            <a:avLst/>
+          </a:prstGeom>
+        </p:spPr>
+        <p:txBody>
+          <a:bodyPr vert="horz" lIns="91440" tIns="45720" rIns="91440" bIns="45720" rtlCol="0"/>
+          <a:lstStyle>
+            <a:lvl1pPr algn="l">
+              <a:defRPr sz="1200"/>
+            </a:lvl1pPr>
+          </a:lstStyle>
+          <a:p>
+            <a:endParaRPr lang="en-PT"/>
+          </a:p>
+        </p:txBody>
+      </p:sp>
+      <p:sp>
+        <p:nvSpPr>
+          <p:cNvPr id="3" name="Date Placeholder 2"/>
+          <p:cNvSpPr>
+            <a:spLocks noGrp="1"/>
+          </p:cNvSpPr>
+          <p:nvPr>
+            <p:ph type="dt" idx="1"/>
+          </p:nvPr>
+        </p:nvSpPr>
+        <p:spPr>
+          <a:xfrm>
+            <a:off x="3884613" y="0"/>
+            <a:ext cx="2971800" cy="458788"/>
+          </a:xfrm>
+          <a:prstGeom prst="rect">
+            <a:avLst/>
+          </a:prstGeom>
+        </p:spPr>
+        <p:txBody>
+          <a:bodyPr vert="horz" lIns="91440" tIns="45720" rIns="91440" bIns="45720" rtlCol="0"/>
+          <a:lstStyle>
+            <a:lvl1pPr algn="r">
+              <a:defRPr sz="1200"/>
+            </a:lvl1pPr>
+          </a:lstStyle>
+          <a:p>
+            <a:fld id="{2277750E-4D79-494A-9404-20FAE8D53E3B}" type="datetimeFigureOut">
+              <a:rPr lang="en-PT" smtClean="0"/>
+              <a:t>08/05/2020</a:t>
+            </a:fld>
+            <a:endParaRPr lang="en-PT"/>
+          </a:p>
+        </p:txBody>
+      </p:sp>
+      <p:sp>
+        <p:nvSpPr>
+          <p:cNvPr id="4" name="Slide Image Placeholder 3"/>
+          <p:cNvSpPr>
+            <a:spLocks noGrp="1" noRot="1" noChangeAspect="1"/>
+          </p:cNvSpPr>
+          <p:nvPr>
+            <p:ph type="sldImg" idx="2"/>
+          </p:nvPr>
+        </p:nvSpPr>
+        <p:spPr>
+          <a:xfrm>
+            <a:off x="685800" y="1143000"/>
+            <a:ext cx="5486400" cy="3086100"/>
+          </a:xfrm>
+          <a:prstGeom prst="rect">
+            <a:avLst/>
+          </a:prstGeom>
+          <a:noFill/>
+          <a:ln w="12700">
+            <a:solidFill>
+              <a:prstClr val="black"/>
+            </a:solidFill>
+          </a:ln>
+        </p:spPr>
+        <p:txBody>
+          <a:bodyPr vert="horz" lIns="91440" tIns="45720" rIns="91440" bIns="45720" rtlCol="0" anchor="ctr"/>
+          <a:lstStyle/>
+          <a:p>
+            <a:endParaRPr lang="en-PT"/>
+          </a:p>
+        </p:txBody>
+      </p:sp>
+      <p:sp>
+        <p:nvSpPr>
+          <p:cNvPr id="5" name="Notes Placeholder 4"/>
+          <p:cNvSpPr>
+            <a:spLocks noGrp="1"/>
+          </p:cNvSpPr>
+          <p:nvPr>
+            <p:ph type="body" sz="quarter" idx="3"/>
+          </p:nvPr>
+        </p:nvSpPr>
+        <p:spPr>
+          <a:xfrm>
+            <a:off x="685800" y="4400550"/>
+            <a:ext cx="5486400" cy="3600450"/>
+          </a:xfrm>
+          <a:prstGeom prst="rect">
+            <a:avLst/>
+          </a:prstGeom>
+        </p:spPr>
+        <p:txBody>
+          <a:bodyPr vert="horz" lIns="91440" tIns="45720" rIns="91440" bIns="45720" rtlCol="0"/>
+          <a:lstStyle/>
+          <a:p>
+            <a:pPr lvl="0"/>
+            <a:r>
+              <a:rPr lang="en-GB"/>
+              <a:t>Click to edit Master text styles</a:t>
+            </a:r>
+          </a:p>
+          <a:p>
+            <a:pPr lvl="1"/>
+            <a:r>
+              <a:rPr lang="en-GB"/>
+              <a:t>Second level</a:t>
+            </a:r>
+          </a:p>
+          <a:p>
+            <a:pPr lvl="2"/>
+            <a:r>
+              <a:rPr lang="en-GB"/>
+              <a:t>Third level</a:t>
+            </a:r>
+          </a:p>
+          <a:p>
+            <a:pPr lvl="3"/>
+            <a:r>
+              <a:rPr lang="en-GB"/>
+              <a:t>Fourth level</a:t>
+            </a:r>
+          </a:p>
+          <a:p>
+            <a:pPr lvl="4"/>
+            <a:r>
+              <a:rPr lang="en-GB"/>
+              <a:t>Fifth level</a:t>
+            </a:r>
+            <a:endParaRPr lang="en-PT"/>
+          </a:p>
+        </p:txBody>
+      </p:sp>
+      <p:sp>
+        <p:nvSpPr>
+          <p:cNvPr id="6" name="Footer Placeholder 5"/>
+          <p:cNvSpPr>
+            <a:spLocks noGrp="1"/>
+          </p:cNvSpPr>
+          <p:nvPr>
+            <p:ph type="ftr" sz="quarter" idx="4"/>
+          </p:nvPr>
+        </p:nvSpPr>
+        <p:spPr>
+          <a:xfrm>
+            <a:off x="0" y="8685213"/>
+            <a:ext cx="2971800" cy="458787"/>
+          </a:xfrm>
+          <a:prstGeom prst="rect">
+            <a:avLst/>
+          </a:prstGeom>
+        </p:spPr>
+        <p:txBody>
+          <a:bodyPr vert="horz" lIns="91440" tIns="45720" rIns="91440" bIns="45720" rtlCol="0" anchor="b"/>
+          <a:lstStyle>
+            <a:lvl1pPr algn="l">
+              <a:defRPr sz="1200"/>
+            </a:lvl1pPr>
+          </a:lstStyle>
+          <a:p>
+            <a:endParaRPr lang="en-PT"/>
+          </a:p>
+        </p:txBody>
+      </p:sp>
+      <p:sp>
+        <p:nvSpPr>
+          <p:cNvPr id="7" name="Slide Number Placeholder 6"/>
+          <p:cNvSpPr>
+            <a:spLocks noGrp="1"/>
+          </p:cNvSpPr>
+          <p:nvPr>
+            <p:ph type="sldNum" sz="quarter" idx="5"/>
+          </p:nvPr>
+        </p:nvSpPr>
+        <p:spPr>
+          <a:xfrm>
+            <a:off x="3884613" y="8685213"/>
+            <a:ext cx="2971800" cy="458787"/>
+          </a:xfrm>
+          <a:prstGeom prst="rect">
+            <a:avLst/>
+          </a:prstGeom>
+        </p:spPr>
+        <p:txBody>
+          <a:bodyPr vert="horz" lIns="91440" tIns="45720" rIns="91440" bIns="45720" rtlCol="0" anchor="b"/>
+          <a:lstStyle>
+            <a:lvl1pPr algn="r">
+              <a:defRPr sz="1200"/>
+            </a:lvl1pPr>
+          </a:lstStyle>
+          <a:p>
+            <a:fld id="{918A8A13-33D9-E248-80D5-B133E4F3DA23}" type="slidenum">
+              <a:rPr lang="en-PT" smtClean="0"/>
+              <a:t>‹#›</a:t>
+            </a:fld>
+            <a:endParaRPr lang="en-PT"/>
+          </a:p>
+        </p:txBody>
+      </p:sp>
+    </p:spTree>
+    <p:extLst>
+      <p:ext uri="{BB962C8B-B14F-4D97-AF65-F5344CB8AC3E}">
+        <p14:creationId xmlns:p14="http://schemas.microsoft.com/office/powerpoint/2010/main" val="3632321464"/>
+      </p:ext>
+    </p:extLst>
+  </p:cSld>
+  <p:clrMap bg1="lt1" tx1="dk1" bg2="lt2" tx2="dk2" accent1="accent1" accent2="accent2" accent3="accent3" accent4="accent4" accent5="accent5" accent6="accent6" hlink="hlink" folHlink="folHlink"/>
+  <p:notesStyle>
+    <a:lvl1pPr marL="0" algn="l" defTabSz="914400" rtl="0" eaLnBrk="1" latinLnBrk="0" hangingPunct="1">
+      <a:defRPr sz="1200" kern="1200">
+        <a:solidFill>
+          <a:schemeClr val="tx1"/>
+        </a:solidFill>
+        <a:latin typeface="+mn-lt"/>
+        <a:ea typeface="+mn-ea"/>
+        <a:cs typeface="+mn-cs"/>
+      </a:defRPr>
+    </a:lvl1pPr>
+    <a:lvl2pPr marL="457200" algn="l" defTabSz="914400" rtl="0" eaLnBrk="1" latinLnBrk="0" hangingPunct="1">
+      <a:defRPr sz="1200" kern="1200">
+        <a:solidFill>
+          <a:schemeClr val="tx1"/>
+        </a:solidFill>
+        <a:latin typeface="+mn-lt"/>
+        <a:ea typeface="+mn-ea"/>
+        <a:cs typeface="+mn-cs"/>
+      </a:defRPr>
+    </a:lvl2pPr>
+    <a:lvl3pPr marL="914400" algn="l" defTabSz="914400" rtl="0" eaLnBrk="1" latinLnBrk="0" hangingPunct="1">
+      <a:defRPr sz="1200" kern="1200">
+        <a:solidFill>
+          <a:schemeClr val="tx1"/>
+        </a:solidFill>
+        <a:latin typeface="+mn-lt"/>
+        <a:ea typeface="+mn-ea"/>
+        <a:cs typeface="+mn-cs"/>
+      </a:defRPr>
+    </a:lvl3pPr>
+    <a:lvl4pPr marL="1371600" algn="l" defTabSz="914400" rtl="0" eaLnBrk="1" latinLnBrk="0" hangingPunct="1">
+      <a:defRPr sz="1200" kern="1200">
+        <a:solidFill>
+          <a:schemeClr val="tx1"/>
+        </a:solidFill>
+        <a:latin typeface="+mn-lt"/>
+        <a:ea typeface="+mn-ea"/>
+        <a:cs typeface="+mn-cs"/>
+      </a:defRPr>
+    </a:lvl4pPr>
+    <a:lvl5pPr marL="1828800" algn="l" defTabSz="914400" rtl="0" eaLnBrk="1" latinLnBrk="0" hangingPunct="1">
+      <a:defRPr sz="1200" kern="1200">
+        <a:solidFill>
+          <a:schemeClr val="tx1"/>
+        </a:solidFill>
+        <a:latin typeface="+mn-lt"/>
+        <a:ea typeface="+mn-ea"/>
+        <a:cs typeface="+mn-cs"/>
+      </a:defRPr>
+    </a:lvl5pPr>
+    <a:lvl6pPr marL="2286000" algn="l" defTabSz="914400" rtl="0" eaLnBrk="1" latinLnBrk="0" hangingPunct="1">
+      <a:defRPr sz="1200" kern="1200">
+        <a:solidFill>
+          <a:schemeClr val="tx1"/>
+        </a:solidFill>
+        <a:latin typeface="+mn-lt"/>
+        <a:ea typeface="+mn-ea"/>
+        <a:cs typeface="+mn-cs"/>
+      </a:defRPr>
+    </a:lvl6pPr>
+    <a:lvl7pPr marL="2743200" algn="l" defTabSz="914400" rtl="0" eaLnBrk="1" latinLnBrk="0" hangingPunct="1">
+      <a:defRPr sz="1200" kern="1200">
+        <a:solidFill>
+          <a:schemeClr val="tx1"/>
+        </a:solidFill>
+        <a:latin typeface="+mn-lt"/>
+        <a:ea typeface="+mn-ea"/>
+        <a:cs typeface="+mn-cs"/>
+      </a:defRPr>
+    </a:lvl7pPr>
+    <a:lvl8pPr marL="3200400" algn="l" defTabSz="914400" rtl="0" eaLnBrk="1" latinLnBrk="0" hangingPunct="1">
+      <a:defRPr sz="1200" kern="1200">
+        <a:solidFill>
+          <a:schemeClr val="tx1"/>
+        </a:solidFill>
+        <a:latin typeface="+mn-lt"/>
+        <a:ea typeface="+mn-ea"/>
+        <a:cs typeface="+mn-cs"/>
+      </a:defRPr>
+    </a:lvl8pPr>
+    <a:lvl9pPr marL="3657600" algn="l" defTabSz="914400" rtl="0" eaLnBrk="1" latinLnBrk="0" hangingPunct="1">
+      <a:defRPr sz="1200" kern="1200">
+        <a:solidFill>
+          <a:schemeClr val="tx1"/>
+        </a:solidFill>
+        <a:latin typeface="+mn-lt"/>
+        <a:ea typeface="+mn-ea"/>
+        <a:cs typeface="+mn-cs"/>
+      </a:defRPr>
+    </a:lvl9pPr>
+  </p:notesStyle>
+</p:notesMaster>
 </file>
 
 <file path=ppt/slideLayouts/slideLayout1.xml><?xml version="1.0" encoding="utf-8"?>
@@ -3344,61 +3700,2957 @@
       </p:grpSpPr>
       <p:sp>
         <p:nvSpPr>
-          <p:cNvPr id="2" name="Title 1">
-            <a:extLst>
-              <a:ext uri="{FF2B5EF4-FFF2-40B4-BE49-F238E27FC236}">
-                <a16:creationId xmlns:a16="http://schemas.microsoft.com/office/drawing/2014/main" id="{2ADB87B9-4297-7140-9A78-9AC5AC9A6CF5}"/>
-              </a:ext>
-            </a:extLst>
-          </p:cNvPr>
-          <p:cNvSpPr>
-            <a:spLocks noGrp="1"/>
-          </p:cNvSpPr>
-          <p:nvPr>
-            <p:ph type="ctrTitle"/>
-          </p:nvPr>
-        </p:nvSpPr>
-        <p:spPr/>
-        <p:txBody>
-          <a:bodyPr/>
-          <a:lstStyle/>
-          <a:p>
-            <a:r>
-              <a:rPr lang="en-PT" dirty="0"/>
-              <a:t>COVID-19</a:t>
-            </a:r>
-          </a:p>
-        </p:txBody>
-      </p:sp>
-      <p:sp>
-        <p:nvSpPr>
-          <p:cNvPr id="3" name="Subtitle 2">
-            <a:extLst>
-              <a:ext uri="{FF2B5EF4-FFF2-40B4-BE49-F238E27FC236}">
-                <a16:creationId xmlns:a16="http://schemas.microsoft.com/office/drawing/2014/main" id="{A4E02682-6911-C64D-87A6-AFA4C8821FDF}"/>
-              </a:ext>
-            </a:extLst>
-          </p:cNvPr>
-          <p:cNvSpPr>
-            <a:spLocks noGrp="1"/>
-          </p:cNvSpPr>
-          <p:nvPr>
-            <p:ph type="subTitle" idx="1"/>
-          </p:nvPr>
-        </p:nvSpPr>
-        <p:spPr/>
-        <p:txBody>
-          <a:bodyPr/>
-          <a:lstStyle/>
-          <a:p>
-            <a:endParaRPr lang="en-PT"/>
-          </a:p>
-        </p:txBody>
-      </p:sp>
+          <p:cNvPr id="35" name="Rectangle 34">
+            <a:extLst>
+              <a:ext uri="{FF2B5EF4-FFF2-40B4-BE49-F238E27FC236}">
+                <a16:creationId xmlns:a16="http://schemas.microsoft.com/office/drawing/2014/main" id="{D35FF5A3-2DCD-3A42-92C8-DAB5C0E93121}"/>
+              </a:ext>
+            </a:extLst>
+          </p:cNvPr>
+          <p:cNvSpPr/>
+          <p:nvPr/>
+        </p:nvSpPr>
+        <p:spPr>
+          <a:xfrm>
+            <a:off x="0" y="0"/>
+            <a:ext cx="12192000" cy="6858000"/>
+          </a:xfrm>
+          <a:prstGeom prst="rect">
+            <a:avLst/>
+          </a:prstGeom>
+          <a:solidFill>
+            <a:schemeClr val="accent1">
+              <a:lumMod val="60000"/>
+              <a:lumOff val="40000"/>
+            </a:schemeClr>
+          </a:solidFill>
+          <a:ln>
+            <a:solidFill>
+              <a:schemeClr val="accent1">
+                <a:lumMod val="60000"/>
+                <a:lumOff val="40000"/>
+              </a:schemeClr>
+            </a:solidFill>
+          </a:ln>
+        </p:spPr>
+        <p:style>
+          <a:lnRef idx="2">
+            <a:schemeClr val="accent1">
+              <a:shade val="50000"/>
+            </a:schemeClr>
+          </a:lnRef>
+          <a:fillRef idx="1">
+            <a:schemeClr val="accent1"/>
+          </a:fillRef>
+          <a:effectRef idx="0">
+            <a:schemeClr val="accent1"/>
+          </a:effectRef>
+          <a:fontRef idx="minor">
+            <a:schemeClr val="lt1"/>
+          </a:fontRef>
+        </p:style>
+        <p:txBody>
+          <a:bodyPr rtlCol="0" anchor="ctr"/>
+          <a:lstStyle/>
+          <a:p>
+            <a:pPr algn="ctr"/>
+            <a:endParaRPr lang="en-PT"/>
+          </a:p>
+        </p:txBody>
+      </p:sp>
+      <p:sp>
+        <p:nvSpPr>
+          <p:cNvPr id="20" name="Rectangle 19">
+            <a:extLst>
+              <a:ext uri="{FF2B5EF4-FFF2-40B4-BE49-F238E27FC236}">
+                <a16:creationId xmlns:a16="http://schemas.microsoft.com/office/drawing/2014/main" id="{AFF02C68-7668-7341-90C5-13FE09F25BFB}"/>
+              </a:ext>
+            </a:extLst>
+          </p:cNvPr>
+          <p:cNvSpPr/>
+          <p:nvPr/>
+        </p:nvSpPr>
+        <p:spPr>
+          <a:xfrm>
+            <a:off x="0" y="2614613"/>
+            <a:ext cx="12192000" cy="1428750"/>
+          </a:xfrm>
+          <a:prstGeom prst="rect">
+            <a:avLst/>
+          </a:prstGeom>
+          <a:solidFill>
+            <a:schemeClr val="accent4">
+              <a:lumMod val="60000"/>
+              <a:lumOff val="40000"/>
+            </a:schemeClr>
+          </a:solidFill>
+          <a:ln>
+            <a:solidFill>
+              <a:srgbClr val="FFC000"/>
+            </a:solidFill>
+          </a:ln>
+        </p:spPr>
+        <p:style>
+          <a:lnRef idx="2">
+            <a:schemeClr val="accent1">
+              <a:shade val="50000"/>
+            </a:schemeClr>
+          </a:lnRef>
+          <a:fillRef idx="1">
+            <a:schemeClr val="accent1"/>
+          </a:fillRef>
+          <a:effectRef idx="0">
+            <a:schemeClr val="accent1"/>
+          </a:effectRef>
+          <a:fontRef idx="minor">
+            <a:schemeClr val="lt1"/>
+          </a:fontRef>
+        </p:style>
+        <p:txBody>
+          <a:bodyPr rtlCol="0" anchor="ctr"/>
+          <a:lstStyle/>
+          <a:p>
+            <a:pPr algn="ctr"/>
+            <a:endParaRPr lang="en-PT" dirty="0"/>
+          </a:p>
+        </p:txBody>
+      </p:sp>
+      <p:pic>
+        <p:nvPicPr>
+          <p:cNvPr id="5" name="Picture 4" descr="A close up of a logo&#10;&#10;Description automatically generated">
+            <a:extLst>
+              <a:ext uri="{FF2B5EF4-FFF2-40B4-BE49-F238E27FC236}">
+                <a16:creationId xmlns:a16="http://schemas.microsoft.com/office/drawing/2014/main" id="{389BCC92-9DD4-0E45-A6AF-5D3CA064AA7F}"/>
+              </a:ext>
+            </a:extLst>
+          </p:cNvPr>
+          <p:cNvPicPr>
+            <a:picLocks noChangeAspect="1"/>
+          </p:cNvPicPr>
+          <p:nvPr/>
+        </p:nvPicPr>
+        <p:blipFill>
+          <a:blip r:embed="rId2"/>
+          <a:stretch>
+            <a:fillRect/>
+          </a:stretch>
+        </p:blipFill>
+        <p:spPr>
+          <a:xfrm>
+            <a:off x="-271464" y="1371600"/>
+            <a:ext cx="5595937" cy="5595937"/>
+          </a:xfrm>
+          <a:prstGeom prst="rect">
+            <a:avLst/>
+          </a:prstGeom>
+        </p:spPr>
+      </p:pic>
+      <p:sp>
+        <p:nvSpPr>
+          <p:cNvPr id="21" name="TextBox 20">
+            <a:extLst>
+              <a:ext uri="{FF2B5EF4-FFF2-40B4-BE49-F238E27FC236}">
+                <a16:creationId xmlns:a16="http://schemas.microsoft.com/office/drawing/2014/main" id="{E201A9DF-A6ED-7A4D-8E9E-A06F56C82A5F}"/>
+              </a:ext>
+            </a:extLst>
+          </p:cNvPr>
+          <p:cNvSpPr txBox="1"/>
+          <p:nvPr/>
+        </p:nvSpPr>
+        <p:spPr>
+          <a:xfrm>
+            <a:off x="7086600" y="-101600"/>
+            <a:ext cx="184731" cy="369332"/>
+          </a:xfrm>
+          <a:prstGeom prst="rect">
+            <a:avLst/>
+          </a:prstGeom>
+          <a:noFill/>
+        </p:spPr>
+        <p:txBody>
+          <a:bodyPr wrap="none" rtlCol="0">
+            <a:spAutoFit/>
+          </a:bodyPr>
+          <a:lstStyle/>
+          <a:p>
+            <a:endParaRPr lang="en-PT" dirty="0"/>
+          </a:p>
+        </p:txBody>
+      </p:sp>
+      <p:sp>
+        <p:nvSpPr>
+          <p:cNvPr id="22" name="TextBox 21">
+            <a:extLst>
+              <a:ext uri="{FF2B5EF4-FFF2-40B4-BE49-F238E27FC236}">
+                <a16:creationId xmlns:a16="http://schemas.microsoft.com/office/drawing/2014/main" id="{C593A02D-2029-794A-8F3F-146C8258405A}"/>
+              </a:ext>
+            </a:extLst>
+          </p:cNvPr>
+          <p:cNvSpPr txBox="1"/>
+          <p:nvPr/>
+        </p:nvSpPr>
+        <p:spPr>
+          <a:xfrm>
+            <a:off x="5004886" y="2733348"/>
+            <a:ext cx="6439399" cy="1384995"/>
+          </a:xfrm>
+          <a:prstGeom prst="rect">
+            <a:avLst/>
+          </a:prstGeom>
+          <a:noFill/>
+        </p:spPr>
+        <p:txBody>
+          <a:bodyPr wrap="square" rtlCol="0">
+            <a:spAutoFit/>
+          </a:bodyPr>
+          <a:lstStyle/>
+          <a:p>
+            <a:r>
+              <a:rPr lang="en-GB" sz="2400" dirty="0">
+                <a:latin typeface="Optima" panose="02000503060000020004" pitchFamily="2" charset="0"/>
+                <a:cs typeface="Berlin Sans FB" panose="020F0502020204030204" pitchFamily="34" charset="0"/>
+              </a:rPr>
+              <a:t>COVID-19 Community Mobility Reports</a:t>
+            </a:r>
+          </a:p>
+          <a:p>
+            <a:endParaRPr lang="en-GB" sz="2400" dirty="0">
+              <a:latin typeface="Optima" panose="02000503060000020004" pitchFamily="2" charset="0"/>
+              <a:cs typeface="Berlin Sans FB" panose="020F0502020204030204" pitchFamily="34" charset="0"/>
+            </a:endParaRPr>
+          </a:p>
+          <a:p>
+            <a:r>
+              <a:rPr lang="en-GB" dirty="0">
+                <a:latin typeface="Optima" panose="02000503060000020004" pitchFamily="2" charset="0"/>
+                <a:cs typeface="Berlin Sans FB" panose="020F0502020204030204" pitchFamily="34" charset="0"/>
+              </a:rPr>
+              <a:t>Maria Barros (up201608444) e Miguel Ferreira (up201606158)</a:t>
+            </a:r>
+          </a:p>
+          <a:p>
+            <a:endParaRPr lang="en-PT" dirty="0"/>
+          </a:p>
+        </p:txBody>
+      </p:sp>
+      <p:pic>
+        <p:nvPicPr>
+          <p:cNvPr id="24" name="Picture 23" descr="A picture containing black, clock&#10;&#10;Description automatically generated">
+            <a:extLst>
+              <a:ext uri="{FF2B5EF4-FFF2-40B4-BE49-F238E27FC236}">
+                <a16:creationId xmlns:a16="http://schemas.microsoft.com/office/drawing/2014/main" id="{14FEEFBB-81BD-EB40-868B-5DB273358269}"/>
+              </a:ext>
+            </a:extLst>
+          </p:cNvPr>
+          <p:cNvPicPr>
+            <a:picLocks noChangeAspect="1"/>
+          </p:cNvPicPr>
+          <p:nvPr/>
+        </p:nvPicPr>
+        <p:blipFill>
+          <a:blip r:embed="rId3"/>
+          <a:stretch>
+            <a:fillRect/>
+          </a:stretch>
+        </p:blipFill>
+        <p:spPr>
+          <a:xfrm>
+            <a:off x="4588524" y="511650"/>
+            <a:ext cx="1104900" cy="1104900"/>
+          </a:xfrm>
+          <a:prstGeom prst="rect">
+            <a:avLst/>
+          </a:prstGeom>
+        </p:spPr>
+      </p:pic>
+      <p:pic>
+        <p:nvPicPr>
+          <p:cNvPr id="25" name="Picture 24" descr="A picture containing black, clock&#10;&#10;Description automatically generated">
+            <a:extLst>
+              <a:ext uri="{FF2B5EF4-FFF2-40B4-BE49-F238E27FC236}">
+                <a16:creationId xmlns:a16="http://schemas.microsoft.com/office/drawing/2014/main" id="{536B82E6-37C1-764A-A452-92023B5B971B}"/>
+              </a:ext>
+            </a:extLst>
+          </p:cNvPr>
+          <p:cNvPicPr>
+            <a:picLocks noChangeAspect="1"/>
+          </p:cNvPicPr>
+          <p:nvPr/>
+        </p:nvPicPr>
+        <p:blipFill>
+          <a:blip r:embed="rId3"/>
+          <a:stretch>
+            <a:fillRect/>
+          </a:stretch>
+        </p:blipFill>
+        <p:spPr>
+          <a:xfrm>
+            <a:off x="5194300" y="4686300"/>
+            <a:ext cx="1660050" cy="1660050"/>
+          </a:xfrm>
+          <a:prstGeom prst="rect">
+            <a:avLst/>
+          </a:prstGeom>
+        </p:spPr>
+      </p:pic>
+      <p:pic>
+        <p:nvPicPr>
+          <p:cNvPr id="26" name="Picture 25" descr="A picture containing black, clock&#10;&#10;Description automatically generated">
+            <a:extLst>
+              <a:ext uri="{FF2B5EF4-FFF2-40B4-BE49-F238E27FC236}">
+                <a16:creationId xmlns:a16="http://schemas.microsoft.com/office/drawing/2014/main" id="{464FAEA9-0BA2-414C-9558-1D33A79E7E6C}"/>
+              </a:ext>
+            </a:extLst>
+          </p:cNvPr>
+          <p:cNvPicPr>
+            <a:picLocks noChangeAspect="1"/>
+          </p:cNvPicPr>
+          <p:nvPr/>
+        </p:nvPicPr>
+        <p:blipFill>
+          <a:blip r:embed="rId3"/>
+          <a:stretch>
+            <a:fillRect/>
+          </a:stretch>
+        </p:blipFill>
+        <p:spPr>
+          <a:xfrm>
+            <a:off x="6293329" y="1886902"/>
+            <a:ext cx="574200" cy="574200"/>
+          </a:xfrm>
+          <a:prstGeom prst="rect">
+            <a:avLst/>
+          </a:prstGeom>
+        </p:spPr>
+      </p:pic>
+      <p:pic>
+        <p:nvPicPr>
+          <p:cNvPr id="27" name="Picture 26" descr="A picture containing black, clock&#10;&#10;Description automatically generated">
+            <a:extLst>
+              <a:ext uri="{FF2B5EF4-FFF2-40B4-BE49-F238E27FC236}">
+                <a16:creationId xmlns:a16="http://schemas.microsoft.com/office/drawing/2014/main" id="{E63A8491-6295-0F41-ABB1-29D768DA2155}"/>
+              </a:ext>
+            </a:extLst>
+          </p:cNvPr>
+          <p:cNvPicPr>
+            <a:picLocks noChangeAspect="1"/>
+          </p:cNvPicPr>
+          <p:nvPr/>
+        </p:nvPicPr>
+        <p:blipFill>
+          <a:blip r:embed="rId3"/>
+          <a:stretch>
+            <a:fillRect/>
+          </a:stretch>
+        </p:blipFill>
+        <p:spPr>
+          <a:xfrm>
+            <a:off x="7324729" y="360351"/>
+            <a:ext cx="956252" cy="956252"/>
+          </a:xfrm>
+          <a:prstGeom prst="rect">
+            <a:avLst/>
+          </a:prstGeom>
+        </p:spPr>
+      </p:pic>
+      <p:pic>
+        <p:nvPicPr>
+          <p:cNvPr id="28" name="Picture 27" descr="A picture containing black, clock&#10;&#10;Description automatically generated">
+            <a:extLst>
+              <a:ext uri="{FF2B5EF4-FFF2-40B4-BE49-F238E27FC236}">
+                <a16:creationId xmlns:a16="http://schemas.microsoft.com/office/drawing/2014/main" id="{F81DE285-E1FC-3240-A98A-51A53FEE5660}"/>
+              </a:ext>
+            </a:extLst>
+          </p:cNvPr>
+          <p:cNvPicPr>
+            <a:picLocks noChangeAspect="1"/>
+          </p:cNvPicPr>
+          <p:nvPr/>
+        </p:nvPicPr>
+        <p:blipFill>
+          <a:blip r:embed="rId3"/>
+          <a:stretch>
+            <a:fillRect/>
+          </a:stretch>
+        </p:blipFill>
+        <p:spPr>
+          <a:xfrm>
+            <a:off x="8854162" y="1387713"/>
+            <a:ext cx="1455737" cy="1455737"/>
+          </a:xfrm>
+          <a:prstGeom prst="rect">
+            <a:avLst/>
+          </a:prstGeom>
+        </p:spPr>
+      </p:pic>
+      <p:pic>
+        <p:nvPicPr>
+          <p:cNvPr id="29" name="Picture 28" descr="A picture containing black, clock&#10;&#10;Description automatically generated">
+            <a:extLst>
+              <a:ext uri="{FF2B5EF4-FFF2-40B4-BE49-F238E27FC236}">
+                <a16:creationId xmlns:a16="http://schemas.microsoft.com/office/drawing/2014/main" id="{A437EF18-5C8B-F843-AAB9-ACF5D667B49A}"/>
+              </a:ext>
+            </a:extLst>
+          </p:cNvPr>
+          <p:cNvPicPr>
+            <a:picLocks noChangeAspect="1"/>
+          </p:cNvPicPr>
+          <p:nvPr/>
+        </p:nvPicPr>
+        <p:blipFill>
+          <a:blip r:embed="rId3"/>
+          <a:stretch>
+            <a:fillRect/>
+          </a:stretch>
+        </p:blipFill>
+        <p:spPr>
+          <a:xfrm>
+            <a:off x="10492163" y="144939"/>
+            <a:ext cx="1104900" cy="1104900"/>
+          </a:xfrm>
+          <a:prstGeom prst="rect">
+            <a:avLst/>
+          </a:prstGeom>
+        </p:spPr>
+      </p:pic>
+      <p:pic>
+        <p:nvPicPr>
+          <p:cNvPr id="30" name="Picture 29" descr="A picture containing black, clock&#10;&#10;Description automatically generated">
+            <a:extLst>
+              <a:ext uri="{FF2B5EF4-FFF2-40B4-BE49-F238E27FC236}">
+                <a16:creationId xmlns:a16="http://schemas.microsoft.com/office/drawing/2014/main" id="{ACBE893A-A0E3-5547-B63D-BF73061DCF58}"/>
+              </a:ext>
+            </a:extLst>
+          </p:cNvPr>
+          <p:cNvPicPr>
+            <a:picLocks noChangeAspect="1"/>
+          </p:cNvPicPr>
+          <p:nvPr/>
+        </p:nvPicPr>
+        <p:blipFill>
+          <a:blip r:embed="rId3"/>
+          <a:stretch>
+            <a:fillRect/>
+          </a:stretch>
+        </p:blipFill>
+        <p:spPr>
+          <a:xfrm>
+            <a:off x="7745010" y="3867545"/>
+            <a:ext cx="807247" cy="807247"/>
+          </a:xfrm>
+          <a:prstGeom prst="rect">
+            <a:avLst/>
+          </a:prstGeom>
+        </p:spPr>
+      </p:pic>
+      <p:pic>
+        <p:nvPicPr>
+          <p:cNvPr id="31" name="Picture 30" descr="A picture containing black, clock&#10;&#10;Description automatically generated">
+            <a:extLst>
+              <a:ext uri="{FF2B5EF4-FFF2-40B4-BE49-F238E27FC236}">
+                <a16:creationId xmlns:a16="http://schemas.microsoft.com/office/drawing/2014/main" id="{AE8FAABD-6F59-2844-8D12-C8E7AC94D2D6}"/>
+              </a:ext>
+            </a:extLst>
+          </p:cNvPr>
+          <p:cNvPicPr>
+            <a:picLocks noChangeAspect="1"/>
+          </p:cNvPicPr>
+          <p:nvPr/>
+        </p:nvPicPr>
+        <p:blipFill>
+          <a:blip r:embed="rId3"/>
+          <a:stretch>
+            <a:fillRect/>
+          </a:stretch>
+        </p:blipFill>
+        <p:spPr>
+          <a:xfrm>
+            <a:off x="8403430" y="5408137"/>
+            <a:ext cx="1104900" cy="1104900"/>
+          </a:xfrm>
+          <a:prstGeom prst="rect">
+            <a:avLst/>
+          </a:prstGeom>
+        </p:spPr>
+      </p:pic>
+      <p:pic>
+        <p:nvPicPr>
+          <p:cNvPr id="32" name="Picture 31" descr="A picture containing black, clock&#10;&#10;Description automatically generated">
+            <a:extLst>
+              <a:ext uri="{FF2B5EF4-FFF2-40B4-BE49-F238E27FC236}">
+                <a16:creationId xmlns:a16="http://schemas.microsoft.com/office/drawing/2014/main" id="{C1BE53B8-2789-274A-B7E1-8B28D761AA01}"/>
+              </a:ext>
+            </a:extLst>
+          </p:cNvPr>
+          <p:cNvPicPr>
+            <a:picLocks noChangeAspect="1"/>
+          </p:cNvPicPr>
+          <p:nvPr/>
+        </p:nvPicPr>
+        <p:blipFill>
+          <a:blip r:embed="rId3"/>
+          <a:stretch>
+            <a:fillRect/>
+          </a:stretch>
+        </p:blipFill>
+        <p:spPr>
+          <a:xfrm>
+            <a:off x="10015536" y="3779629"/>
+            <a:ext cx="1428749" cy="1428749"/>
+          </a:xfrm>
+          <a:prstGeom prst="rect">
+            <a:avLst/>
+          </a:prstGeom>
+        </p:spPr>
+      </p:pic>
+      <p:pic>
+        <p:nvPicPr>
+          <p:cNvPr id="33" name="Picture 32" descr="A picture containing black, clock&#10;&#10;Description automatically generated">
+            <a:extLst>
+              <a:ext uri="{FF2B5EF4-FFF2-40B4-BE49-F238E27FC236}">
+                <a16:creationId xmlns:a16="http://schemas.microsoft.com/office/drawing/2014/main" id="{A58E0D06-C0EB-8A4E-8559-DF41457B1411}"/>
+              </a:ext>
+            </a:extLst>
+          </p:cNvPr>
+          <p:cNvPicPr>
+            <a:picLocks noChangeAspect="1"/>
+          </p:cNvPicPr>
+          <p:nvPr/>
+        </p:nvPicPr>
+        <p:blipFill>
+          <a:blip r:embed="rId3"/>
+          <a:stretch>
+            <a:fillRect/>
+          </a:stretch>
+        </p:blipFill>
+        <p:spPr>
+          <a:xfrm>
+            <a:off x="502414" y="119438"/>
+            <a:ext cx="952500" cy="952500"/>
+          </a:xfrm>
+          <a:prstGeom prst="rect">
+            <a:avLst/>
+          </a:prstGeom>
+        </p:spPr>
+      </p:pic>
+      <p:pic>
+        <p:nvPicPr>
+          <p:cNvPr id="34" name="Picture 33" descr="A picture containing black, clock&#10;&#10;Description automatically generated">
+            <a:extLst>
+              <a:ext uri="{FF2B5EF4-FFF2-40B4-BE49-F238E27FC236}">
+                <a16:creationId xmlns:a16="http://schemas.microsoft.com/office/drawing/2014/main" id="{E35A4874-4BC3-CE47-94A4-E63ECE909F63}"/>
+              </a:ext>
+            </a:extLst>
+          </p:cNvPr>
+          <p:cNvPicPr>
+            <a:picLocks noChangeAspect="1"/>
+          </p:cNvPicPr>
+          <p:nvPr/>
+        </p:nvPicPr>
+        <p:blipFill>
+          <a:blip r:embed="rId3"/>
+          <a:stretch>
+            <a:fillRect/>
+          </a:stretch>
+        </p:blipFill>
+        <p:spPr>
+          <a:xfrm>
+            <a:off x="2609969" y="541158"/>
+            <a:ext cx="897355" cy="897355"/>
+          </a:xfrm>
+          <a:prstGeom prst="rect">
+            <a:avLst/>
+          </a:prstGeom>
+        </p:spPr>
+      </p:pic>
     </p:spTree>
     <p:extLst>
       <p:ext uri="{BB962C8B-B14F-4D97-AF65-F5344CB8AC3E}">
         <p14:creationId xmlns:p14="http://schemas.microsoft.com/office/powerpoint/2010/main" val="1444456135"/>
+      </p:ext>
+    </p:extLst>
+  </p:cSld>
+  <p:clrMapOvr>
+    <a:masterClrMapping/>
+  </p:clrMapOvr>
+</p:sld>
+</file>
+
+<file path=ppt/slides/slide2.xml><?xml version="1.0" encoding="utf-8"?>
+<p:sld xmlns:a="http://schemas.openxmlformats.org/drawingml/2006/main" xmlns:r="http://schemas.openxmlformats.org/officeDocument/2006/relationships" xmlns:p="http://schemas.openxmlformats.org/presentationml/2006/main">
+  <p:cSld>
+    <p:spTree>
+      <p:nvGrpSpPr>
+        <p:cNvPr id="1" name=""/>
+        <p:cNvGrpSpPr/>
+        <p:nvPr/>
+      </p:nvGrpSpPr>
+      <p:grpSpPr>
+        <a:xfrm>
+          <a:off x="0" y="0"/>
+          <a:ext cx="0" cy="0"/>
+          <a:chOff x="0" y="0"/>
+          <a:chExt cx="0" cy="0"/>
+        </a:xfrm>
+      </p:grpSpPr>
+      <p:sp>
+        <p:nvSpPr>
+          <p:cNvPr id="22" name="Rectangle 21">
+            <a:extLst>
+              <a:ext uri="{FF2B5EF4-FFF2-40B4-BE49-F238E27FC236}">
+                <a16:creationId xmlns:a16="http://schemas.microsoft.com/office/drawing/2014/main" id="{9B61340A-0CE9-5041-9D62-09CE0DB3A1AE}"/>
+              </a:ext>
+            </a:extLst>
+          </p:cNvPr>
+          <p:cNvSpPr/>
+          <p:nvPr/>
+        </p:nvSpPr>
+        <p:spPr>
+          <a:xfrm>
+            <a:off x="0" y="0"/>
+            <a:ext cx="12192000" cy="6858000"/>
+          </a:xfrm>
+          <a:prstGeom prst="rect">
+            <a:avLst/>
+          </a:prstGeom>
+          <a:solidFill>
+            <a:schemeClr val="accent1">
+              <a:lumMod val="60000"/>
+              <a:lumOff val="40000"/>
+            </a:schemeClr>
+          </a:solidFill>
+          <a:ln>
+            <a:solidFill>
+              <a:schemeClr val="accent1">
+                <a:lumMod val="60000"/>
+                <a:lumOff val="40000"/>
+              </a:schemeClr>
+            </a:solidFill>
+          </a:ln>
+        </p:spPr>
+        <p:style>
+          <a:lnRef idx="2">
+            <a:schemeClr val="accent1">
+              <a:shade val="50000"/>
+            </a:schemeClr>
+          </a:lnRef>
+          <a:fillRef idx="1">
+            <a:schemeClr val="accent1"/>
+          </a:fillRef>
+          <a:effectRef idx="0">
+            <a:schemeClr val="accent1"/>
+          </a:effectRef>
+          <a:fontRef idx="minor">
+            <a:schemeClr val="lt1"/>
+          </a:fontRef>
+        </p:style>
+        <p:txBody>
+          <a:bodyPr rtlCol="0" anchor="ctr"/>
+          <a:lstStyle/>
+          <a:p>
+            <a:pPr algn="ctr"/>
+            <a:endParaRPr lang="en-PT"/>
+          </a:p>
+        </p:txBody>
+      </p:sp>
+      <p:sp>
+        <p:nvSpPr>
+          <p:cNvPr id="4" name="Rectangle 3">
+            <a:extLst>
+              <a:ext uri="{FF2B5EF4-FFF2-40B4-BE49-F238E27FC236}">
+                <a16:creationId xmlns:a16="http://schemas.microsoft.com/office/drawing/2014/main" id="{364572B9-69EF-1B4E-9451-C6C18AD62D7D}"/>
+              </a:ext>
+            </a:extLst>
+          </p:cNvPr>
+          <p:cNvSpPr/>
+          <p:nvPr/>
+        </p:nvSpPr>
+        <p:spPr>
+          <a:xfrm>
+            <a:off x="0" y="-16042"/>
+            <a:ext cx="12192000" cy="1428750"/>
+          </a:xfrm>
+          <a:prstGeom prst="rect">
+            <a:avLst/>
+          </a:prstGeom>
+          <a:solidFill>
+            <a:schemeClr val="accent4">
+              <a:lumMod val="40000"/>
+              <a:lumOff val="60000"/>
+            </a:schemeClr>
+          </a:solidFill>
+          <a:ln>
+            <a:solidFill>
+              <a:schemeClr val="accent4">
+                <a:lumMod val="40000"/>
+                <a:lumOff val="60000"/>
+              </a:schemeClr>
+            </a:solidFill>
+          </a:ln>
+        </p:spPr>
+        <p:style>
+          <a:lnRef idx="2">
+            <a:schemeClr val="accent1">
+              <a:shade val="50000"/>
+            </a:schemeClr>
+          </a:lnRef>
+          <a:fillRef idx="1">
+            <a:schemeClr val="accent1"/>
+          </a:fillRef>
+          <a:effectRef idx="0">
+            <a:schemeClr val="accent1"/>
+          </a:effectRef>
+          <a:fontRef idx="minor">
+            <a:schemeClr val="lt1"/>
+          </a:fontRef>
+        </p:style>
+        <p:txBody>
+          <a:bodyPr rtlCol="0" anchor="ctr"/>
+          <a:lstStyle/>
+          <a:p>
+            <a:pPr algn="ctr"/>
+            <a:endParaRPr lang="en-PT" dirty="0"/>
+          </a:p>
+        </p:txBody>
+      </p:sp>
+      <p:pic>
+        <p:nvPicPr>
+          <p:cNvPr id="5" name="Picture 4" descr="A picture containing black, clock&#10;&#10;Description automatically generated">
+            <a:extLst>
+              <a:ext uri="{FF2B5EF4-FFF2-40B4-BE49-F238E27FC236}">
+                <a16:creationId xmlns:a16="http://schemas.microsoft.com/office/drawing/2014/main" id="{445D12F7-D671-7D42-B03E-A5B7AB531869}"/>
+              </a:ext>
+            </a:extLst>
+          </p:cNvPr>
+          <p:cNvPicPr>
+            <a:picLocks noChangeAspect="1"/>
+          </p:cNvPicPr>
+          <p:nvPr/>
+        </p:nvPicPr>
+        <p:blipFill>
+          <a:blip r:embed="rId2"/>
+          <a:stretch>
+            <a:fillRect/>
+          </a:stretch>
+        </p:blipFill>
+        <p:spPr>
+          <a:xfrm>
+            <a:off x="9594034" y="853131"/>
+            <a:ext cx="897355" cy="897355"/>
+          </a:xfrm>
+          <a:prstGeom prst="rect">
+            <a:avLst/>
+          </a:prstGeom>
+        </p:spPr>
+      </p:pic>
+      <p:pic>
+        <p:nvPicPr>
+          <p:cNvPr id="6" name="Picture 5" descr="A picture containing black, clock&#10;&#10;Description automatically generated">
+            <a:extLst>
+              <a:ext uri="{FF2B5EF4-FFF2-40B4-BE49-F238E27FC236}">
+                <a16:creationId xmlns:a16="http://schemas.microsoft.com/office/drawing/2014/main" id="{21908F64-C0A0-9E4A-9E9C-815D57477F46}"/>
+              </a:ext>
+            </a:extLst>
+          </p:cNvPr>
+          <p:cNvPicPr>
+            <a:picLocks noChangeAspect="1"/>
+          </p:cNvPicPr>
+          <p:nvPr/>
+        </p:nvPicPr>
+        <p:blipFill>
+          <a:blip r:embed="rId2"/>
+          <a:stretch>
+            <a:fillRect/>
+          </a:stretch>
+        </p:blipFill>
+        <p:spPr>
+          <a:xfrm>
+            <a:off x="10797340" y="16042"/>
+            <a:ext cx="1167882" cy="1167882"/>
+          </a:xfrm>
+          <a:prstGeom prst="rect">
+            <a:avLst/>
+          </a:prstGeom>
+        </p:spPr>
+      </p:pic>
+      <p:pic>
+        <p:nvPicPr>
+          <p:cNvPr id="7" name="Picture 6" descr="A picture containing black, clock&#10;&#10;Description automatically generated">
+            <a:extLst>
+              <a:ext uri="{FF2B5EF4-FFF2-40B4-BE49-F238E27FC236}">
+                <a16:creationId xmlns:a16="http://schemas.microsoft.com/office/drawing/2014/main" id="{53C7CBB4-8D7F-C04E-9BBC-A81838950C78}"/>
+              </a:ext>
+            </a:extLst>
+          </p:cNvPr>
+          <p:cNvPicPr>
+            <a:picLocks noChangeAspect="1"/>
+          </p:cNvPicPr>
+          <p:nvPr/>
+        </p:nvPicPr>
+        <p:blipFill>
+          <a:blip r:embed="rId2"/>
+          <a:stretch>
+            <a:fillRect/>
+          </a:stretch>
+        </p:blipFill>
+        <p:spPr>
+          <a:xfrm>
+            <a:off x="10037983" y="185502"/>
+            <a:ext cx="443596" cy="443596"/>
+          </a:xfrm>
+          <a:prstGeom prst="rect">
+            <a:avLst/>
+          </a:prstGeom>
+        </p:spPr>
+      </p:pic>
+      <p:sp>
+        <p:nvSpPr>
+          <p:cNvPr id="8" name="TextBox 7">
+            <a:extLst>
+              <a:ext uri="{FF2B5EF4-FFF2-40B4-BE49-F238E27FC236}">
+                <a16:creationId xmlns:a16="http://schemas.microsoft.com/office/drawing/2014/main" id="{8E8B6E98-8EBF-124A-AFAD-37A640BF909C}"/>
+              </a:ext>
+            </a:extLst>
+          </p:cNvPr>
+          <p:cNvSpPr txBox="1"/>
+          <p:nvPr/>
+        </p:nvSpPr>
+        <p:spPr>
+          <a:xfrm>
+            <a:off x="609349" y="502365"/>
+            <a:ext cx="6439399" cy="461665"/>
+          </a:xfrm>
+          <a:prstGeom prst="rect">
+            <a:avLst/>
+          </a:prstGeom>
+          <a:noFill/>
+        </p:spPr>
+        <p:txBody>
+          <a:bodyPr wrap="square" rtlCol="0">
+            <a:spAutoFit/>
+          </a:bodyPr>
+          <a:lstStyle/>
+          <a:p>
+            <a:r>
+              <a:rPr lang="en-GB" sz="2400" dirty="0" err="1">
+                <a:latin typeface="Optima" panose="02000503060000020004" pitchFamily="2" charset="0"/>
+                <a:cs typeface="Berlin Sans FB" panose="020F0502020204030204" pitchFamily="34" charset="0"/>
+              </a:rPr>
+              <a:t>Definição</a:t>
+            </a:r>
+            <a:r>
+              <a:rPr lang="en-GB" sz="2400" dirty="0">
+                <a:latin typeface="Optima" panose="02000503060000020004" pitchFamily="2" charset="0"/>
+                <a:cs typeface="Berlin Sans FB" panose="020F0502020204030204" pitchFamily="34" charset="0"/>
+              </a:rPr>
+              <a:t> do </a:t>
+            </a:r>
+            <a:r>
+              <a:rPr lang="en-GB" sz="2400" dirty="0" err="1">
+                <a:latin typeface="Optima" panose="02000503060000020004" pitchFamily="2" charset="0"/>
+                <a:cs typeface="Berlin Sans FB" panose="020F0502020204030204" pitchFamily="34" charset="0"/>
+              </a:rPr>
+              <a:t>problema</a:t>
+            </a:r>
+            <a:endParaRPr lang="en-GB" sz="2400" dirty="0">
+              <a:latin typeface="Optima" panose="02000503060000020004" pitchFamily="2" charset="0"/>
+              <a:cs typeface="Berlin Sans FB" panose="020F0502020204030204" pitchFamily="34" charset="0"/>
+            </a:endParaRPr>
+          </a:p>
+        </p:txBody>
+      </p:sp>
+      <p:sp>
+        <p:nvSpPr>
+          <p:cNvPr id="9" name="TextBox 8">
+            <a:extLst>
+              <a:ext uri="{FF2B5EF4-FFF2-40B4-BE49-F238E27FC236}">
+                <a16:creationId xmlns:a16="http://schemas.microsoft.com/office/drawing/2014/main" id="{B64793EA-D7A1-4644-BF81-002146201805}"/>
+              </a:ext>
+            </a:extLst>
+          </p:cNvPr>
+          <p:cNvSpPr txBox="1"/>
+          <p:nvPr/>
+        </p:nvSpPr>
+        <p:spPr>
+          <a:xfrm>
+            <a:off x="737686" y="1944102"/>
+            <a:ext cx="11115241" cy="923330"/>
+          </a:xfrm>
+          <a:prstGeom prst="rect">
+            <a:avLst/>
+          </a:prstGeom>
+          <a:noFill/>
+        </p:spPr>
+        <p:txBody>
+          <a:bodyPr wrap="square" rtlCol="0">
+            <a:spAutoFit/>
+          </a:bodyPr>
+          <a:lstStyle/>
+          <a:p>
+            <a:r>
+              <a:rPr lang="en-PT" dirty="0">
+                <a:latin typeface="Optima" panose="02000503060000020004" pitchFamily="2" charset="0"/>
+                <a:cs typeface="Berlin Sans FB" panose="020F0502020204030204" pitchFamily="34" charset="0"/>
+              </a:rPr>
+              <a:t>Antes da definição do problema, é necessário primeiro conhecer o dataset. Para este trabalho, o dataset com que vamos trabalhar possui informação sobre </a:t>
+            </a:r>
+            <a:r>
+              <a:rPr lang="en-PT" b="1" dirty="0">
+                <a:latin typeface="Optima" panose="02000503060000020004" pitchFamily="2" charset="0"/>
+                <a:cs typeface="Berlin Sans FB" panose="020F0502020204030204" pitchFamily="34" charset="0"/>
+              </a:rPr>
+              <a:t>19 diferentes países, </a:t>
+            </a:r>
+            <a:r>
+              <a:rPr lang="en-PT" dirty="0">
+                <a:latin typeface="Optima" panose="02000503060000020004" pitchFamily="2" charset="0"/>
+                <a:cs typeface="Berlin Sans FB" panose="020F0502020204030204" pitchFamily="34" charset="0"/>
+              </a:rPr>
+              <a:t>com informações diárias durante </a:t>
+            </a:r>
+            <a:r>
+              <a:rPr lang="en-PT" b="1" dirty="0">
+                <a:latin typeface="Optima" panose="02000503060000020004" pitchFamily="2" charset="0"/>
+                <a:cs typeface="Berlin Sans FB" panose="020F0502020204030204" pitchFamily="34" charset="0"/>
+              </a:rPr>
+              <a:t>43</a:t>
+            </a:r>
+            <a:r>
+              <a:rPr lang="en-PT" dirty="0">
+                <a:latin typeface="Optima" panose="02000503060000020004" pitchFamily="2" charset="0"/>
+                <a:cs typeface="Berlin Sans FB" panose="020F0502020204030204" pitchFamily="34" charset="0"/>
+              </a:rPr>
+              <a:t> </a:t>
+            </a:r>
+            <a:r>
+              <a:rPr lang="en-PT" b="1" dirty="0">
+                <a:latin typeface="Optima" panose="02000503060000020004" pitchFamily="2" charset="0"/>
+                <a:cs typeface="Berlin Sans FB" panose="020F0502020204030204" pitchFamily="34" charset="0"/>
+              </a:rPr>
+              <a:t>dias</a:t>
+            </a:r>
+            <a:r>
+              <a:rPr lang="en-PT" dirty="0">
+                <a:latin typeface="Optima" panose="02000503060000020004" pitchFamily="2" charset="0"/>
+                <a:cs typeface="Berlin Sans FB" panose="020F0502020204030204" pitchFamily="34" charset="0"/>
+              </a:rPr>
+              <a:t>, sobre diferentes informações:</a:t>
+            </a:r>
+            <a:endParaRPr lang="en-GB" b="1" dirty="0">
+              <a:latin typeface="Optima" panose="02000503060000020004" pitchFamily="2" charset="0"/>
+              <a:cs typeface="Berlin Sans FB" panose="020F0502020204030204" pitchFamily="34" charset="0"/>
+            </a:endParaRPr>
+          </a:p>
+        </p:txBody>
+      </p:sp>
+      <p:sp>
+        <p:nvSpPr>
+          <p:cNvPr id="23" name="Oval 22">
+            <a:extLst>
+              <a:ext uri="{FF2B5EF4-FFF2-40B4-BE49-F238E27FC236}">
+                <a16:creationId xmlns:a16="http://schemas.microsoft.com/office/drawing/2014/main" id="{6786ACCB-4BE1-F341-A9F0-0CCCB83E84E4}"/>
+              </a:ext>
+            </a:extLst>
+          </p:cNvPr>
+          <p:cNvSpPr/>
+          <p:nvPr/>
+        </p:nvSpPr>
+        <p:spPr>
+          <a:xfrm>
+            <a:off x="944452" y="3223335"/>
+            <a:ext cx="2048803" cy="1945200"/>
+          </a:xfrm>
+          <a:prstGeom prst="ellipse">
+            <a:avLst/>
+          </a:prstGeom>
+          <a:solidFill>
+            <a:schemeClr val="accent4">
+              <a:lumMod val="40000"/>
+              <a:lumOff val="60000"/>
+            </a:schemeClr>
+          </a:solidFill>
+          <a:ln>
+            <a:solidFill>
+              <a:schemeClr val="accent4">
+                <a:lumMod val="40000"/>
+                <a:lumOff val="60000"/>
+              </a:schemeClr>
+            </a:solidFill>
+          </a:ln>
+        </p:spPr>
+        <p:style>
+          <a:lnRef idx="2">
+            <a:schemeClr val="accent1">
+              <a:shade val="50000"/>
+            </a:schemeClr>
+          </a:lnRef>
+          <a:fillRef idx="1">
+            <a:schemeClr val="accent1"/>
+          </a:fillRef>
+          <a:effectRef idx="0">
+            <a:schemeClr val="accent1"/>
+          </a:effectRef>
+          <a:fontRef idx="minor">
+            <a:schemeClr val="lt1"/>
+          </a:fontRef>
+        </p:style>
+        <p:txBody>
+          <a:bodyPr rtlCol="0" anchor="ctr"/>
+          <a:lstStyle/>
+          <a:p>
+            <a:pPr algn="ctr"/>
+            <a:endParaRPr lang="en-PT"/>
+          </a:p>
+        </p:txBody>
+      </p:sp>
+      <p:pic>
+        <p:nvPicPr>
+          <p:cNvPr id="11" name="Picture 10" descr="A picture containing object, clock&#10;&#10;Description automatically generated">
+            <a:extLst>
+              <a:ext uri="{FF2B5EF4-FFF2-40B4-BE49-F238E27FC236}">
+                <a16:creationId xmlns:a16="http://schemas.microsoft.com/office/drawing/2014/main" id="{EB538316-393E-8A40-8FBD-46138FD0D6AD}"/>
+              </a:ext>
+            </a:extLst>
+          </p:cNvPr>
+          <p:cNvPicPr>
+            <a:picLocks noChangeAspect="1"/>
+          </p:cNvPicPr>
+          <p:nvPr/>
+        </p:nvPicPr>
+        <p:blipFill>
+          <a:blip r:embed="rId3"/>
+          <a:stretch>
+            <a:fillRect/>
+          </a:stretch>
+        </p:blipFill>
+        <p:spPr>
+          <a:xfrm>
+            <a:off x="1226077" y="3429001"/>
+            <a:ext cx="1485551" cy="1485551"/>
+          </a:xfrm>
+          <a:prstGeom prst="rect">
+            <a:avLst/>
+          </a:prstGeom>
+        </p:spPr>
+      </p:pic>
+      <p:sp>
+        <p:nvSpPr>
+          <p:cNvPr id="24" name="Oval 23">
+            <a:extLst>
+              <a:ext uri="{FF2B5EF4-FFF2-40B4-BE49-F238E27FC236}">
+                <a16:creationId xmlns:a16="http://schemas.microsoft.com/office/drawing/2014/main" id="{2F2AFD48-6127-FB46-85E9-7217EDFC38EA}"/>
+              </a:ext>
+            </a:extLst>
+          </p:cNvPr>
+          <p:cNvSpPr/>
+          <p:nvPr/>
+        </p:nvSpPr>
+        <p:spPr>
+          <a:xfrm>
+            <a:off x="3670206" y="3223335"/>
+            <a:ext cx="2048803" cy="1945200"/>
+          </a:xfrm>
+          <a:prstGeom prst="ellipse">
+            <a:avLst/>
+          </a:prstGeom>
+          <a:solidFill>
+            <a:schemeClr val="accent4">
+              <a:lumMod val="40000"/>
+              <a:lumOff val="60000"/>
+            </a:schemeClr>
+          </a:solidFill>
+          <a:ln>
+            <a:solidFill>
+              <a:schemeClr val="accent4">
+                <a:lumMod val="40000"/>
+                <a:lumOff val="60000"/>
+              </a:schemeClr>
+            </a:solidFill>
+          </a:ln>
+        </p:spPr>
+        <p:style>
+          <a:lnRef idx="2">
+            <a:schemeClr val="accent1">
+              <a:shade val="50000"/>
+            </a:schemeClr>
+          </a:lnRef>
+          <a:fillRef idx="1">
+            <a:schemeClr val="accent1"/>
+          </a:fillRef>
+          <a:effectRef idx="0">
+            <a:schemeClr val="accent1"/>
+          </a:effectRef>
+          <a:fontRef idx="minor">
+            <a:schemeClr val="lt1"/>
+          </a:fontRef>
+        </p:style>
+        <p:txBody>
+          <a:bodyPr rtlCol="0" anchor="ctr"/>
+          <a:lstStyle/>
+          <a:p>
+            <a:pPr algn="ctr"/>
+            <a:endParaRPr lang="en-PT"/>
+          </a:p>
+        </p:txBody>
+      </p:sp>
+      <p:sp>
+        <p:nvSpPr>
+          <p:cNvPr id="25" name="Oval 24">
+            <a:extLst>
+              <a:ext uri="{FF2B5EF4-FFF2-40B4-BE49-F238E27FC236}">
+                <a16:creationId xmlns:a16="http://schemas.microsoft.com/office/drawing/2014/main" id="{45C856E7-B49E-2C47-B28D-AC5F205CE42F}"/>
+              </a:ext>
+            </a:extLst>
+          </p:cNvPr>
+          <p:cNvSpPr/>
+          <p:nvPr/>
+        </p:nvSpPr>
+        <p:spPr>
+          <a:xfrm>
+            <a:off x="6522875" y="3219324"/>
+            <a:ext cx="2048803" cy="1945200"/>
+          </a:xfrm>
+          <a:prstGeom prst="ellipse">
+            <a:avLst/>
+          </a:prstGeom>
+          <a:solidFill>
+            <a:schemeClr val="accent4">
+              <a:lumMod val="40000"/>
+              <a:lumOff val="60000"/>
+            </a:schemeClr>
+          </a:solidFill>
+          <a:ln>
+            <a:solidFill>
+              <a:schemeClr val="accent4">
+                <a:lumMod val="40000"/>
+                <a:lumOff val="60000"/>
+              </a:schemeClr>
+            </a:solidFill>
+          </a:ln>
+        </p:spPr>
+        <p:style>
+          <a:lnRef idx="2">
+            <a:schemeClr val="accent1">
+              <a:shade val="50000"/>
+            </a:schemeClr>
+          </a:lnRef>
+          <a:fillRef idx="1">
+            <a:schemeClr val="accent1"/>
+          </a:fillRef>
+          <a:effectRef idx="0">
+            <a:schemeClr val="accent1"/>
+          </a:effectRef>
+          <a:fontRef idx="minor">
+            <a:schemeClr val="lt1"/>
+          </a:fontRef>
+        </p:style>
+        <p:txBody>
+          <a:bodyPr rtlCol="0" anchor="ctr"/>
+          <a:lstStyle/>
+          <a:p>
+            <a:pPr algn="ctr"/>
+            <a:endParaRPr lang="en-PT"/>
+          </a:p>
+        </p:txBody>
+      </p:sp>
+      <p:sp>
+        <p:nvSpPr>
+          <p:cNvPr id="26" name="Oval 25">
+            <a:extLst>
+              <a:ext uri="{FF2B5EF4-FFF2-40B4-BE49-F238E27FC236}">
+                <a16:creationId xmlns:a16="http://schemas.microsoft.com/office/drawing/2014/main" id="{97F6D7F8-7876-7240-8261-C26CBCB53FD3}"/>
+              </a:ext>
+            </a:extLst>
+          </p:cNvPr>
+          <p:cNvSpPr/>
+          <p:nvPr/>
+        </p:nvSpPr>
+        <p:spPr>
+          <a:xfrm>
+            <a:off x="9248629" y="3223335"/>
+            <a:ext cx="2048803" cy="1945200"/>
+          </a:xfrm>
+          <a:prstGeom prst="ellipse">
+            <a:avLst/>
+          </a:prstGeom>
+          <a:solidFill>
+            <a:schemeClr val="accent4">
+              <a:lumMod val="40000"/>
+              <a:lumOff val="60000"/>
+            </a:schemeClr>
+          </a:solidFill>
+          <a:ln>
+            <a:solidFill>
+              <a:schemeClr val="accent4">
+                <a:lumMod val="40000"/>
+                <a:lumOff val="60000"/>
+              </a:schemeClr>
+            </a:solidFill>
+          </a:ln>
+        </p:spPr>
+        <p:style>
+          <a:lnRef idx="2">
+            <a:schemeClr val="accent1">
+              <a:shade val="50000"/>
+            </a:schemeClr>
+          </a:lnRef>
+          <a:fillRef idx="1">
+            <a:schemeClr val="accent1"/>
+          </a:fillRef>
+          <a:effectRef idx="0">
+            <a:schemeClr val="accent1"/>
+          </a:effectRef>
+          <a:fontRef idx="minor">
+            <a:schemeClr val="lt1"/>
+          </a:fontRef>
+        </p:style>
+        <p:txBody>
+          <a:bodyPr rtlCol="0" anchor="ctr"/>
+          <a:lstStyle/>
+          <a:p>
+            <a:pPr algn="ctr"/>
+            <a:endParaRPr lang="en-PT"/>
+          </a:p>
+        </p:txBody>
+      </p:sp>
+      <p:pic>
+        <p:nvPicPr>
+          <p:cNvPr id="13" name="Picture 12" descr="A picture containing light&#10;&#10;Description automatically generated">
+            <a:extLst>
+              <a:ext uri="{FF2B5EF4-FFF2-40B4-BE49-F238E27FC236}">
+                <a16:creationId xmlns:a16="http://schemas.microsoft.com/office/drawing/2014/main" id="{0907F770-BEA1-6E47-B112-2D57528DC1EF}"/>
+              </a:ext>
+            </a:extLst>
+          </p:cNvPr>
+          <p:cNvPicPr>
+            <a:picLocks noChangeAspect="1"/>
+          </p:cNvPicPr>
+          <p:nvPr/>
+        </p:nvPicPr>
+        <p:blipFill>
+          <a:blip r:embed="rId4"/>
+          <a:stretch>
+            <a:fillRect/>
+          </a:stretch>
+        </p:blipFill>
+        <p:spPr>
+          <a:xfrm>
+            <a:off x="4024356" y="3453159"/>
+            <a:ext cx="1485551" cy="1485551"/>
+          </a:xfrm>
+          <a:prstGeom prst="rect">
+            <a:avLst/>
+          </a:prstGeom>
+        </p:spPr>
+      </p:pic>
+      <p:pic>
+        <p:nvPicPr>
+          <p:cNvPr id="19" name="Picture 18" descr="A close up of a logo&#10;&#10;Description automatically generated">
+            <a:extLst>
+              <a:ext uri="{FF2B5EF4-FFF2-40B4-BE49-F238E27FC236}">
+                <a16:creationId xmlns:a16="http://schemas.microsoft.com/office/drawing/2014/main" id="{43F26E04-D92F-C747-BD8F-C6A971F40606}"/>
+              </a:ext>
+            </a:extLst>
+          </p:cNvPr>
+          <p:cNvPicPr>
+            <a:picLocks noChangeAspect="1"/>
+          </p:cNvPicPr>
+          <p:nvPr/>
+        </p:nvPicPr>
+        <p:blipFill>
+          <a:blip r:embed="rId5"/>
+          <a:stretch>
+            <a:fillRect/>
+          </a:stretch>
+        </p:blipFill>
+        <p:spPr>
+          <a:xfrm>
+            <a:off x="6868510" y="3429001"/>
+            <a:ext cx="1485551" cy="1485551"/>
+          </a:xfrm>
+          <a:prstGeom prst="rect">
+            <a:avLst/>
+          </a:prstGeom>
+        </p:spPr>
+      </p:pic>
+      <p:pic>
+        <p:nvPicPr>
+          <p:cNvPr id="15" name="Picture 14" descr="A close up of a sign&#10;&#10;Description automatically generated">
+            <a:extLst>
+              <a:ext uri="{FF2B5EF4-FFF2-40B4-BE49-F238E27FC236}">
+                <a16:creationId xmlns:a16="http://schemas.microsoft.com/office/drawing/2014/main" id="{165778A8-AA76-FB41-B78F-3DB052EACD10}"/>
+              </a:ext>
+            </a:extLst>
+          </p:cNvPr>
+          <p:cNvPicPr>
+            <a:picLocks noChangeAspect="1"/>
+          </p:cNvPicPr>
+          <p:nvPr/>
+        </p:nvPicPr>
+        <p:blipFill>
+          <a:blip r:embed="rId6"/>
+          <a:stretch>
+            <a:fillRect/>
+          </a:stretch>
+        </p:blipFill>
+        <p:spPr>
+          <a:xfrm>
+            <a:off x="9594034" y="3429000"/>
+            <a:ext cx="1485551" cy="1485551"/>
+          </a:xfrm>
+          <a:prstGeom prst="rect">
+            <a:avLst/>
+          </a:prstGeom>
+        </p:spPr>
+      </p:pic>
+      <p:sp>
+        <p:nvSpPr>
+          <p:cNvPr id="27" name="TextBox 26">
+            <a:extLst>
+              <a:ext uri="{FF2B5EF4-FFF2-40B4-BE49-F238E27FC236}">
+                <a16:creationId xmlns:a16="http://schemas.microsoft.com/office/drawing/2014/main" id="{8DEB81B7-E07E-944F-A45D-FA61FCF79CB8}"/>
+              </a:ext>
+            </a:extLst>
+          </p:cNvPr>
+          <p:cNvSpPr txBox="1"/>
+          <p:nvPr/>
+        </p:nvSpPr>
+        <p:spPr>
+          <a:xfrm>
+            <a:off x="809874" y="5370189"/>
+            <a:ext cx="2366463" cy="1477328"/>
+          </a:xfrm>
+          <a:prstGeom prst="rect">
+            <a:avLst/>
+          </a:prstGeom>
+          <a:noFill/>
+        </p:spPr>
+        <p:txBody>
+          <a:bodyPr wrap="square" rtlCol="0">
+            <a:spAutoFit/>
+          </a:bodyPr>
+          <a:lstStyle/>
+          <a:p>
+            <a:pPr algn="ctr"/>
+            <a:r>
+              <a:rPr lang="en-PT" dirty="0">
+                <a:latin typeface="Optima" panose="02000503060000020004" pitchFamily="2" charset="0"/>
+                <a:cs typeface="Berlin Sans FB" panose="020F0502020204030204" pitchFamily="34" charset="0"/>
+              </a:rPr>
+              <a:t>Tendências de mobilidade a locais como </a:t>
+            </a:r>
+            <a:r>
+              <a:rPr lang="en-PT" b="1" dirty="0">
+                <a:latin typeface="Optima" panose="02000503060000020004" pitchFamily="2" charset="0"/>
+                <a:cs typeface="Berlin Sans FB" panose="020F0502020204030204" pitchFamily="34" charset="0"/>
+              </a:rPr>
+              <a:t>supermercados</a:t>
+            </a:r>
+            <a:r>
+              <a:rPr lang="en-PT" dirty="0">
+                <a:latin typeface="Optima" panose="02000503060000020004" pitchFamily="2" charset="0"/>
+                <a:cs typeface="Berlin Sans FB" panose="020F0502020204030204" pitchFamily="34" charset="0"/>
+              </a:rPr>
+              <a:t>, </a:t>
+            </a:r>
+            <a:r>
+              <a:rPr lang="en-PT" b="1" dirty="0">
+                <a:latin typeface="Optima" panose="02000503060000020004" pitchFamily="2" charset="0"/>
+                <a:cs typeface="Berlin Sans FB" panose="020F0502020204030204" pitchFamily="34" charset="0"/>
+              </a:rPr>
+              <a:t>farmácias</a:t>
+            </a:r>
+            <a:r>
+              <a:rPr lang="en-PT" dirty="0">
+                <a:latin typeface="Optima" panose="02000503060000020004" pitchFamily="2" charset="0"/>
+                <a:cs typeface="Berlin Sans FB" panose="020F0502020204030204" pitchFamily="34" charset="0"/>
+              </a:rPr>
+              <a:t>…</a:t>
+            </a:r>
+            <a:endParaRPr lang="en-GB" b="1" dirty="0">
+              <a:latin typeface="Optima" panose="02000503060000020004" pitchFamily="2" charset="0"/>
+              <a:cs typeface="Berlin Sans FB" panose="020F0502020204030204" pitchFamily="34" charset="0"/>
+            </a:endParaRPr>
+          </a:p>
+        </p:txBody>
+      </p:sp>
+      <p:sp>
+        <p:nvSpPr>
+          <p:cNvPr id="28" name="TextBox 27">
+            <a:extLst>
+              <a:ext uri="{FF2B5EF4-FFF2-40B4-BE49-F238E27FC236}">
+                <a16:creationId xmlns:a16="http://schemas.microsoft.com/office/drawing/2014/main" id="{C52217CA-29C3-6B46-9EB1-DFAF8410C594}"/>
+              </a:ext>
+            </a:extLst>
+          </p:cNvPr>
+          <p:cNvSpPr txBox="1"/>
+          <p:nvPr/>
+        </p:nvSpPr>
+        <p:spPr>
+          <a:xfrm>
+            <a:off x="3583899" y="5370188"/>
+            <a:ext cx="2366463" cy="1200329"/>
+          </a:xfrm>
+          <a:prstGeom prst="rect">
+            <a:avLst/>
+          </a:prstGeom>
+          <a:noFill/>
+        </p:spPr>
+        <p:txBody>
+          <a:bodyPr wrap="square" rtlCol="0">
+            <a:spAutoFit/>
+          </a:bodyPr>
+          <a:lstStyle/>
+          <a:p>
+            <a:pPr algn="ctr"/>
+            <a:r>
+              <a:rPr lang="en-PT" dirty="0">
+                <a:latin typeface="Optima" panose="02000503060000020004" pitchFamily="2" charset="0"/>
+                <a:cs typeface="Berlin Sans FB" panose="020F0502020204030204" pitchFamily="34" charset="0"/>
+              </a:rPr>
+              <a:t>Tendências de mobilidade a locais como </a:t>
+            </a:r>
+            <a:r>
+              <a:rPr lang="en-PT" b="1" dirty="0">
+                <a:latin typeface="Optima" panose="02000503060000020004" pitchFamily="2" charset="0"/>
+                <a:cs typeface="Berlin Sans FB" panose="020F0502020204030204" pitchFamily="34" charset="0"/>
+              </a:rPr>
+              <a:t>restaurantes</a:t>
+            </a:r>
+            <a:r>
+              <a:rPr lang="en-PT" dirty="0">
+                <a:latin typeface="Optima" panose="02000503060000020004" pitchFamily="2" charset="0"/>
+                <a:cs typeface="Berlin Sans FB" panose="020F0502020204030204" pitchFamily="34" charset="0"/>
+              </a:rPr>
+              <a:t>, </a:t>
+            </a:r>
+            <a:r>
+              <a:rPr lang="en-PT" b="1" dirty="0">
+                <a:latin typeface="Optima" panose="02000503060000020004" pitchFamily="2" charset="0"/>
+                <a:cs typeface="Berlin Sans FB" panose="020F0502020204030204" pitchFamily="34" charset="0"/>
+              </a:rPr>
+              <a:t>shoppings</a:t>
+            </a:r>
+            <a:r>
+              <a:rPr lang="en-PT" dirty="0">
+                <a:latin typeface="Optima" panose="02000503060000020004" pitchFamily="2" charset="0"/>
+                <a:cs typeface="Berlin Sans FB" panose="020F0502020204030204" pitchFamily="34" charset="0"/>
+              </a:rPr>
+              <a:t>…</a:t>
+            </a:r>
+            <a:endParaRPr lang="en-GB" b="1" dirty="0">
+              <a:latin typeface="Optima" panose="02000503060000020004" pitchFamily="2" charset="0"/>
+              <a:cs typeface="Berlin Sans FB" panose="020F0502020204030204" pitchFamily="34" charset="0"/>
+            </a:endParaRPr>
+          </a:p>
+        </p:txBody>
+      </p:sp>
+      <p:sp>
+        <p:nvSpPr>
+          <p:cNvPr id="29" name="TextBox 28">
+            <a:extLst>
+              <a:ext uri="{FF2B5EF4-FFF2-40B4-BE49-F238E27FC236}">
+                <a16:creationId xmlns:a16="http://schemas.microsoft.com/office/drawing/2014/main" id="{257D8499-6124-2748-9333-D8CF850BF797}"/>
+              </a:ext>
+            </a:extLst>
+          </p:cNvPr>
+          <p:cNvSpPr txBox="1"/>
+          <p:nvPr/>
+        </p:nvSpPr>
+        <p:spPr>
+          <a:xfrm>
+            <a:off x="6428053" y="5370187"/>
+            <a:ext cx="2366463" cy="923330"/>
+          </a:xfrm>
+          <a:prstGeom prst="rect">
+            <a:avLst/>
+          </a:prstGeom>
+          <a:noFill/>
+        </p:spPr>
+        <p:txBody>
+          <a:bodyPr wrap="square" rtlCol="0">
+            <a:spAutoFit/>
+          </a:bodyPr>
+          <a:lstStyle/>
+          <a:p>
+            <a:pPr algn="ctr"/>
+            <a:r>
+              <a:rPr lang="en-PT" dirty="0">
+                <a:latin typeface="Optima" panose="02000503060000020004" pitchFamily="2" charset="0"/>
+                <a:cs typeface="Berlin Sans FB" panose="020F0502020204030204" pitchFamily="34" charset="0"/>
+              </a:rPr>
+              <a:t>Tendências de mobilidade a </a:t>
+            </a:r>
+            <a:r>
+              <a:rPr lang="en-PT" b="1" dirty="0">
+                <a:latin typeface="Optima" panose="02000503060000020004" pitchFamily="2" charset="0"/>
+                <a:cs typeface="Berlin Sans FB" panose="020F0502020204030204" pitchFamily="34" charset="0"/>
+              </a:rPr>
+              <a:t>locais de trabalho</a:t>
+            </a:r>
+            <a:endParaRPr lang="en-GB" b="1" dirty="0">
+              <a:latin typeface="Optima" panose="02000503060000020004" pitchFamily="2" charset="0"/>
+              <a:cs typeface="Berlin Sans FB" panose="020F0502020204030204" pitchFamily="34" charset="0"/>
+            </a:endParaRPr>
+          </a:p>
+        </p:txBody>
+      </p:sp>
+      <p:sp>
+        <p:nvSpPr>
+          <p:cNvPr id="30" name="TextBox 29">
+            <a:extLst>
+              <a:ext uri="{FF2B5EF4-FFF2-40B4-BE49-F238E27FC236}">
+                <a16:creationId xmlns:a16="http://schemas.microsoft.com/office/drawing/2014/main" id="{1099DDE0-30E5-6642-81DC-73A6E3FA30EF}"/>
+              </a:ext>
+            </a:extLst>
+          </p:cNvPr>
+          <p:cNvSpPr txBox="1"/>
+          <p:nvPr/>
+        </p:nvSpPr>
+        <p:spPr>
+          <a:xfrm>
+            <a:off x="9310026" y="5370187"/>
+            <a:ext cx="2366463" cy="1200329"/>
+          </a:xfrm>
+          <a:prstGeom prst="rect">
+            <a:avLst/>
+          </a:prstGeom>
+          <a:noFill/>
+        </p:spPr>
+        <p:txBody>
+          <a:bodyPr wrap="square" rtlCol="0">
+            <a:spAutoFit/>
+          </a:bodyPr>
+          <a:lstStyle/>
+          <a:p>
+            <a:pPr algn="ctr"/>
+            <a:r>
+              <a:rPr lang="en-PT" dirty="0">
+                <a:latin typeface="Optima" panose="02000503060000020004" pitchFamily="2" charset="0"/>
+                <a:cs typeface="Berlin Sans FB" panose="020F0502020204030204" pitchFamily="34" charset="0"/>
+              </a:rPr>
+              <a:t>Tendências de mobilidade a locais como </a:t>
+            </a:r>
+            <a:r>
+              <a:rPr lang="en-PT" b="1" dirty="0">
+                <a:latin typeface="Optima" panose="02000503060000020004" pitchFamily="2" charset="0"/>
+                <a:cs typeface="Berlin Sans FB" panose="020F0502020204030204" pitchFamily="34" charset="0"/>
+              </a:rPr>
+              <a:t>parques</a:t>
+            </a:r>
+            <a:r>
+              <a:rPr lang="en-PT" dirty="0">
+                <a:latin typeface="Optima" panose="02000503060000020004" pitchFamily="2" charset="0"/>
+                <a:cs typeface="Berlin Sans FB" panose="020F0502020204030204" pitchFamily="34" charset="0"/>
+              </a:rPr>
+              <a:t>, </a:t>
+            </a:r>
+            <a:r>
+              <a:rPr lang="en-PT" b="1" dirty="0">
+                <a:latin typeface="Optima" panose="02000503060000020004" pitchFamily="2" charset="0"/>
+                <a:cs typeface="Berlin Sans FB" panose="020F0502020204030204" pitchFamily="34" charset="0"/>
+              </a:rPr>
+              <a:t>jardins</a:t>
+            </a:r>
+            <a:r>
+              <a:rPr lang="en-PT" dirty="0">
+                <a:latin typeface="Optima" panose="02000503060000020004" pitchFamily="2" charset="0"/>
+                <a:cs typeface="Berlin Sans FB" panose="020F0502020204030204" pitchFamily="34" charset="0"/>
+              </a:rPr>
+              <a:t>,</a:t>
+            </a:r>
+            <a:r>
+              <a:rPr lang="en-PT" b="1" dirty="0">
+                <a:latin typeface="Optima" panose="02000503060000020004" pitchFamily="2" charset="0"/>
+                <a:cs typeface="Berlin Sans FB" panose="020F0502020204030204" pitchFamily="34" charset="0"/>
+              </a:rPr>
+              <a:t> marinas</a:t>
+            </a:r>
+            <a:r>
+              <a:rPr lang="en-PT" dirty="0">
+                <a:latin typeface="Optima" panose="02000503060000020004" pitchFamily="2" charset="0"/>
+                <a:cs typeface="Berlin Sans FB" panose="020F0502020204030204" pitchFamily="34" charset="0"/>
+              </a:rPr>
+              <a:t>…</a:t>
+            </a:r>
+            <a:endParaRPr lang="en-GB" b="1" dirty="0">
+              <a:latin typeface="Optima" panose="02000503060000020004" pitchFamily="2" charset="0"/>
+              <a:cs typeface="Berlin Sans FB" panose="020F0502020204030204" pitchFamily="34" charset="0"/>
+            </a:endParaRPr>
+          </a:p>
+        </p:txBody>
+      </p:sp>
+    </p:spTree>
+    <p:extLst>
+      <p:ext uri="{BB962C8B-B14F-4D97-AF65-F5344CB8AC3E}">
+        <p14:creationId xmlns:p14="http://schemas.microsoft.com/office/powerpoint/2010/main" val="349310735"/>
+      </p:ext>
+    </p:extLst>
+  </p:cSld>
+  <p:clrMapOvr>
+    <a:masterClrMapping/>
+  </p:clrMapOvr>
+</p:sld>
+</file>
+
+<file path=ppt/slides/slide3.xml><?xml version="1.0" encoding="utf-8"?>
+<p:sld xmlns:a="http://schemas.openxmlformats.org/drawingml/2006/main" xmlns:r="http://schemas.openxmlformats.org/officeDocument/2006/relationships" xmlns:p="http://schemas.openxmlformats.org/presentationml/2006/main">
+  <p:cSld>
+    <p:spTree>
+      <p:nvGrpSpPr>
+        <p:cNvPr id="1" name=""/>
+        <p:cNvGrpSpPr/>
+        <p:nvPr/>
+      </p:nvGrpSpPr>
+      <p:grpSpPr>
+        <a:xfrm>
+          <a:off x="0" y="0"/>
+          <a:ext cx="0" cy="0"/>
+          <a:chOff x="0" y="0"/>
+          <a:chExt cx="0" cy="0"/>
+        </a:xfrm>
+      </p:grpSpPr>
+      <p:sp>
+        <p:nvSpPr>
+          <p:cNvPr id="22" name="Rectangle 21">
+            <a:extLst>
+              <a:ext uri="{FF2B5EF4-FFF2-40B4-BE49-F238E27FC236}">
+                <a16:creationId xmlns:a16="http://schemas.microsoft.com/office/drawing/2014/main" id="{9B61340A-0CE9-5041-9D62-09CE0DB3A1AE}"/>
+              </a:ext>
+            </a:extLst>
+          </p:cNvPr>
+          <p:cNvSpPr/>
+          <p:nvPr/>
+        </p:nvSpPr>
+        <p:spPr>
+          <a:xfrm>
+            <a:off x="0" y="0"/>
+            <a:ext cx="12192000" cy="6858000"/>
+          </a:xfrm>
+          <a:prstGeom prst="rect">
+            <a:avLst/>
+          </a:prstGeom>
+          <a:solidFill>
+            <a:schemeClr val="accent1">
+              <a:lumMod val="60000"/>
+              <a:lumOff val="40000"/>
+            </a:schemeClr>
+          </a:solidFill>
+          <a:ln>
+            <a:solidFill>
+              <a:schemeClr val="accent1">
+                <a:lumMod val="60000"/>
+                <a:lumOff val="40000"/>
+              </a:schemeClr>
+            </a:solidFill>
+          </a:ln>
+        </p:spPr>
+        <p:style>
+          <a:lnRef idx="2">
+            <a:schemeClr val="accent1">
+              <a:shade val="50000"/>
+            </a:schemeClr>
+          </a:lnRef>
+          <a:fillRef idx="1">
+            <a:schemeClr val="accent1"/>
+          </a:fillRef>
+          <a:effectRef idx="0">
+            <a:schemeClr val="accent1"/>
+          </a:effectRef>
+          <a:fontRef idx="minor">
+            <a:schemeClr val="lt1"/>
+          </a:fontRef>
+        </p:style>
+        <p:txBody>
+          <a:bodyPr rtlCol="0" anchor="ctr"/>
+          <a:lstStyle/>
+          <a:p>
+            <a:pPr algn="ctr"/>
+            <a:endParaRPr lang="en-PT"/>
+          </a:p>
+        </p:txBody>
+      </p:sp>
+      <p:sp>
+        <p:nvSpPr>
+          <p:cNvPr id="4" name="Rectangle 3">
+            <a:extLst>
+              <a:ext uri="{FF2B5EF4-FFF2-40B4-BE49-F238E27FC236}">
+                <a16:creationId xmlns:a16="http://schemas.microsoft.com/office/drawing/2014/main" id="{364572B9-69EF-1B4E-9451-C6C18AD62D7D}"/>
+              </a:ext>
+            </a:extLst>
+          </p:cNvPr>
+          <p:cNvSpPr/>
+          <p:nvPr/>
+        </p:nvSpPr>
+        <p:spPr>
+          <a:xfrm>
+            <a:off x="0" y="-16042"/>
+            <a:ext cx="12192000" cy="1428750"/>
+          </a:xfrm>
+          <a:prstGeom prst="rect">
+            <a:avLst/>
+          </a:prstGeom>
+          <a:solidFill>
+            <a:schemeClr val="accent4">
+              <a:lumMod val="40000"/>
+              <a:lumOff val="60000"/>
+            </a:schemeClr>
+          </a:solidFill>
+          <a:ln>
+            <a:solidFill>
+              <a:schemeClr val="accent4">
+                <a:lumMod val="40000"/>
+                <a:lumOff val="60000"/>
+              </a:schemeClr>
+            </a:solidFill>
+          </a:ln>
+        </p:spPr>
+        <p:style>
+          <a:lnRef idx="2">
+            <a:schemeClr val="accent1">
+              <a:shade val="50000"/>
+            </a:schemeClr>
+          </a:lnRef>
+          <a:fillRef idx="1">
+            <a:schemeClr val="accent1"/>
+          </a:fillRef>
+          <a:effectRef idx="0">
+            <a:schemeClr val="accent1"/>
+          </a:effectRef>
+          <a:fontRef idx="minor">
+            <a:schemeClr val="lt1"/>
+          </a:fontRef>
+        </p:style>
+        <p:txBody>
+          <a:bodyPr rtlCol="0" anchor="ctr"/>
+          <a:lstStyle/>
+          <a:p>
+            <a:pPr algn="ctr"/>
+            <a:endParaRPr lang="en-PT" dirty="0"/>
+          </a:p>
+        </p:txBody>
+      </p:sp>
+      <p:pic>
+        <p:nvPicPr>
+          <p:cNvPr id="5" name="Picture 4" descr="A picture containing black, clock&#10;&#10;Description automatically generated">
+            <a:extLst>
+              <a:ext uri="{FF2B5EF4-FFF2-40B4-BE49-F238E27FC236}">
+                <a16:creationId xmlns:a16="http://schemas.microsoft.com/office/drawing/2014/main" id="{445D12F7-D671-7D42-B03E-A5B7AB531869}"/>
+              </a:ext>
+            </a:extLst>
+          </p:cNvPr>
+          <p:cNvPicPr>
+            <a:picLocks noChangeAspect="1"/>
+          </p:cNvPicPr>
+          <p:nvPr/>
+        </p:nvPicPr>
+        <p:blipFill>
+          <a:blip r:embed="rId2"/>
+          <a:stretch>
+            <a:fillRect/>
+          </a:stretch>
+        </p:blipFill>
+        <p:spPr>
+          <a:xfrm>
+            <a:off x="9594034" y="853131"/>
+            <a:ext cx="897355" cy="897355"/>
+          </a:xfrm>
+          <a:prstGeom prst="rect">
+            <a:avLst/>
+          </a:prstGeom>
+        </p:spPr>
+      </p:pic>
+      <p:pic>
+        <p:nvPicPr>
+          <p:cNvPr id="6" name="Picture 5" descr="A picture containing black, clock&#10;&#10;Description automatically generated">
+            <a:extLst>
+              <a:ext uri="{FF2B5EF4-FFF2-40B4-BE49-F238E27FC236}">
+                <a16:creationId xmlns:a16="http://schemas.microsoft.com/office/drawing/2014/main" id="{21908F64-C0A0-9E4A-9E9C-815D57477F46}"/>
+              </a:ext>
+            </a:extLst>
+          </p:cNvPr>
+          <p:cNvPicPr>
+            <a:picLocks noChangeAspect="1"/>
+          </p:cNvPicPr>
+          <p:nvPr/>
+        </p:nvPicPr>
+        <p:blipFill>
+          <a:blip r:embed="rId2"/>
+          <a:stretch>
+            <a:fillRect/>
+          </a:stretch>
+        </p:blipFill>
+        <p:spPr>
+          <a:xfrm>
+            <a:off x="10797340" y="16042"/>
+            <a:ext cx="1167882" cy="1167882"/>
+          </a:xfrm>
+          <a:prstGeom prst="rect">
+            <a:avLst/>
+          </a:prstGeom>
+        </p:spPr>
+      </p:pic>
+      <p:pic>
+        <p:nvPicPr>
+          <p:cNvPr id="7" name="Picture 6" descr="A picture containing black, clock&#10;&#10;Description automatically generated">
+            <a:extLst>
+              <a:ext uri="{FF2B5EF4-FFF2-40B4-BE49-F238E27FC236}">
+                <a16:creationId xmlns:a16="http://schemas.microsoft.com/office/drawing/2014/main" id="{53C7CBB4-8D7F-C04E-9BBC-A81838950C78}"/>
+              </a:ext>
+            </a:extLst>
+          </p:cNvPr>
+          <p:cNvPicPr>
+            <a:picLocks noChangeAspect="1"/>
+          </p:cNvPicPr>
+          <p:nvPr/>
+        </p:nvPicPr>
+        <p:blipFill>
+          <a:blip r:embed="rId2"/>
+          <a:stretch>
+            <a:fillRect/>
+          </a:stretch>
+        </p:blipFill>
+        <p:spPr>
+          <a:xfrm>
+            <a:off x="10037983" y="185502"/>
+            <a:ext cx="443596" cy="443596"/>
+          </a:xfrm>
+          <a:prstGeom prst="rect">
+            <a:avLst/>
+          </a:prstGeom>
+        </p:spPr>
+      </p:pic>
+      <p:sp>
+        <p:nvSpPr>
+          <p:cNvPr id="8" name="TextBox 7">
+            <a:extLst>
+              <a:ext uri="{FF2B5EF4-FFF2-40B4-BE49-F238E27FC236}">
+                <a16:creationId xmlns:a16="http://schemas.microsoft.com/office/drawing/2014/main" id="{8E8B6E98-8EBF-124A-AFAD-37A640BF909C}"/>
+              </a:ext>
+            </a:extLst>
+          </p:cNvPr>
+          <p:cNvSpPr txBox="1"/>
+          <p:nvPr/>
+        </p:nvSpPr>
+        <p:spPr>
+          <a:xfrm>
+            <a:off x="609349" y="502365"/>
+            <a:ext cx="6439399" cy="461665"/>
+          </a:xfrm>
+          <a:prstGeom prst="rect">
+            <a:avLst/>
+          </a:prstGeom>
+          <a:noFill/>
+        </p:spPr>
+        <p:txBody>
+          <a:bodyPr wrap="square" rtlCol="0">
+            <a:spAutoFit/>
+          </a:bodyPr>
+          <a:lstStyle/>
+          <a:p>
+            <a:r>
+              <a:rPr lang="en-GB" sz="2400" dirty="0" err="1">
+                <a:latin typeface="Optima" panose="02000503060000020004" pitchFamily="2" charset="0"/>
+                <a:cs typeface="Berlin Sans FB" panose="020F0502020204030204" pitchFamily="34" charset="0"/>
+              </a:rPr>
+              <a:t>Definição</a:t>
+            </a:r>
+            <a:r>
+              <a:rPr lang="en-GB" sz="2400" dirty="0">
+                <a:latin typeface="Optima" panose="02000503060000020004" pitchFamily="2" charset="0"/>
+                <a:cs typeface="Berlin Sans FB" panose="020F0502020204030204" pitchFamily="34" charset="0"/>
+              </a:rPr>
+              <a:t> do </a:t>
+            </a:r>
+            <a:r>
+              <a:rPr lang="en-GB" sz="2400" dirty="0" err="1">
+                <a:latin typeface="Optima" panose="02000503060000020004" pitchFamily="2" charset="0"/>
+                <a:cs typeface="Berlin Sans FB" panose="020F0502020204030204" pitchFamily="34" charset="0"/>
+              </a:rPr>
+              <a:t>problema</a:t>
+            </a:r>
+            <a:endParaRPr lang="en-GB" sz="2400" dirty="0">
+              <a:latin typeface="Optima" panose="02000503060000020004" pitchFamily="2" charset="0"/>
+              <a:cs typeface="Berlin Sans FB" panose="020F0502020204030204" pitchFamily="34" charset="0"/>
+            </a:endParaRPr>
+          </a:p>
+        </p:txBody>
+      </p:sp>
+      <p:sp>
+        <p:nvSpPr>
+          <p:cNvPr id="23" name="Oval 22">
+            <a:extLst>
+              <a:ext uri="{FF2B5EF4-FFF2-40B4-BE49-F238E27FC236}">
+                <a16:creationId xmlns:a16="http://schemas.microsoft.com/office/drawing/2014/main" id="{6786ACCB-4BE1-F341-A9F0-0CCCB83E84E4}"/>
+              </a:ext>
+            </a:extLst>
+          </p:cNvPr>
+          <p:cNvSpPr/>
+          <p:nvPr/>
+        </p:nvSpPr>
+        <p:spPr>
+          <a:xfrm>
+            <a:off x="944452" y="1946703"/>
+            <a:ext cx="2048803" cy="1945200"/>
+          </a:xfrm>
+          <a:prstGeom prst="ellipse">
+            <a:avLst/>
+          </a:prstGeom>
+          <a:solidFill>
+            <a:schemeClr val="accent4">
+              <a:lumMod val="40000"/>
+              <a:lumOff val="60000"/>
+            </a:schemeClr>
+          </a:solidFill>
+          <a:ln>
+            <a:solidFill>
+              <a:schemeClr val="accent4">
+                <a:lumMod val="40000"/>
+                <a:lumOff val="60000"/>
+              </a:schemeClr>
+            </a:solidFill>
+          </a:ln>
+        </p:spPr>
+        <p:style>
+          <a:lnRef idx="2">
+            <a:schemeClr val="accent1">
+              <a:shade val="50000"/>
+            </a:schemeClr>
+          </a:lnRef>
+          <a:fillRef idx="1">
+            <a:schemeClr val="accent1"/>
+          </a:fillRef>
+          <a:effectRef idx="0">
+            <a:schemeClr val="accent1"/>
+          </a:effectRef>
+          <a:fontRef idx="minor">
+            <a:schemeClr val="lt1"/>
+          </a:fontRef>
+        </p:style>
+        <p:txBody>
+          <a:bodyPr rtlCol="0" anchor="ctr"/>
+          <a:lstStyle/>
+          <a:p>
+            <a:pPr algn="ctr"/>
+            <a:endParaRPr lang="en-PT"/>
+          </a:p>
+        </p:txBody>
+      </p:sp>
+      <p:sp>
+        <p:nvSpPr>
+          <p:cNvPr id="24" name="Oval 23">
+            <a:extLst>
+              <a:ext uri="{FF2B5EF4-FFF2-40B4-BE49-F238E27FC236}">
+                <a16:creationId xmlns:a16="http://schemas.microsoft.com/office/drawing/2014/main" id="{2F2AFD48-6127-FB46-85E9-7217EDFC38EA}"/>
+              </a:ext>
+            </a:extLst>
+          </p:cNvPr>
+          <p:cNvSpPr/>
+          <p:nvPr/>
+        </p:nvSpPr>
+        <p:spPr>
+          <a:xfrm>
+            <a:off x="3670206" y="1946703"/>
+            <a:ext cx="2048803" cy="1945200"/>
+          </a:xfrm>
+          <a:prstGeom prst="ellipse">
+            <a:avLst/>
+          </a:prstGeom>
+          <a:solidFill>
+            <a:schemeClr val="accent4">
+              <a:lumMod val="40000"/>
+              <a:lumOff val="60000"/>
+            </a:schemeClr>
+          </a:solidFill>
+          <a:ln>
+            <a:solidFill>
+              <a:schemeClr val="accent4">
+                <a:lumMod val="40000"/>
+                <a:lumOff val="60000"/>
+              </a:schemeClr>
+            </a:solidFill>
+          </a:ln>
+        </p:spPr>
+        <p:style>
+          <a:lnRef idx="2">
+            <a:schemeClr val="accent1">
+              <a:shade val="50000"/>
+            </a:schemeClr>
+          </a:lnRef>
+          <a:fillRef idx="1">
+            <a:schemeClr val="accent1"/>
+          </a:fillRef>
+          <a:effectRef idx="0">
+            <a:schemeClr val="accent1"/>
+          </a:effectRef>
+          <a:fontRef idx="minor">
+            <a:schemeClr val="lt1"/>
+          </a:fontRef>
+        </p:style>
+        <p:txBody>
+          <a:bodyPr rtlCol="0" anchor="ctr"/>
+          <a:lstStyle/>
+          <a:p>
+            <a:pPr algn="ctr"/>
+            <a:endParaRPr lang="en-PT"/>
+          </a:p>
+        </p:txBody>
+      </p:sp>
+      <p:sp>
+        <p:nvSpPr>
+          <p:cNvPr id="25" name="Oval 24">
+            <a:extLst>
+              <a:ext uri="{FF2B5EF4-FFF2-40B4-BE49-F238E27FC236}">
+                <a16:creationId xmlns:a16="http://schemas.microsoft.com/office/drawing/2014/main" id="{45C856E7-B49E-2C47-B28D-AC5F205CE42F}"/>
+              </a:ext>
+            </a:extLst>
+          </p:cNvPr>
+          <p:cNvSpPr/>
+          <p:nvPr/>
+        </p:nvSpPr>
+        <p:spPr>
+          <a:xfrm>
+            <a:off x="6522875" y="1942692"/>
+            <a:ext cx="2048803" cy="1945200"/>
+          </a:xfrm>
+          <a:prstGeom prst="ellipse">
+            <a:avLst/>
+          </a:prstGeom>
+          <a:solidFill>
+            <a:schemeClr val="accent4">
+              <a:lumMod val="40000"/>
+              <a:lumOff val="60000"/>
+            </a:schemeClr>
+          </a:solidFill>
+          <a:ln>
+            <a:solidFill>
+              <a:schemeClr val="accent4">
+                <a:lumMod val="40000"/>
+                <a:lumOff val="60000"/>
+              </a:schemeClr>
+            </a:solidFill>
+          </a:ln>
+        </p:spPr>
+        <p:style>
+          <a:lnRef idx="2">
+            <a:schemeClr val="accent1">
+              <a:shade val="50000"/>
+            </a:schemeClr>
+          </a:lnRef>
+          <a:fillRef idx="1">
+            <a:schemeClr val="accent1"/>
+          </a:fillRef>
+          <a:effectRef idx="0">
+            <a:schemeClr val="accent1"/>
+          </a:effectRef>
+          <a:fontRef idx="minor">
+            <a:schemeClr val="lt1"/>
+          </a:fontRef>
+        </p:style>
+        <p:txBody>
+          <a:bodyPr rtlCol="0" anchor="ctr"/>
+          <a:lstStyle/>
+          <a:p>
+            <a:pPr algn="ctr"/>
+            <a:endParaRPr lang="en-PT"/>
+          </a:p>
+        </p:txBody>
+      </p:sp>
+      <p:sp>
+        <p:nvSpPr>
+          <p:cNvPr id="26" name="Oval 25">
+            <a:extLst>
+              <a:ext uri="{FF2B5EF4-FFF2-40B4-BE49-F238E27FC236}">
+                <a16:creationId xmlns:a16="http://schemas.microsoft.com/office/drawing/2014/main" id="{97F6D7F8-7876-7240-8261-C26CBCB53FD3}"/>
+              </a:ext>
+            </a:extLst>
+          </p:cNvPr>
+          <p:cNvSpPr/>
+          <p:nvPr/>
+        </p:nvSpPr>
+        <p:spPr>
+          <a:xfrm>
+            <a:off x="9248629" y="1946703"/>
+            <a:ext cx="2048803" cy="1945200"/>
+          </a:xfrm>
+          <a:prstGeom prst="ellipse">
+            <a:avLst/>
+          </a:prstGeom>
+          <a:solidFill>
+            <a:schemeClr val="accent4">
+              <a:lumMod val="40000"/>
+              <a:lumOff val="60000"/>
+            </a:schemeClr>
+          </a:solidFill>
+          <a:ln>
+            <a:solidFill>
+              <a:schemeClr val="accent4">
+                <a:lumMod val="40000"/>
+                <a:lumOff val="60000"/>
+              </a:schemeClr>
+            </a:solidFill>
+          </a:ln>
+        </p:spPr>
+        <p:style>
+          <a:lnRef idx="2">
+            <a:schemeClr val="accent1">
+              <a:shade val="50000"/>
+            </a:schemeClr>
+          </a:lnRef>
+          <a:fillRef idx="1">
+            <a:schemeClr val="accent1"/>
+          </a:fillRef>
+          <a:effectRef idx="0">
+            <a:schemeClr val="accent1"/>
+          </a:effectRef>
+          <a:fontRef idx="minor">
+            <a:schemeClr val="lt1"/>
+          </a:fontRef>
+        </p:style>
+        <p:txBody>
+          <a:bodyPr rtlCol="0" anchor="ctr"/>
+          <a:lstStyle/>
+          <a:p>
+            <a:pPr algn="ctr"/>
+            <a:endParaRPr lang="en-PT"/>
+          </a:p>
+        </p:txBody>
+      </p:sp>
+      <p:sp>
+        <p:nvSpPr>
+          <p:cNvPr id="27" name="TextBox 26">
+            <a:extLst>
+              <a:ext uri="{FF2B5EF4-FFF2-40B4-BE49-F238E27FC236}">
+                <a16:creationId xmlns:a16="http://schemas.microsoft.com/office/drawing/2014/main" id="{8DEB81B7-E07E-944F-A45D-FA61FCF79CB8}"/>
+              </a:ext>
+            </a:extLst>
+          </p:cNvPr>
+          <p:cNvSpPr txBox="1"/>
+          <p:nvPr/>
+        </p:nvSpPr>
+        <p:spPr>
+          <a:xfrm>
+            <a:off x="809874" y="4093557"/>
+            <a:ext cx="2366463" cy="923330"/>
+          </a:xfrm>
+          <a:prstGeom prst="rect">
+            <a:avLst/>
+          </a:prstGeom>
+          <a:noFill/>
+        </p:spPr>
+        <p:txBody>
+          <a:bodyPr wrap="square" rtlCol="0">
+            <a:spAutoFit/>
+          </a:bodyPr>
+          <a:lstStyle/>
+          <a:p>
+            <a:pPr algn="ctr"/>
+            <a:r>
+              <a:rPr lang="en-PT" dirty="0">
+                <a:latin typeface="Optima" panose="02000503060000020004" pitchFamily="2" charset="0"/>
+                <a:cs typeface="Berlin Sans FB" panose="020F0502020204030204" pitchFamily="34" charset="0"/>
+              </a:rPr>
+              <a:t>Tendências de mobilidade a </a:t>
+            </a:r>
+            <a:r>
+              <a:rPr lang="en-PT" b="1" dirty="0">
+                <a:latin typeface="Optima" panose="02000503060000020004" pitchFamily="2" charset="0"/>
+                <a:cs typeface="Berlin Sans FB" panose="020F0502020204030204" pitchFamily="34" charset="0"/>
+              </a:rPr>
+              <a:t>transportes públicos</a:t>
+            </a:r>
+            <a:endParaRPr lang="en-GB" b="1" dirty="0">
+              <a:latin typeface="Optima" panose="02000503060000020004" pitchFamily="2" charset="0"/>
+              <a:cs typeface="Berlin Sans FB" panose="020F0502020204030204" pitchFamily="34" charset="0"/>
+            </a:endParaRPr>
+          </a:p>
+        </p:txBody>
+      </p:sp>
+      <p:sp>
+        <p:nvSpPr>
+          <p:cNvPr id="28" name="TextBox 27">
+            <a:extLst>
+              <a:ext uri="{FF2B5EF4-FFF2-40B4-BE49-F238E27FC236}">
+                <a16:creationId xmlns:a16="http://schemas.microsoft.com/office/drawing/2014/main" id="{C52217CA-29C3-6B46-9EB1-DFAF8410C594}"/>
+              </a:ext>
+            </a:extLst>
+          </p:cNvPr>
+          <p:cNvSpPr txBox="1"/>
+          <p:nvPr/>
+        </p:nvSpPr>
+        <p:spPr>
+          <a:xfrm>
+            <a:off x="3583899" y="4093556"/>
+            <a:ext cx="2366463" cy="923330"/>
+          </a:xfrm>
+          <a:prstGeom prst="rect">
+            <a:avLst/>
+          </a:prstGeom>
+          <a:noFill/>
+        </p:spPr>
+        <p:txBody>
+          <a:bodyPr wrap="square" rtlCol="0">
+            <a:spAutoFit/>
+          </a:bodyPr>
+          <a:lstStyle/>
+          <a:p>
+            <a:pPr algn="ctr"/>
+            <a:r>
+              <a:rPr lang="en-PT" dirty="0">
+                <a:latin typeface="Optima" panose="02000503060000020004" pitchFamily="2" charset="0"/>
+                <a:cs typeface="Berlin Sans FB" panose="020F0502020204030204" pitchFamily="34" charset="0"/>
+              </a:rPr>
+              <a:t>Tendências de mobilidade a </a:t>
+            </a:r>
+            <a:r>
+              <a:rPr lang="en-PT" b="1" dirty="0">
+                <a:latin typeface="Optima" panose="02000503060000020004" pitchFamily="2" charset="0"/>
+                <a:cs typeface="Berlin Sans FB" panose="020F0502020204030204" pitchFamily="34" charset="0"/>
+              </a:rPr>
+              <a:t>locais de residência</a:t>
+            </a:r>
+            <a:endParaRPr lang="en-GB" b="1" dirty="0">
+              <a:latin typeface="Optima" panose="02000503060000020004" pitchFamily="2" charset="0"/>
+              <a:cs typeface="Berlin Sans FB" panose="020F0502020204030204" pitchFamily="34" charset="0"/>
+            </a:endParaRPr>
+          </a:p>
+        </p:txBody>
+      </p:sp>
+      <p:sp>
+        <p:nvSpPr>
+          <p:cNvPr id="29" name="TextBox 28">
+            <a:extLst>
+              <a:ext uri="{FF2B5EF4-FFF2-40B4-BE49-F238E27FC236}">
+                <a16:creationId xmlns:a16="http://schemas.microsoft.com/office/drawing/2014/main" id="{257D8499-6124-2748-9333-D8CF850BF797}"/>
+              </a:ext>
+            </a:extLst>
+          </p:cNvPr>
+          <p:cNvSpPr txBox="1"/>
+          <p:nvPr/>
+        </p:nvSpPr>
+        <p:spPr>
+          <a:xfrm>
+            <a:off x="6428053" y="4093555"/>
+            <a:ext cx="2366463" cy="646331"/>
+          </a:xfrm>
+          <a:prstGeom prst="rect">
+            <a:avLst/>
+          </a:prstGeom>
+          <a:noFill/>
+        </p:spPr>
+        <p:txBody>
+          <a:bodyPr wrap="square" rtlCol="0">
+            <a:spAutoFit/>
+          </a:bodyPr>
+          <a:lstStyle/>
+          <a:p>
+            <a:pPr algn="ctr"/>
+            <a:r>
+              <a:rPr lang="en-PT" b="1" dirty="0">
+                <a:latin typeface="Optima" panose="02000503060000020004" pitchFamily="2" charset="0"/>
+                <a:cs typeface="Berlin Sans FB" panose="020F0502020204030204" pitchFamily="34" charset="0"/>
+              </a:rPr>
+              <a:t>Número total de casos</a:t>
+            </a:r>
+            <a:endParaRPr lang="en-GB" b="1" dirty="0">
+              <a:latin typeface="Optima" panose="02000503060000020004" pitchFamily="2" charset="0"/>
+              <a:cs typeface="Berlin Sans FB" panose="020F0502020204030204" pitchFamily="34" charset="0"/>
+            </a:endParaRPr>
+          </a:p>
+        </p:txBody>
+      </p:sp>
+      <p:sp>
+        <p:nvSpPr>
+          <p:cNvPr id="30" name="TextBox 29">
+            <a:extLst>
+              <a:ext uri="{FF2B5EF4-FFF2-40B4-BE49-F238E27FC236}">
+                <a16:creationId xmlns:a16="http://schemas.microsoft.com/office/drawing/2014/main" id="{1099DDE0-30E5-6642-81DC-73A6E3FA30EF}"/>
+              </a:ext>
+            </a:extLst>
+          </p:cNvPr>
+          <p:cNvSpPr txBox="1"/>
+          <p:nvPr/>
+        </p:nvSpPr>
+        <p:spPr>
+          <a:xfrm>
+            <a:off x="9310026" y="4093555"/>
+            <a:ext cx="2366463" cy="646331"/>
+          </a:xfrm>
+          <a:prstGeom prst="rect">
+            <a:avLst/>
+          </a:prstGeom>
+          <a:noFill/>
+        </p:spPr>
+        <p:txBody>
+          <a:bodyPr wrap="square" rtlCol="0">
+            <a:spAutoFit/>
+          </a:bodyPr>
+          <a:lstStyle/>
+          <a:p>
+            <a:pPr algn="ctr"/>
+            <a:r>
+              <a:rPr lang="en-PT" b="1" dirty="0">
+                <a:latin typeface="Optima" panose="02000503060000020004" pitchFamily="2" charset="0"/>
+                <a:cs typeface="Berlin Sans FB" panose="020F0502020204030204" pitchFamily="34" charset="0"/>
+              </a:rPr>
+              <a:t>Número total de mortes</a:t>
+            </a:r>
+            <a:endParaRPr lang="en-GB" b="1" dirty="0">
+              <a:latin typeface="Optima" panose="02000503060000020004" pitchFamily="2" charset="0"/>
+              <a:cs typeface="Berlin Sans FB" panose="020F0502020204030204" pitchFamily="34" charset="0"/>
+            </a:endParaRPr>
+          </a:p>
+        </p:txBody>
+      </p:sp>
+      <p:pic>
+        <p:nvPicPr>
+          <p:cNvPr id="3" name="Picture 2" descr="A close up of a logo&#10;&#10;Description automatically generated">
+            <a:extLst>
+              <a:ext uri="{FF2B5EF4-FFF2-40B4-BE49-F238E27FC236}">
+                <a16:creationId xmlns:a16="http://schemas.microsoft.com/office/drawing/2014/main" id="{AFA02165-BE33-6D42-8B14-5751B4186A8C}"/>
+              </a:ext>
+            </a:extLst>
+          </p:cNvPr>
+          <p:cNvPicPr>
+            <a:picLocks noChangeAspect="1"/>
+          </p:cNvPicPr>
+          <p:nvPr/>
+        </p:nvPicPr>
+        <p:blipFill>
+          <a:blip r:embed="rId3"/>
+          <a:stretch>
+            <a:fillRect/>
+          </a:stretch>
+        </p:blipFill>
+        <p:spPr>
+          <a:xfrm>
+            <a:off x="9530905" y="2177355"/>
+            <a:ext cx="1475874" cy="1475874"/>
+          </a:xfrm>
+          <a:prstGeom prst="rect">
+            <a:avLst/>
+          </a:prstGeom>
+        </p:spPr>
+      </p:pic>
+      <p:pic>
+        <p:nvPicPr>
+          <p:cNvPr id="12" name="Picture 11" descr="A close up of graphics&#10;&#10;Description automatically generated">
+            <a:extLst>
+              <a:ext uri="{FF2B5EF4-FFF2-40B4-BE49-F238E27FC236}">
+                <a16:creationId xmlns:a16="http://schemas.microsoft.com/office/drawing/2014/main" id="{5D825D06-E037-404B-851C-44588CB63951}"/>
+              </a:ext>
+            </a:extLst>
+          </p:cNvPr>
+          <p:cNvPicPr>
+            <a:picLocks noChangeAspect="1"/>
+          </p:cNvPicPr>
+          <p:nvPr/>
+        </p:nvPicPr>
+        <p:blipFill>
+          <a:blip r:embed="rId4"/>
+          <a:stretch>
+            <a:fillRect/>
+          </a:stretch>
+        </p:blipFill>
+        <p:spPr>
+          <a:xfrm>
+            <a:off x="6865326" y="2177355"/>
+            <a:ext cx="1491916" cy="1491916"/>
+          </a:xfrm>
+          <a:prstGeom prst="rect">
+            <a:avLst/>
+          </a:prstGeom>
+        </p:spPr>
+      </p:pic>
+      <p:pic>
+        <p:nvPicPr>
+          <p:cNvPr id="16" name="Picture 15" descr="A close up of a logo&#10;&#10;Description automatically generated">
+            <a:extLst>
+              <a:ext uri="{FF2B5EF4-FFF2-40B4-BE49-F238E27FC236}">
+                <a16:creationId xmlns:a16="http://schemas.microsoft.com/office/drawing/2014/main" id="{BDD90D37-7D13-AF42-8AA8-7C796B8BD7FF}"/>
+              </a:ext>
+            </a:extLst>
+          </p:cNvPr>
+          <p:cNvPicPr>
+            <a:picLocks noChangeAspect="1"/>
+          </p:cNvPicPr>
+          <p:nvPr/>
+        </p:nvPicPr>
+        <p:blipFill>
+          <a:blip r:embed="rId5"/>
+          <a:stretch>
+            <a:fillRect/>
+          </a:stretch>
+        </p:blipFill>
+        <p:spPr>
+          <a:xfrm>
+            <a:off x="3971275" y="2175891"/>
+            <a:ext cx="1477328" cy="1477328"/>
+          </a:xfrm>
+          <a:prstGeom prst="rect">
+            <a:avLst/>
+          </a:prstGeom>
+        </p:spPr>
+      </p:pic>
+      <p:pic>
+        <p:nvPicPr>
+          <p:cNvPr id="18" name="Picture 17" descr="A close up of a sign&#10;&#10;Description automatically generated">
+            <a:extLst>
+              <a:ext uri="{FF2B5EF4-FFF2-40B4-BE49-F238E27FC236}">
+                <a16:creationId xmlns:a16="http://schemas.microsoft.com/office/drawing/2014/main" id="{BA0D7A6D-0104-D84B-A496-92C07F291E2C}"/>
+              </a:ext>
+            </a:extLst>
+          </p:cNvPr>
+          <p:cNvPicPr>
+            <a:picLocks noChangeAspect="1"/>
+          </p:cNvPicPr>
+          <p:nvPr/>
+        </p:nvPicPr>
+        <p:blipFill>
+          <a:blip r:embed="rId6"/>
+          <a:stretch>
+            <a:fillRect/>
+          </a:stretch>
+        </p:blipFill>
+        <p:spPr>
+          <a:xfrm>
+            <a:off x="1247982" y="2154623"/>
+            <a:ext cx="1490245" cy="1490245"/>
+          </a:xfrm>
+          <a:prstGeom prst="rect">
+            <a:avLst/>
+          </a:prstGeom>
+        </p:spPr>
+      </p:pic>
+      <p:cxnSp>
+        <p:nvCxnSpPr>
+          <p:cNvPr id="21" name="Straight Arrow Connector 20">
+            <a:extLst>
+              <a:ext uri="{FF2B5EF4-FFF2-40B4-BE49-F238E27FC236}">
+                <a16:creationId xmlns:a16="http://schemas.microsoft.com/office/drawing/2014/main" id="{B65E952A-3360-D24A-9103-47EC20C82FD6}"/>
+              </a:ext>
+            </a:extLst>
+          </p:cNvPr>
+          <p:cNvCxnSpPr>
+            <a:cxnSpLocks/>
+          </p:cNvCxnSpPr>
+          <p:nvPr/>
+        </p:nvCxnSpPr>
+        <p:spPr>
+          <a:xfrm>
+            <a:off x="7587916" y="4796590"/>
+            <a:ext cx="0" cy="850232"/>
+          </a:xfrm>
+          <a:prstGeom prst="straightConnector1">
+            <a:avLst/>
+          </a:prstGeom>
+          <a:ln w="57150">
+            <a:solidFill>
+              <a:schemeClr val="accent4">
+                <a:lumMod val="40000"/>
+                <a:lumOff val="60000"/>
+              </a:schemeClr>
+            </a:solidFill>
+            <a:tailEnd type="triangle"/>
+          </a:ln>
+        </p:spPr>
+        <p:style>
+          <a:lnRef idx="1">
+            <a:schemeClr val="accent1"/>
+          </a:lnRef>
+          <a:fillRef idx="0">
+            <a:schemeClr val="accent1"/>
+          </a:fillRef>
+          <a:effectRef idx="0">
+            <a:schemeClr val="accent1"/>
+          </a:effectRef>
+          <a:fontRef idx="minor">
+            <a:schemeClr val="tx1"/>
+          </a:fontRef>
+        </p:style>
+      </p:cxnSp>
+      <p:sp>
+        <p:nvSpPr>
+          <p:cNvPr id="32" name="Rectangle 31">
+            <a:extLst>
+              <a:ext uri="{FF2B5EF4-FFF2-40B4-BE49-F238E27FC236}">
+                <a16:creationId xmlns:a16="http://schemas.microsoft.com/office/drawing/2014/main" id="{C21459C8-60F6-AF42-AE48-43810A7484F3}"/>
+              </a:ext>
+            </a:extLst>
+          </p:cNvPr>
+          <p:cNvSpPr/>
+          <p:nvPr/>
+        </p:nvSpPr>
+        <p:spPr>
+          <a:xfrm>
+            <a:off x="609349" y="5727032"/>
+            <a:ext cx="10973302" cy="945466"/>
+          </a:xfrm>
+          <a:prstGeom prst="rect">
+            <a:avLst/>
+          </a:prstGeom>
+          <a:noFill/>
+          <a:ln w="57150">
+            <a:solidFill>
+              <a:schemeClr val="accent4">
+                <a:lumMod val="40000"/>
+                <a:lumOff val="60000"/>
+              </a:schemeClr>
+            </a:solidFill>
+            <a:prstDash val="lgDash"/>
+          </a:ln>
+        </p:spPr>
+        <p:style>
+          <a:lnRef idx="2">
+            <a:schemeClr val="accent1">
+              <a:shade val="50000"/>
+            </a:schemeClr>
+          </a:lnRef>
+          <a:fillRef idx="1">
+            <a:schemeClr val="accent1"/>
+          </a:fillRef>
+          <a:effectRef idx="0">
+            <a:schemeClr val="accent1"/>
+          </a:effectRef>
+          <a:fontRef idx="minor">
+            <a:schemeClr val="lt1"/>
+          </a:fontRef>
+        </p:style>
+        <p:txBody>
+          <a:bodyPr rtlCol="0" anchor="ctr"/>
+          <a:lstStyle/>
+          <a:p>
+            <a:pPr algn="ctr"/>
+            <a:endParaRPr lang="en-PT"/>
+          </a:p>
+        </p:txBody>
+      </p:sp>
+      <p:sp>
+        <p:nvSpPr>
+          <p:cNvPr id="33" name="TextBox 32">
+            <a:extLst>
+              <a:ext uri="{FF2B5EF4-FFF2-40B4-BE49-F238E27FC236}">
+                <a16:creationId xmlns:a16="http://schemas.microsoft.com/office/drawing/2014/main" id="{E8CCB7FC-31BE-F748-A865-960378FCD1E8}"/>
+              </a:ext>
+            </a:extLst>
+          </p:cNvPr>
+          <p:cNvSpPr txBox="1"/>
+          <p:nvPr/>
+        </p:nvSpPr>
+        <p:spPr>
+          <a:xfrm>
+            <a:off x="944452" y="5881085"/>
+            <a:ext cx="10672803" cy="646331"/>
+          </a:xfrm>
+          <a:prstGeom prst="rect">
+            <a:avLst/>
+          </a:prstGeom>
+          <a:noFill/>
+        </p:spPr>
+        <p:txBody>
+          <a:bodyPr wrap="square" rtlCol="0">
+            <a:spAutoFit/>
+          </a:bodyPr>
+          <a:lstStyle/>
+          <a:p>
+            <a:r>
+              <a:rPr lang="en-PT" dirty="0">
+                <a:latin typeface="Optima" panose="02000503060000020004" pitchFamily="2" charset="0"/>
+                <a:cs typeface="Berlin Sans FB" panose="020F0502020204030204" pitchFamily="34" charset="0"/>
+              </a:rPr>
+              <a:t>Como primeiro problema, decidimos então focar-nos na </a:t>
+            </a:r>
+            <a:r>
+              <a:rPr lang="en-PT" b="1" dirty="0">
+                <a:latin typeface="Optima" panose="02000503060000020004" pitchFamily="2" charset="0"/>
+                <a:cs typeface="Berlin Sans FB" panose="020F0502020204030204" pitchFamily="34" charset="0"/>
+              </a:rPr>
+              <a:t>previsão do número total de casos, </a:t>
+            </a:r>
+            <a:r>
+              <a:rPr lang="en-PT" dirty="0">
+                <a:latin typeface="Optima" panose="02000503060000020004" pitchFamily="2" charset="0"/>
+                <a:cs typeface="Berlin Sans FB" panose="020F0502020204030204" pitchFamily="34" charset="0"/>
+              </a:rPr>
+              <a:t>utilizando como </a:t>
+            </a:r>
+            <a:r>
+              <a:rPr lang="en-PT" b="1" dirty="0">
+                <a:latin typeface="Optima" panose="02000503060000020004" pitchFamily="2" charset="0"/>
+                <a:cs typeface="Berlin Sans FB" panose="020F0502020204030204" pitchFamily="34" charset="0"/>
+              </a:rPr>
+              <a:t>features</a:t>
+            </a:r>
+            <a:r>
+              <a:rPr lang="en-PT" dirty="0">
+                <a:latin typeface="Optima" panose="02000503060000020004" pitchFamily="2" charset="0"/>
+                <a:cs typeface="Berlin Sans FB" panose="020F0502020204030204" pitchFamily="34" charset="0"/>
+              </a:rPr>
+              <a:t> </a:t>
+            </a:r>
+            <a:r>
+              <a:rPr lang="en-PT" b="1" dirty="0">
+                <a:latin typeface="Optima" panose="02000503060000020004" pitchFamily="2" charset="0"/>
+                <a:cs typeface="Berlin Sans FB" panose="020F0502020204030204" pitchFamily="34" charset="0"/>
+              </a:rPr>
+              <a:t>todas as tendências de mobilidade, </a:t>
+            </a:r>
+            <a:r>
+              <a:rPr lang="en-PT" dirty="0">
+                <a:latin typeface="Optima" panose="02000503060000020004" pitchFamily="2" charset="0"/>
+                <a:cs typeface="Berlin Sans FB" panose="020F0502020204030204" pitchFamily="34" charset="0"/>
+              </a:rPr>
+              <a:t>e ainda o </a:t>
+            </a:r>
+            <a:r>
+              <a:rPr lang="en-PT" b="1" dirty="0">
+                <a:latin typeface="Optima" panose="02000503060000020004" pitchFamily="2" charset="0"/>
+                <a:cs typeface="Berlin Sans FB" panose="020F0502020204030204" pitchFamily="34" charset="0"/>
+              </a:rPr>
+              <a:t>número de casos do dia anterior</a:t>
+            </a:r>
+            <a:endParaRPr lang="en-GB" b="1" dirty="0">
+              <a:latin typeface="Optima" panose="02000503060000020004" pitchFamily="2" charset="0"/>
+              <a:cs typeface="Berlin Sans FB" panose="020F0502020204030204" pitchFamily="34" charset="0"/>
+            </a:endParaRPr>
+          </a:p>
+        </p:txBody>
+      </p:sp>
+    </p:spTree>
+    <p:extLst>
+      <p:ext uri="{BB962C8B-B14F-4D97-AF65-F5344CB8AC3E}">
+        <p14:creationId xmlns:p14="http://schemas.microsoft.com/office/powerpoint/2010/main" val="3212308828"/>
+      </p:ext>
+    </p:extLst>
+  </p:cSld>
+  <p:clrMapOvr>
+    <a:masterClrMapping/>
+  </p:clrMapOvr>
+</p:sld>
+</file>
+
+<file path=ppt/slides/slide4.xml><?xml version="1.0" encoding="utf-8"?>
+<p:sld xmlns:a="http://schemas.openxmlformats.org/drawingml/2006/main" xmlns:r="http://schemas.openxmlformats.org/officeDocument/2006/relationships" xmlns:p="http://schemas.openxmlformats.org/presentationml/2006/main">
+  <p:cSld>
+    <p:spTree>
+      <p:nvGrpSpPr>
+        <p:cNvPr id="1" name=""/>
+        <p:cNvGrpSpPr/>
+        <p:nvPr/>
+      </p:nvGrpSpPr>
+      <p:grpSpPr>
+        <a:xfrm>
+          <a:off x="0" y="0"/>
+          <a:ext cx="0" cy="0"/>
+          <a:chOff x="0" y="0"/>
+          <a:chExt cx="0" cy="0"/>
+        </a:xfrm>
+      </p:grpSpPr>
+      <p:sp>
+        <p:nvSpPr>
+          <p:cNvPr id="22" name="Rectangle 21">
+            <a:extLst>
+              <a:ext uri="{FF2B5EF4-FFF2-40B4-BE49-F238E27FC236}">
+                <a16:creationId xmlns:a16="http://schemas.microsoft.com/office/drawing/2014/main" id="{9B61340A-0CE9-5041-9D62-09CE0DB3A1AE}"/>
+              </a:ext>
+            </a:extLst>
+          </p:cNvPr>
+          <p:cNvSpPr/>
+          <p:nvPr/>
+        </p:nvSpPr>
+        <p:spPr>
+          <a:xfrm>
+            <a:off x="0" y="0"/>
+            <a:ext cx="12192000" cy="6858000"/>
+          </a:xfrm>
+          <a:prstGeom prst="rect">
+            <a:avLst/>
+          </a:prstGeom>
+          <a:solidFill>
+            <a:schemeClr val="accent1">
+              <a:lumMod val="60000"/>
+              <a:lumOff val="40000"/>
+            </a:schemeClr>
+          </a:solidFill>
+          <a:ln>
+            <a:solidFill>
+              <a:schemeClr val="accent1">
+                <a:lumMod val="60000"/>
+                <a:lumOff val="40000"/>
+              </a:schemeClr>
+            </a:solidFill>
+          </a:ln>
+        </p:spPr>
+        <p:style>
+          <a:lnRef idx="2">
+            <a:schemeClr val="accent1">
+              <a:shade val="50000"/>
+            </a:schemeClr>
+          </a:lnRef>
+          <a:fillRef idx="1">
+            <a:schemeClr val="accent1"/>
+          </a:fillRef>
+          <a:effectRef idx="0">
+            <a:schemeClr val="accent1"/>
+          </a:effectRef>
+          <a:fontRef idx="minor">
+            <a:schemeClr val="lt1"/>
+          </a:fontRef>
+        </p:style>
+        <p:txBody>
+          <a:bodyPr rtlCol="0" anchor="ctr"/>
+          <a:lstStyle/>
+          <a:p>
+            <a:pPr algn="ctr"/>
+            <a:endParaRPr lang="en-PT"/>
+          </a:p>
+        </p:txBody>
+      </p:sp>
+      <p:sp>
+        <p:nvSpPr>
+          <p:cNvPr id="4" name="Rectangle 3">
+            <a:extLst>
+              <a:ext uri="{FF2B5EF4-FFF2-40B4-BE49-F238E27FC236}">
+                <a16:creationId xmlns:a16="http://schemas.microsoft.com/office/drawing/2014/main" id="{364572B9-69EF-1B4E-9451-C6C18AD62D7D}"/>
+              </a:ext>
+            </a:extLst>
+          </p:cNvPr>
+          <p:cNvSpPr/>
+          <p:nvPr/>
+        </p:nvSpPr>
+        <p:spPr>
+          <a:xfrm>
+            <a:off x="0" y="-16042"/>
+            <a:ext cx="12192000" cy="1428750"/>
+          </a:xfrm>
+          <a:prstGeom prst="rect">
+            <a:avLst/>
+          </a:prstGeom>
+          <a:solidFill>
+            <a:schemeClr val="accent4">
+              <a:lumMod val="40000"/>
+              <a:lumOff val="60000"/>
+            </a:schemeClr>
+          </a:solidFill>
+          <a:ln>
+            <a:solidFill>
+              <a:schemeClr val="accent4">
+                <a:lumMod val="40000"/>
+                <a:lumOff val="60000"/>
+              </a:schemeClr>
+            </a:solidFill>
+          </a:ln>
+        </p:spPr>
+        <p:style>
+          <a:lnRef idx="2">
+            <a:schemeClr val="accent1">
+              <a:shade val="50000"/>
+            </a:schemeClr>
+          </a:lnRef>
+          <a:fillRef idx="1">
+            <a:schemeClr val="accent1"/>
+          </a:fillRef>
+          <a:effectRef idx="0">
+            <a:schemeClr val="accent1"/>
+          </a:effectRef>
+          <a:fontRef idx="minor">
+            <a:schemeClr val="lt1"/>
+          </a:fontRef>
+        </p:style>
+        <p:txBody>
+          <a:bodyPr rtlCol="0" anchor="ctr"/>
+          <a:lstStyle/>
+          <a:p>
+            <a:pPr algn="ctr"/>
+            <a:endParaRPr lang="en-PT" dirty="0"/>
+          </a:p>
+        </p:txBody>
+      </p:sp>
+      <p:pic>
+        <p:nvPicPr>
+          <p:cNvPr id="5" name="Picture 4" descr="A picture containing black, clock&#10;&#10;Description automatically generated">
+            <a:extLst>
+              <a:ext uri="{FF2B5EF4-FFF2-40B4-BE49-F238E27FC236}">
+                <a16:creationId xmlns:a16="http://schemas.microsoft.com/office/drawing/2014/main" id="{445D12F7-D671-7D42-B03E-A5B7AB531869}"/>
+              </a:ext>
+            </a:extLst>
+          </p:cNvPr>
+          <p:cNvPicPr>
+            <a:picLocks noChangeAspect="1"/>
+          </p:cNvPicPr>
+          <p:nvPr/>
+        </p:nvPicPr>
+        <p:blipFill>
+          <a:blip r:embed="rId2"/>
+          <a:stretch>
+            <a:fillRect/>
+          </a:stretch>
+        </p:blipFill>
+        <p:spPr>
+          <a:xfrm>
+            <a:off x="9594034" y="853131"/>
+            <a:ext cx="897355" cy="897355"/>
+          </a:xfrm>
+          <a:prstGeom prst="rect">
+            <a:avLst/>
+          </a:prstGeom>
+        </p:spPr>
+      </p:pic>
+      <p:pic>
+        <p:nvPicPr>
+          <p:cNvPr id="6" name="Picture 5" descr="A picture containing black, clock&#10;&#10;Description automatically generated">
+            <a:extLst>
+              <a:ext uri="{FF2B5EF4-FFF2-40B4-BE49-F238E27FC236}">
+                <a16:creationId xmlns:a16="http://schemas.microsoft.com/office/drawing/2014/main" id="{21908F64-C0A0-9E4A-9E9C-815D57477F46}"/>
+              </a:ext>
+            </a:extLst>
+          </p:cNvPr>
+          <p:cNvPicPr>
+            <a:picLocks noChangeAspect="1"/>
+          </p:cNvPicPr>
+          <p:nvPr/>
+        </p:nvPicPr>
+        <p:blipFill>
+          <a:blip r:embed="rId2"/>
+          <a:stretch>
+            <a:fillRect/>
+          </a:stretch>
+        </p:blipFill>
+        <p:spPr>
+          <a:xfrm>
+            <a:off x="10797340" y="16042"/>
+            <a:ext cx="1167882" cy="1167882"/>
+          </a:xfrm>
+          <a:prstGeom prst="rect">
+            <a:avLst/>
+          </a:prstGeom>
+        </p:spPr>
+      </p:pic>
+      <p:pic>
+        <p:nvPicPr>
+          <p:cNvPr id="7" name="Picture 6" descr="A picture containing black, clock&#10;&#10;Description automatically generated">
+            <a:extLst>
+              <a:ext uri="{FF2B5EF4-FFF2-40B4-BE49-F238E27FC236}">
+                <a16:creationId xmlns:a16="http://schemas.microsoft.com/office/drawing/2014/main" id="{53C7CBB4-8D7F-C04E-9BBC-A81838950C78}"/>
+              </a:ext>
+            </a:extLst>
+          </p:cNvPr>
+          <p:cNvPicPr>
+            <a:picLocks noChangeAspect="1"/>
+          </p:cNvPicPr>
+          <p:nvPr/>
+        </p:nvPicPr>
+        <p:blipFill>
+          <a:blip r:embed="rId2"/>
+          <a:stretch>
+            <a:fillRect/>
+          </a:stretch>
+        </p:blipFill>
+        <p:spPr>
+          <a:xfrm>
+            <a:off x="10037983" y="185502"/>
+            <a:ext cx="443596" cy="443596"/>
+          </a:xfrm>
+          <a:prstGeom prst="rect">
+            <a:avLst/>
+          </a:prstGeom>
+        </p:spPr>
+      </p:pic>
+      <p:sp>
+        <p:nvSpPr>
+          <p:cNvPr id="8" name="TextBox 7">
+            <a:extLst>
+              <a:ext uri="{FF2B5EF4-FFF2-40B4-BE49-F238E27FC236}">
+                <a16:creationId xmlns:a16="http://schemas.microsoft.com/office/drawing/2014/main" id="{8E8B6E98-8EBF-124A-AFAD-37A640BF909C}"/>
+              </a:ext>
+            </a:extLst>
+          </p:cNvPr>
+          <p:cNvSpPr txBox="1"/>
+          <p:nvPr/>
+        </p:nvSpPr>
+        <p:spPr>
+          <a:xfrm>
+            <a:off x="609349" y="502365"/>
+            <a:ext cx="6439399" cy="461665"/>
+          </a:xfrm>
+          <a:prstGeom prst="rect">
+            <a:avLst/>
+          </a:prstGeom>
+          <a:noFill/>
+        </p:spPr>
+        <p:txBody>
+          <a:bodyPr wrap="square" rtlCol="0">
+            <a:spAutoFit/>
+          </a:bodyPr>
+          <a:lstStyle/>
+          <a:p>
+            <a:r>
+              <a:rPr lang="en-GB" sz="2400" dirty="0">
+                <a:latin typeface="Optima" panose="02000503060000020004" pitchFamily="2" charset="0"/>
+                <a:cs typeface="Berlin Sans FB" panose="020F0502020204030204" pitchFamily="34" charset="0"/>
+              </a:rPr>
+              <a:t>Ferramentas a </a:t>
+            </a:r>
+            <a:r>
+              <a:rPr lang="en-GB" sz="2400" dirty="0" err="1">
+                <a:latin typeface="Optima" panose="02000503060000020004" pitchFamily="2" charset="0"/>
+                <a:cs typeface="Berlin Sans FB" panose="020F0502020204030204" pitchFamily="34" charset="0"/>
+              </a:rPr>
+              <a:t>utilizar</a:t>
+            </a:r>
+            <a:endParaRPr lang="en-GB" sz="2400" dirty="0">
+              <a:latin typeface="Optima" panose="02000503060000020004" pitchFamily="2" charset="0"/>
+              <a:cs typeface="Berlin Sans FB" panose="020F0502020204030204" pitchFamily="34" charset="0"/>
+            </a:endParaRPr>
+          </a:p>
+        </p:txBody>
+      </p:sp>
+      <p:sp>
+        <p:nvSpPr>
+          <p:cNvPr id="31" name="TextBox 30">
+            <a:extLst>
+              <a:ext uri="{FF2B5EF4-FFF2-40B4-BE49-F238E27FC236}">
+                <a16:creationId xmlns:a16="http://schemas.microsoft.com/office/drawing/2014/main" id="{48E5495B-8809-5641-8F3D-E9E6F7ED9154}"/>
+              </a:ext>
+            </a:extLst>
+          </p:cNvPr>
+          <p:cNvSpPr txBox="1"/>
+          <p:nvPr/>
+        </p:nvSpPr>
+        <p:spPr>
+          <a:xfrm>
+            <a:off x="737686" y="1944102"/>
+            <a:ext cx="11115241" cy="369332"/>
+          </a:xfrm>
+          <a:prstGeom prst="rect">
+            <a:avLst/>
+          </a:prstGeom>
+          <a:noFill/>
+        </p:spPr>
+        <p:txBody>
+          <a:bodyPr wrap="square" rtlCol="0">
+            <a:spAutoFit/>
+          </a:bodyPr>
+          <a:lstStyle/>
+          <a:p>
+            <a:r>
+              <a:rPr lang="en-PT" dirty="0">
+                <a:latin typeface="Optima" panose="02000503060000020004" pitchFamily="2" charset="0"/>
+                <a:cs typeface="Berlin Sans FB" panose="020F0502020204030204" pitchFamily="34" charset="0"/>
+              </a:rPr>
+              <a:t>A primeira parte do trabalho consistiu então numa primeira avaliação do dataset.</a:t>
+            </a:r>
+            <a:endParaRPr lang="en-GB" b="1" dirty="0">
+              <a:latin typeface="Optima" panose="02000503060000020004" pitchFamily="2" charset="0"/>
+              <a:cs typeface="Berlin Sans FB" panose="020F0502020204030204" pitchFamily="34" charset="0"/>
+            </a:endParaRPr>
+          </a:p>
+        </p:txBody>
+      </p:sp>
+    </p:spTree>
+    <p:extLst>
+      <p:ext uri="{BB962C8B-B14F-4D97-AF65-F5344CB8AC3E}">
+        <p14:creationId xmlns:p14="http://schemas.microsoft.com/office/powerpoint/2010/main" val="3800911471"/>
       </p:ext>
     </p:extLst>
   </p:cSld>
@@ -3701,4 +6953,299 @@
     </a:ext>
   </a:extLst>
 </a:theme>
+</file>
+
+<file path=ppt/theme/theme2.xml><?xml version="1.0" encoding="utf-8"?>
+<a:theme xmlns:a="http://schemas.openxmlformats.org/drawingml/2006/main" name="Office Theme">
+  <a:themeElements>
+    <a:clrScheme name="Office">
+      <a:dk1>
+        <a:sysClr val="windowText" lastClr="000000"/>
+      </a:dk1>
+      <a:lt1>
+        <a:sysClr val="window" lastClr="FFFFFF"/>
+      </a:lt1>
+      <a:dk2>
+        <a:srgbClr val="44546A"/>
+      </a:dk2>
+      <a:lt2>
+        <a:srgbClr val="E7E6E6"/>
+      </a:lt2>
+      <a:accent1>
+        <a:srgbClr val="4472C4"/>
+      </a:accent1>
+      <a:accent2>
+        <a:srgbClr val="ED7D31"/>
+      </a:accent2>
+      <a:accent3>
+        <a:srgbClr val="A5A5A5"/>
+      </a:accent3>
+      <a:accent4>
+        <a:srgbClr val="FFC000"/>
+      </a:accent4>
+      <a:accent5>
+        <a:srgbClr val="5B9BD5"/>
+      </a:accent5>
+      <a:accent6>
+        <a:srgbClr val="70AD47"/>
+      </a:accent6>
+      <a:hlink>
+        <a:srgbClr val="0563C1"/>
+      </a:hlink>
+      <a:folHlink>
+        <a:srgbClr val="954F72"/>
+      </a:folHlink>
+    </a:clrScheme>
+    <a:fontScheme name="Office">
+      <a:majorFont>
+        <a:latin typeface="Calibri Light" panose="020F0302020204030204"/>
+        <a:ea typeface=""/>
+        <a:cs typeface=""/>
+        <a:font script="Jpan" typeface="游ゴシック Light"/>
+        <a:font script="Hang" typeface="맑은 고딕"/>
+        <a:font script="Hans" typeface="等线 Light"/>
+        <a:font script="Hant" typeface="新細明體"/>
+        <a:font script="Arab" typeface="Times New Roman"/>
+        <a:font script="Hebr" typeface="Times New Roman"/>
+        <a:font script="Thai" typeface="Angsana New"/>
+        <a:font script="Ethi" typeface="Nyala"/>
+        <a:font script="Beng" typeface="Vrinda"/>
+        <a:font script="Gujr" typeface="Shruti"/>
+        <a:font script="Khmr" typeface="MoolBoran"/>
+        <a:font script="Knda" typeface="Tunga"/>
+        <a:font script="Guru" typeface="Raavi"/>
+        <a:font script="Cans" typeface="Euphemia"/>
+        <a:font script="Cher" typeface="Plantagenet Cherokee"/>
+        <a:font script="Yiii" typeface="Microsoft Yi Baiti"/>
+        <a:font script="Tibt" typeface="Microsoft Himalaya"/>
+        <a:font script="Thaa" typeface="MV Boli"/>
+        <a:font script="Deva" typeface="Mangal"/>
+        <a:font script="Telu" typeface="Gautami"/>
+        <a:font script="Taml" typeface="Latha"/>
+        <a:font script="Syrc" typeface="Estrangelo Edessa"/>
+        <a:font script="Orya" typeface="Kalinga"/>
+        <a:font script="Mlym" typeface="Kartika"/>
+        <a:font script="Laoo" typeface="DokChampa"/>
+        <a:font script="Sinh" typeface="Iskoola Pota"/>
+        <a:font script="Mong" typeface="Mongolian Baiti"/>
+        <a:font script="Viet" typeface="Times New Roman"/>
+        <a:font script="Uigh" typeface="Microsoft Uighur"/>
+        <a:font script="Geor" typeface="Sylfaen"/>
+        <a:font script="Armn" typeface="Arial"/>
+        <a:font script="Bugi" typeface="Leelawadee UI"/>
+        <a:font script="Bopo" typeface="Microsoft JhengHei"/>
+        <a:font script="Java" typeface="Javanese Text"/>
+        <a:font script="Lisu" typeface="Segoe UI"/>
+        <a:font script="Mymr" typeface="Myanmar Text"/>
+        <a:font script="Nkoo" typeface="Ebrima"/>
+        <a:font script="Olck" typeface="Nirmala UI"/>
+        <a:font script="Osma" typeface="Ebrima"/>
+        <a:font script="Phag" typeface="Phagspa"/>
+        <a:font script="Syrn" typeface="Estrangelo Edessa"/>
+        <a:font script="Syrj" typeface="Estrangelo Edessa"/>
+        <a:font script="Syre" typeface="Estrangelo Edessa"/>
+        <a:font script="Sora" typeface="Nirmala UI"/>
+        <a:font script="Tale" typeface="Microsoft Tai Le"/>
+        <a:font script="Talu" typeface="Microsoft New Tai Lue"/>
+        <a:font script="Tfng" typeface="Ebrima"/>
+      </a:majorFont>
+      <a:minorFont>
+        <a:latin typeface="Calibri" panose="020F0502020204030204"/>
+        <a:ea typeface=""/>
+        <a:cs typeface=""/>
+        <a:font script="Jpan" typeface="游ゴシック"/>
+        <a:font script="Hang" typeface="맑은 고딕"/>
+        <a:font script="Hans" typeface="等线"/>
+        <a:font script="Hant" typeface="新細明體"/>
+        <a:font script="Arab" typeface="Arial"/>
+        <a:font script="Hebr" typeface="Arial"/>
+        <a:font script="Thai" typeface="Cordia New"/>
+        <a:font script="Ethi" typeface="Nyala"/>
+        <a:font script="Beng" typeface="Vrinda"/>
+        <a:font script="Gujr" typeface="Shruti"/>
+        <a:font script="Khmr" typeface="DaunPenh"/>
+        <a:font script="Knda" typeface="Tunga"/>
+        <a:font script="Guru" typeface="Raavi"/>
+        <a:font script="Cans" typeface="Euphemia"/>
+        <a:font script="Cher" typeface="Plantagenet Cherokee"/>
+        <a:font script="Yiii" typeface="Microsoft Yi Baiti"/>
+        <a:font script="Tibt" typeface="Microsoft Himalaya"/>
+        <a:font script="Thaa" typeface="MV Boli"/>
+        <a:font script="Deva" typeface="Mangal"/>
+        <a:font script="Telu" typeface="Gautami"/>
+        <a:font script="Taml" typeface="Latha"/>
+        <a:font script="Syrc" typeface="Estrangelo Edessa"/>
+        <a:font script="Orya" typeface="Kalinga"/>
+        <a:font script="Mlym" typeface="Kartika"/>
+        <a:font script="Laoo" typeface="DokChampa"/>
+        <a:font script="Sinh" typeface="Iskoola Pota"/>
+        <a:font script="Mong" typeface="Mongolian Baiti"/>
+        <a:font script="Viet" typeface="Arial"/>
+        <a:font script="Uigh" typeface="Microsoft Uighur"/>
+        <a:font script="Geor" typeface="Sylfaen"/>
+        <a:font script="Armn" typeface="Arial"/>
+        <a:font script="Bugi" typeface="Leelawadee UI"/>
+        <a:font script="Bopo" typeface="Microsoft JhengHei"/>
+        <a:font script="Java" typeface="Javanese Text"/>
+        <a:font script="Lisu" typeface="Segoe UI"/>
+        <a:font script="Mymr" typeface="Myanmar Text"/>
+        <a:font script="Nkoo" typeface="Ebrima"/>
+        <a:font script="Olck" typeface="Nirmala UI"/>
+        <a:font script="Osma" typeface="Ebrima"/>
+        <a:font script="Phag" typeface="Phagspa"/>
+        <a:font script="Syrn" typeface="Estrangelo Edessa"/>
+        <a:font script="Syrj" typeface="Estrangelo Edessa"/>
+        <a:font script="Syre" typeface="Estrangelo Edessa"/>
+        <a:font script="Sora" typeface="Nirmala UI"/>
+        <a:font script="Tale" typeface="Microsoft Tai Le"/>
+        <a:font script="Talu" typeface="Microsoft New Tai Lue"/>
+        <a:font script="Tfng" typeface="Ebrima"/>
+      </a:minorFont>
+    </a:fontScheme>
+    <a:fmtScheme name="Office">
+      <a:fillStyleLst>
+        <a:solidFill>
+          <a:schemeClr val="phClr"/>
+        </a:solidFill>
+        <a:gradFill rotWithShape="1">
+          <a:gsLst>
+            <a:gs pos="0">
+              <a:schemeClr val="phClr">
+                <a:lumMod val="110000"/>
+                <a:satMod val="105000"/>
+                <a:tint val="67000"/>
+              </a:schemeClr>
+            </a:gs>
+            <a:gs pos="50000">
+              <a:schemeClr val="phClr">
+                <a:lumMod val="105000"/>
+                <a:satMod val="103000"/>
+                <a:tint val="73000"/>
+              </a:schemeClr>
+            </a:gs>
+            <a:gs pos="100000">
+              <a:schemeClr val="phClr">
+                <a:lumMod val="105000"/>
+                <a:satMod val="109000"/>
+                <a:tint val="81000"/>
+              </a:schemeClr>
+            </a:gs>
+          </a:gsLst>
+          <a:lin ang="5400000" scaled="0"/>
+        </a:gradFill>
+        <a:gradFill rotWithShape="1">
+          <a:gsLst>
+            <a:gs pos="0">
+              <a:schemeClr val="phClr">
+                <a:satMod val="103000"/>
+                <a:lumMod val="102000"/>
+                <a:tint val="94000"/>
+              </a:schemeClr>
+            </a:gs>
+            <a:gs pos="50000">
+              <a:schemeClr val="phClr">
+                <a:satMod val="110000"/>
+                <a:lumMod val="100000"/>
+                <a:shade val="100000"/>
+              </a:schemeClr>
+            </a:gs>
+            <a:gs pos="100000">
+              <a:schemeClr val="phClr">
+                <a:lumMod val="99000"/>
+                <a:satMod val="120000"/>
+                <a:shade val="78000"/>
+              </a:schemeClr>
+            </a:gs>
+          </a:gsLst>
+          <a:lin ang="5400000" scaled="0"/>
+        </a:gradFill>
+      </a:fillStyleLst>
+      <a:lnStyleLst>
+        <a:ln w="6350" cap="flat" cmpd="sng" algn="ctr">
+          <a:solidFill>
+            <a:schemeClr val="phClr"/>
+          </a:solidFill>
+          <a:prstDash val="solid"/>
+          <a:miter lim="800000"/>
+        </a:ln>
+        <a:ln w="12700" cap="flat" cmpd="sng" algn="ctr">
+          <a:solidFill>
+            <a:schemeClr val="phClr"/>
+          </a:solidFill>
+          <a:prstDash val="solid"/>
+          <a:miter lim="800000"/>
+        </a:ln>
+        <a:ln w="19050" cap="flat" cmpd="sng" algn="ctr">
+          <a:solidFill>
+            <a:schemeClr val="phClr"/>
+          </a:solidFill>
+          <a:prstDash val="solid"/>
+          <a:miter lim="800000"/>
+        </a:ln>
+      </a:lnStyleLst>
+      <a:effectStyleLst>
+        <a:effectStyle>
+          <a:effectLst/>
+        </a:effectStyle>
+        <a:effectStyle>
+          <a:effectLst/>
+        </a:effectStyle>
+        <a:effectStyle>
+          <a:effectLst>
+            <a:outerShdw blurRad="57150" dist="19050" dir="5400000" algn="ctr" rotWithShape="0">
+              <a:srgbClr val="000000">
+                <a:alpha val="63000"/>
+              </a:srgbClr>
+            </a:outerShdw>
+          </a:effectLst>
+        </a:effectStyle>
+      </a:effectStyleLst>
+      <a:bgFillStyleLst>
+        <a:solidFill>
+          <a:schemeClr val="phClr"/>
+        </a:solidFill>
+        <a:solidFill>
+          <a:schemeClr val="phClr">
+            <a:tint val="95000"/>
+            <a:satMod val="170000"/>
+          </a:schemeClr>
+        </a:solidFill>
+        <a:gradFill rotWithShape="1">
+          <a:gsLst>
+            <a:gs pos="0">
+              <a:schemeClr val="phClr">
+                <a:tint val="93000"/>
+                <a:satMod val="150000"/>
+                <a:shade val="98000"/>
+                <a:lumMod val="102000"/>
+              </a:schemeClr>
+            </a:gs>
+            <a:gs pos="50000">
+              <a:schemeClr val="phClr">
+                <a:tint val="98000"/>
+                <a:satMod val="130000"/>
+                <a:shade val="90000"/>
+                <a:lumMod val="103000"/>
+              </a:schemeClr>
+            </a:gs>
+            <a:gs pos="100000">
+              <a:schemeClr val="phClr">
+                <a:shade val="63000"/>
+                <a:satMod val="120000"/>
+              </a:schemeClr>
+            </a:gs>
+          </a:gsLst>
+          <a:lin ang="5400000" scaled="0"/>
+        </a:gradFill>
+      </a:bgFillStyleLst>
+    </a:fmtScheme>
+  </a:themeElements>
+  <a:objectDefaults/>
+  <a:extraClrSchemeLst/>
+  <a:extLst>
+    <a:ext uri="{05A4C25C-085E-4340-85A3-A5531E510DB2}">
+      <thm15:themeFamily xmlns:thm15="http://schemas.microsoft.com/office/thememl/2012/main" name="Office Theme" id="{62F939B6-93AF-4DB8-9C6B-D6C7DFDC589F}" vid="{4A3C46E8-61CC-4603-A589-7422A47A8E4A}"/>
+    </a:ext>
+  </a:extLst>
+</a:theme>
 </file>
--- a/COVID-19/presentations/Checkpoint.pptx
+++ b/COVID-19/presentations/Checkpoint.pptx
@@ -5,13 +5,15 @@
     <p:sldMasterId id="2147483648" r:id="rId1"/>
   </p:sldMasterIdLst>
   <p:notesMasterIdLst>
-    <p:notesMasterId r:id="rId6"/>
+    <p:notesMasterId r:id="rId8"/>
   </p:notesMasterIdLst>
   <p:sldIdLst>
     <p:sldId id="256" r:id="rId2"/>
     <p:sldId id="257" r:id="rId3"/>
     <p:sldId id="259" r:id="rId4"/>
     <p:sldId id="260" r:id="rId5"/>
+    <p:sldId id="261" r:id="rId6"/>
+    <p:sldId id="262" r:id="rId7"/>
   </p:sldIdLst>
   <p:sldSz cx="12192000" cy="6858000"/>
   <p:notesSz cx="6858000" cy="9144000"/>
@@ -110,6 +112,11 @@
       </a:defRPr>
     </a:lvl9pPr>
   </p:defaultTextStyle>
+  <p:extLst>
+    <p:ext uri="{EFAFB233-063F-42B5-8137-9DF3F51BA10A}">
+      <p15:sldGuideLst xmlns:p15="http://schemas.microsoft.com/office/powerpoint/2012/main"/>
+    </p:ext>
+  </p:extLst>
 </p:presentation>
 </file>
 
@@ -195,7 +202,7 @@
           <a:p>
             <a:fld id="{2277750E-4D79-494A-9404-20FAE8D53E3B}" type="datetimeFigureOut">
               <a:rPr lang="en-PT" smtClean="0"/>
-              <a:t>08/05/2020</a:t>
+              <a:t>09/05/2020</a:t>
             </a:fld>
             <a:endParaRPr lang="en-PT"/>
           </a:p>
@@ -463,6 +470,174 @@
 </p:notesMaster>
 </file>
 
+<file path=ppt/notesSlides/notesSlide1.xml><?xml version="1.0" encoding="utf-8"?>
+<p:notes xmlns:a="http://schemas.openxmlformats.org/drawingml/2006/main" xmlns:r="http://schemas.openxmlformats.org/officeDocument/2006/relationships" xmlns:p="http://schemas.openxmlformats.org/presentationml/2006/main">
+  <p:cSld>
+    <p:spTree>
+      <p:nvGrpSpPr>
+        <p:cNvPr id="1" name=""/>
+        <p:cNvGrpSpPr/>
+        <p:nvPr/>
+      </p:nvGrpSpPr>
+      <p:grpSpPr>
+        <a:xfrm>
+          <a:off x="0" y="0"/>
+          <a:ext cx="0" cy="0"/>
+          <a:chOff x="0" y="0"/>
+          <a:chExt cx="0" cy="0"/>
+        </a:xfrm>
+      </p:grpSpPr>
+      <p:sp>
+        <p:nvSpPr>
+          <p:cNvPr id="2" name="Slide Image Placeholder 1"/>
+          <p:cNvSpPr>
+            <a:spLocks noGrp="1" noRot="1" noChangeAspect="1"/>
+          </p:cNvSpPr>
+          <p:nvPr>
+            <p:ph type="sldImg"/>
+          </p:nvPr>
+        </p:nvSpPr>
+        <p:spPr/>
+      </p:sp>
+      <p:sp>
+        <p:nvSpPr>
+          <p:cNvPr id="3" name="Notes Placeholder 2"/>
+          <p:cNvSpPr>
+            <a:spLocks noGrp="1"/>
+          </p:cNvSpPr>
+          <p:nvPr>
+            <p:ph type="body" idx="1"/>
+          </p:nvPr>
+        </p:nvSpPr>
+        <p:spPr/>
+        <p:txBody>
+          <a:bodyPr/>
+          <a:lstStyle/>
+          <a:p>
+            <a:endParaRPr lang="en-PT" dirty="0"/>
+          </a:p>
+        </p:txBody>
+      </p:sp>
+      <p:sp>
+        <p:nvSpPr>
+          <p:cNvPr id="4" name="Slide Number Placeholder 3"/>
+          <p:cNvSpPr>
+            <a:spLocks noGrp="1"/>
+          </p:cNvSpPr>
+          <p:nvPr>
+            <p:ph type="sldNum" sz="quarter" idx="5"/>
+          </p:nvPr>
+        </p:nvSpPr>
+        <p:spPr/>
+        <p:txBody>
+          <a:bodyPr/>
+          <a:lstStyle/>
+          <a:p>
+            <a:fld id="{918A8A13-33D9-E248-80D5-B133E4F3DA23}" type="slidenum">
+              <a:rPr lang="en-PT" smtClean="0"/>
+              <a:t>5</a:t>
+            </a:fld>
+            <a:endParaRPr lang="en-PT"/>
+          </a:p>
+        </p:txBody>
+      </p:sp>
+    </p:spTree>
+    <p:extLst>
+      <p:ext uri="{BB962C8B-B14F-4D97-AF65-F5344CB8AC3E}">
+        <p14:creationId xmlns:p14="http://schemas.microsoft.com/office/powerpoint/2010/main" val="675391918"/>
+      </p:ext>
+    </p:extLst>
+  </p:cSld>
+  <p:clrMapOvr>
+    <a:masterClrMapping/>
+  </p:clrMapOvr>
+</p:notes>
+</file>
+
+<file path=ppt/notesSlides/notesSlide2.xml><?xml version="1.0" encoding="utf-8"?>
+<p:notes xmlns:a="http://schemas.openxmlformats.org/drawingml/2006/main" xmlns:r="http://schemas.openxmlformats.org/officeDocument/2006/relationships" xmlns:p="http://schemas.openxmlformats.org/presentationml/2006/main">
+  <p:cSld>
+    <p:spTree>
+      <p:nvGrpSpPr>
+        <p:cNvPr id="1" name=""/>
+        <p:cNvGrpSpPr/>
+        <p:nvPr/>
+      </p:nvGrpSpPr>
+      <p:grpSpPr>
+        <a:xfrm>
+          <a:off x="0" y="0"/>
+          <a:ext cx="0" cy="0"/>
+          <a:chOff x="0" y="0"/>
+          <a:chExt cx="0" cy="0"/>
+        </a:xfrm>
+      </p:grpSpPr>
+      <p:sp>
+        <p:nvSpPr>
+          <p:cNvPr id="2" name="Slide Image Placeholder 1"/>
+          <p:cNvSpPr>
+            <a:spLocks noGrp="1" noRot="1" noChangeAspect="1"/>
+          </p:cNvSpPr>
+          <p:nvPr>
+            <p:ph type="sldImg"/>
+          </p:nvPr>
+        </p:nvSpPr>
+        <p:spPr/>
+      </p:sp>
+      <p:sp>
+        <p:nvSpPr>
+          <p:cNvPr id="3" name="Notes Placeholder 2"/>
+          <p:cNvSpPr>
+            <a:spLocks noGrp="1"/>
+          </p:cNvSpPr>
+          <p:nvPr>
+            <p:ph type="body" idx="1"/>
+          </p:nvPr>
+        </p:nvSpPr>
+        <p:spPr/>
+        <p:txBody>
+          <a:bodyPr/>
+          <a:lstStyle/>
+          <a:p>
+            <a:endParaRPr lang="en-PT" dirty="0"/>
+          </a:p>
+        </p:txBody>
+      </p:sp>
+      <p:sp>
+        <p:nvSpPr>
+          <p:cNvPr id="4" name="Slide Number Placeholder 3"/>
+          <p:cNvSpPr>
+            <a:spLocks noGrp="1"/>
+          </p:cNvSpPr>
+          <p:nvPr>
+            <p:ph type="sldNum" sz="quarter" idx="5"/>
+          </p:nvPr>
+        </p:nvSpPr>
+        <p:spPr/>
+        <p:txBody>
+          <a:bodyPr/>
+          <a:lstStyle/>
+          <a:p>
+            <a:fld id="{918A8A13-33D9-E248-80D5-B133E4F3DA23}" type="slidenum">
+              <a:rPr lang="en-PT" smtClean="0"/>
+              <a:t>6</a:t>
+            </a:fld>
+            <a:endParaRPr lang="en-PT"/>
+          </a:p>
+        </p:txBody>
+      </p:sp>
+    </p:spTree>
+    <p:extLst>
+      <p:ext uri="{BB962C8B-B14F-4D97-AF65-F5344CB8AC3E}">
+        <p14:creationId xmlns:p14="http://schemas.microsoft.com/office/powerpoint/2010/main" val="2862455334"/>
+      </p:ext>
+    </p:extLst>
+  </p:cSld>
+  <p:clrMapOvr>
+    <a:masterClrMapping/>
+  </p:clrMapOvr>
+</p:notes>
+</file>
+
 <file path=ppt/slideLayouts/slideLayout1.xml><?xml version="1.0" encoding="utf-8"?>
 <p:sldLayout xmlns:a="http://schemas.openxmlformats.org/drawingml/2006/main" xmlns:r="http://schemas.openxmlformats.org/officeDocument/2006/relationships" xmlns:p="http://schemas.openxmlformats.org/presentationml/2006/main" type="title" preserve="1">
   <p:cSld name="Title Slide">
@@ -612,7 +787,7 @@
           <a:p>
             <a:fld id="{6373D9D4-E009-9D41-BC97-6A0F96C1AD3C}" type="datetimeFigureOut">
               <a:rPr lang="en-PT" smtClean="0"/>
-              <a:t>08/05/2020</a:t>
+              <a:t>09/05/2020</a:t>
             </a:fld>
             <a:endParaRPr lang="en-PT"/>
           </a:p>
@@ -812,7 +987,7 @@
           <a:p>
             <a:fld id="{6373D9D4-E009-9D41-BC97-6A0F96C1AD3C}" type="datetimeFigureOut">
               <a:rPr lang="en-PT" smtClean="0"/>
-              <a:t>08/05/2020</a:t>
+              <a:t>09/05/2020</a:t>
             </a:fld>
             <a:endParaRPr lang="en-PT"/>
           </a:p>
@@ -1022,7 +1197,7 @@
           <a:p>
             <a:fld id="{6373D9D4-E009-9D41-BC97-6A0F96C1AD3C}" type="datetimeFigureOut">
               <a:rPr lang="en-PT" smtClean="0"/>
-              <a:t>08/05/2020</a:t>
+              <a:t>09/05/2020</a:t>
             </a:fld>
             <a:endParaRPr lang="en-PT"/>
           </a:p>
@@ -1222,7 +1397,7 @@
           <a:p>
             <a:fld id="{6373D9D4-E009-9D41-BC97-6A0F96C1AD3C}" type="datetimeFigureOut">
               <a:rPr lang="en-PT" smtClean="0"/>
-              <a:t>08/05/2020</a:t>
+              <a:t>09/05/2020</a:t>
             </a:fld>
             <a:endParaRPr lang="en-PT"/>
           </a:p>
@@ -1498,7 +1673,7 @@
           <a:p>
             <a:fld id="{6373D9D4-E009-9D41-BC97-6A0F96C1AD3C}" type="datetimeFigureOut">
               <a:rPr lang="en-PT" smtClean="0"/>
-              <a:t>08/05/2020</a:t>
+              <a:t>09/05/2020</a:t>
             </a:fld>
             <a:endParaRPr lang="en-PT"/>
           </a:p>
@@ -1766,7 +1941,7 @@
           <a:p>
             <a:fld id="{6373D9D4-E009-9D41-BC97-6A0F96C1AD3C}" type="datetimeFigureOut">
               <a:rPr lang="en-PT" smtClean="0"/>
-              <a:t>08/05/2020</a:t>
+              <a:t>09/05/2020</a:t>
             </a:fld>
             <a:endParaRPr lang="en-PT"/>
           </a:p>
@@ -2181,7 +2356,7 @@
           <a:p>
             <a:fld id="{6373D9D4-E009-9D41-BC97-6A0F96C1AD3C}" type="datetimeFigureOut">
               <a:rPr lang="en-PT" smtClean="0"/>
-              <a:t>08/05/2020</a:t>
+              <a:t>09/05/2020</a:t>
             </a:fld>
             <a:endParaRPr lang="en-PT"/>
           </a:p>
@@ -2323,7 +2498,7 @@
           <a:p>
             <a:fld id="{6373D9D4-E009-9D41-BC97-6A0F96C1AD3C}" type="datetimeFigureOut">
               <a:rPr lang="en-PT" smtClean="0"/>
-              <a:t>08/05/2020</a:t>
+              <a:t>09/05/2020</a:t>
             </a:fld>
             <a:endParaRPr lang="en-PT"/>
           </a:p>
@@ -2436,7 +2611,7 @@
           <a:p>
             <a:fld id="{6373D9D4-E009-9D41-BC97-6A0F96C1AD3C}" type="datetimeFigureOut">
               <a:rPr lang="en-PT" smtClean="0"/>
-              <a:t>08/05/2020</a:t>
+              <a:t>09/05/2020</a:t>
             </a:fld>
             <a:endParaRPr lang="en-PT"/>
           </a:p>
@@ -2749,7 +2924,7 @@
           <a:p>
             <a:fld id="{6373D9D4-E009-9D41-BC97-6A0F96C1AD3C}" type="datetimeFigureOut">
               <a:rPr lang="en-PT" smtClean="0"/>
-              <a:t>08/05/2020</a:t>
+              <a:t>09/05/2020</a:t>
             </a:fld>
             <a:endParaRPr lang="en-PT"/>
           </a:p>
@@ -3038,7 +3213,7 @@
           <a:p>
             <a:fld id="{6373D9D4-E009-9D41-BC97-6A0F96C1AD3C}" type="datetimeFigureOut">
               <a:rPr lang="en-PT" smtClean="0"/>
-              <a:t>08/05/2020</a:t>
+              <a:t>09/05/2020</a:t>
             </a:fld>
             <a:endParaRPr lang="en-PT"/>
           </a:p>
@@ -3281,7 +3456,7 @@
           <a:p>
             <a:fld id="{6373D9D4-E009-9D41-BC97-6A0F96C1AD3C}" type="datetimeFigureOut">
               <a:rPr lang="en-PT" smtClean="0"/>
-              <a:t>08/05/2020</a:t>
+              <a:t>09/05/2020</a:t>
             </a:fld>
             <a:endParaRPr lang="en-PT"/>
           </a:p>
@@ -6638,7 +6813,7 @@
                 <a:latin typeface="Optima" panose="02000503060000020004" pitchFamily="2" charset="0"/>
                 <a:cs typeface="Berlin Sans FB" panose="020F0502020204030204" pitchFamily="34" charset="0"/>
               </a:rPr>
-              <a:t>A primeira parte do trabalho consistiu então numa primeira avaliação do dataset.</a:t>
+              <a:t>A primeira parte do trabalho consistiu então numa primeira avaliação do dataset</a:t>
             </a:r>
             <a:endParaRPr lang="en-GB" b="1" dirty="0">
               <a:latin typeface="Optima" panose="02000503060000020004" pitchFamily="2" charset="0"/>
@@ -6647,10 +6822,4329 @@
           </a:p>
         </p:txBody>
       </p:sp>
+      <p:graphicFrame>
+        <p:nvGraphicFramePr>
+          <p:cNvPr id="2" name="Table 1">
+            <a:extLst>
+              <a:ext uri="{FF2B5EF4-FFF2-40B4-BE49-F238E27FC236}">
+                <a16:creationId xmlns:a16="http://schemas.microsoft.com/office/drawing/2014/main" id="{0C8B9AF3-D2BC-A74B-9532-2FFC96FC0E1D}"/>
+              </a:ext>
+            </a:extLst>
+          </p:cNvPr>
+          <p:cNvGraphicFramePr>
+            <a:graphicFrameLocks noGrp="1"/>
+          </p:cNvGraphicFramePr>
+          <p:nvPr>
+            <p:extLst>
+              <p:ext uri="{D42A27DB-BD31-4B8C-83A1-F6EECF244321}">
+                <p14:modId xmlns:p14="http://schemas.microsoft.com/office/powerpoint/2010/main" val="606595883"/>
+              </p:ext>
+            </p:extLst>
+          </p:nvPr>
+        </p:nvGraphicFramePr>
+        <p:xfrm>
+          <a:off x="707206" y="2577167"/>
+          <a:ext cx="1785620" cy="4036993"/>
+        </p:xfrm>
+        <a:graphic>
+          <a:graphicData uri="http://schemas.openxmlformats.org/drawingml/2006/table">
+            <a:tbl>
+              <a:tblPr firstRow="1" bandRow="1">
+                <a:tableStyleId>{5940675A-B579-460E-94D1-54222C63F5DA}</a:tableStyleId>
+              </a:tblPr>
+              <a:tblGrid>
+                <a:gridCol w="892810">
+                  <a:extLst>
+                    <a:ext uri="{9D8B030D-6E8A-4147-A177-3AD203B41FA5}">
+                      <a16:colId xmlns:a16="http://schemas.microsoft.com/office/drawing/2014/main" val="2245793747"/>
+                    </a:ext>
+                  </a:extLst>
+                </a:gridCol>
+                <a:gridCol w="892810">
+                  <a:extLst>
+                    <a:ext uri="{9D8B030D-6E8A-4147-A177-3AD203B41FA5}">
+                      <a16:colId xmlns:a16="http://schemas.microsoft.com/office/drawing/2014/main" val="3221803362"/>
+                    </a:ext>
+                  </a:extLst>
+                </a:gridCol>
+              </a:tblGrid>
+              <a:tr h="808440">
+                <a:tc>
+                  <a:txBody>
+                    <a:bodyPr/>
+                    <a:lstStyle/>
+                    <a:p>
+                      <a:pPr algn="ctr"/>
+                      <a:r>
+                        <a:rPr lang="en-PT" sz="1400" dirty="0">
+                          <a:latin typeface="Optima" panose="02000503060000020004" pitchFamily="2" charset="0"/>
+                        </a:rPr>
+                        <a:t>Nº Casos</a:t>
+                      </a:r>
+                    </a:p>
+                  </a:txBody>
+                  <a:tcPr anchor="ctr">
+                    <a:lnL w="57150" cap="flat" cmpd="sng" algn="ctr">
+                      <a:solidFill>
+                        <a:schemeClr val="accent4">
+                          <a:lumMod val="40000"/>
+                          <a:lumOff val="60000"/>
+                        </a:schemeClr>
+                      </a:solidFill>
+                      <a:prstDash val="solid"/>
+                      <a:round/>
+                      <a:headEnd type="none" w="med" len="med"/>
+                      <a:tailEnd type="none" w="med" len="med"/>
+                    </a:lnL>
+                    <a:lnR w="57150" cap="flat" cmpd="sng" algn="ctr">
+                      <a:solidFill>
+                        <a:schemeClr val="accent4">
+                          <a:lumMod val="40000"/>
+                          <a:lumOff val="60000"/>
+                        </a:schemeClr>
+                      </a:solidFill>
+                      <a:prstDash val="solid"/>
+                      <a:round/>
+                      <a:headEnd type="none" w="med" len="med"/>
+                      <a:tailEnd type="none" w="med" len="med"/>
+                    </a:lnR>
+                    <a:lnT w="57150" cap="flat" cmpd="sng" algn="ctr">
+                      <a:solidFill>
+                        <a:schemeClr val="accent4">
+                          <a:lumMod val="40000"/>
+                          <a:lumOff val="60000"/>
+                        </a:schemeClr>
+                      </a:solidFill>
+                      <a:prstDash val="solid"/>
+                      <a:round/>
+                      <a:headEnd type="none" w="med" len="med"/>
+                      <a:tailEnd type="none" w="med" len="med"/>
+                    </a:lnT>
+                    <a:lnB w="57150" cap="flat" cmpd="sng" algn="ctr">
+                      <a:solidFill>
+                        <a:schemeClr val="accent4">
+                          <a:lumMod val="40000"/>
+                          <a:lumOff val="60000"/>
+                        </a:schemeClr>
+                      </a:solidFill>
+                      <a:prstDash val="solid"/>
+                      <a:round/>
+                      <a:headEnd type="none" w="med" len="med"/>
+                      <a:tailEnd type="none" w="med" len="med"/>
+                    </a:lnB>
+                    <a:lnTlToBr w="12700" cmpd="sng">
+                      <a:noFill/>
+                      <a:prstDash val="solid"/>
+                    </a:lnTlToBr>
+                    <a:lnBlToTr w="12700" cmpd="sng">
+                      <a:noFill/>
+                      <a:prstDash val="solid"/>
+                    </a:lnBlToTr>
+                  </a:tcPr>
+                </a:tc>
+                <a:tc>
+                  <a:txBody>
+                    <a:bodyPr/>
+                    <a:lstStyle/>
+                    <a:p>
+                      <a:pPr algn="ctr"/>
+                      <a:r>
+                        <a:rPr lang="en-PT" sz="1400" dirty="0">
+                          <a:latin typeface="Optima" panose="02000503060000020004" pitchFamily="2" charset="0"/>
+                        </a:rPr>
+                        <a:t>Nº Casos do dia anterior</a:t>
+                      </a:r>
+                    </a:p>
+                  </a:txBody>
+                  <a:tcPr>
+                    <a:lnL w="57150" cap="flat" cmpd="sng" algn="ctr">
+                      <a:solidFill>
+                        <a:schemeClr val="accent4">
+                          <a:lumMod val="40000"/>
+                          <a:lumOff val="60000"/>
+                        </a:schemeClr>
+                      </a:solidFill>
+                      <a:prstDash val="solid"/>
+                      <a:round/>
+                      <a:headEnd type="none" w="med" len="med"/>
+                      <a:tailEnd type="none" w="med" len="med"/>
+                    </a:lnL>
+                    <a:lnR w="57150" cap="flat" cmpd="sng" algn="ctr">
+                      <a:solidFill>
+                        <a:schemeClr val="accent4">
+                          <a:lumMod val="40000"/>
+                          <a:lumOff val="60000"/>
+                        </a:schemeClr>
+                      </a:solidFill>
+                      <a:prstDash val="solid"/>
+                      <a:round/>
+                      <a:headEnd type="none" w="med" len="med"/>
+                      <a:tailEnd type="none" w="med" len="med"/>
+                    </a:lnR>
+                    <a:lnT w="57150" cap="flat" cmpd="sng" algn="ctr">
+                      <a:solidFill>
+                        <a:schemeClr val="accent4">
+                          <a:lumMod val="40000"/>
+                          <a:lumOff val="60000"/>
+                        </a:schemeClr>
+                      </a:solidFill>
+                      <a:prstDash val="solid"/>
+                      <a:round/>
+                      <a:headEnd type="none" w="med" len="med"/>
+                      <a:tailEnd type="none" w="med" len="med"/>
+                    </a:lnT>
+                    <a:lnB w="57150" cap="flat" cmpd="sng" algn="ctr">
+                      <a:solidFill>
+                        <a:schemeClr val="accent4">
+                          <a:lumMod val="40000"/>
+                          <a:lumOff val="60000"/>
+                        </a:schemeClr>
+                      </a:solidFill>
+                      <a:prstDash val="solid"/>
+                      <a:round/>
+                      <a:headEnd type="none" w="med" len="med"/>
+                      <a:tailEnd type="none" w="med" len="med"/>
+                    </a:lnB>
+                    <a:lnTlToBr w="12700" cmpd="sng">
+                      <a:noFill/>
+                      <a:prstDash val="solid"/>
+                    </a:lnTlToBr>
+                    <a:lnBlToTr w="12700" cmpd="sng">
+                      <a:noFill/>
+                      <a:prstDash val="solid"/>
+                    </a:lnBlToTr>
+                  </a:tcPr>
+                </a:tc>
+                <a:extLst>
+                  <a:ext uri="{0D108BD9-81ED-4DB2-BD59-A6C34878D82A}">
+                    <a16:rowId xmlns:a16="http://schemas.microsoft.com/office/drawing/2014/main" val="2793367069"/>
+                  </a:ext>
+                </a:extLst>
+              </a:tr>
+              <a:tr h="808440">
+                <a:tc>
+                  <a:txBody>
+                    <a:bodyPr/>
+                    <a:lstStyle/>
+                    <a:p>
+                      <a:endParaRPr lang="en-PT"/>
+                    </a:p>
+                  </a:txBody>
+                  <a:tcPr>
+                    <a:lnL w="57150" cap="flat" cmpd="sng" algn="ctr">
+                      <a:solidFill>
+                        <a:schemeClr val="accent4">
+                          <a:lumMod val="40000"/>
+                          <a:lumOff val="60000"/>
+                        </a:schemeClr>
+                      </a:solidFill>
+                      <a:prstDash val="solid"/>
+                      <a:round/>
+                      <a:headEnd type="none" w="med" len="med"/>
+                      <a:tailEnd type="none" w="med" len="med"/>
+                    </a:lnL>
+                    <a:lnR w="57150" cap="flat" cmpd="sng" algn="ctr">
+                      <a:solidFill>
+                        <a:schemeClr val="accent4">
+                          <a:lumMod val="40000"/>
+                          <a:lumOff val="60000"/>
+                        </a:schemeClr>
+                      </a:solidFill>
+                      <a:prstDash val="solid"/>
+                      <a:round/>
+                      <a:headEnd type="none" w="med" len="med"/>
+                      <a:tailEnd type="none" w="med" len="med"/>
+                    </a:lnR>
+                    <a:lnT w="57150" cap="flat" cmpd="sng" algn="ctr">
+                      <a:solidFill>
+                        <a:schemeClr val="accent4">
+                          <a:lumMod val="40000"/>
+                          <a:lumOff val="60000"/>
+                        </a:schemeClr>
+                      </a:solidFill>
+                      <a:prstDash val="solid"/>
+                      <a:round/>
+                      <a:headEnd type="none" w="med" len="med"/>
+                      <a:tailEnd type="none" w="med" len="med"/>
+                    </a:lnT>
+                    <a:lnB w="57150" cap="flat" cmpd="sng" algn="ctr">
+                      <a:solidFill>
+                        <a:schemeClr val="accent4">
+                          <a:lumMod val="40000"/>
+                          <a:lumOff val="60000"/>
+                        </a:schemeClr>
+                      </a:solidFill>
+                      <a:prstDash val="solid"/>
+                      <a:round/>
+                      <a:headEnd type="none" w="med" len="med"/>
+                      <a:tailEnd type="none" w="med" len="med"/>
+                    </a:lnB>
+                    <a:lnTlToBr w="12700" cmpd="sng">
+                      <a:noFill/>
+                      <a:prstDash val="solid"/>
+                    </a:lnTlToBr>
+                    <a:lnBlToTr w="12700" cmpd="sng">
+                      <a:noFill/>
+                      <a:prstDash val="solid"/>
+                    </a:lnBlToTr>
+                  </a:tcPr>
+                </a:tc>
+                <a:tc>
+                  <a:txBody>
+                    <a:bodyPr/>
+                    <a:lstStyle/>
+                    <a:p>
+                      <a:endParaRPr lang="en-PT" dirty="0"/>
+                    </a:p>
+                  </a:txBody>
+                  <a:tcPr>
+                    <a:lnL w="57150" cap="flat" cmpd="sng" algn="ctr">
+                      <a:solidFill>
+                        <a:schemeClr val="accent4">
+                          <a:lumMod val="40000"/>
+                          <a:lumOff val="60000"/>
+                        </a:schemeClr>
+                      </a:solidFill>
+                      <a:prstDash val="solid"/>
+                      <a:round/>
+                      <a:headEnd type="none" w="med" len="med"/>
+                      <a:tailEnd type="none" w="med" len="med"/>
+                    </a:lnL>
+                    <a:lnR w="57150" cap="flat" cmpd="sng" algn="ctr">
+                      <a:solidFill>
+                        <a:schemeClr val="accent4">
+                          <a:lumMod val="40000"/>
+                          <a:lumOff val="60000"/>
+                        </a:schemeClr>
+                      </a:solidFill>
+                      <a:prstDash val="solid"/>
+                      <a:round/>
+                      <a:headEnd type="none" w="med" len="med"/>
+                      <a:tailEnd type="none" w="med" len="med"/>
+                    </a:lnR>
+                    <a:lnT w="57150" cap="flat" cmpd="sng" algn="ctr">
+                      <a:solidFill>
+                        <a:schemeClr val="accent4">
+                          <a:lumMod val="40000"/>
+                          <a:lumOff val="60000"/>
+                        </a:schemeClr>
+                      </a:solidFill>
+                      <a:prstDash val="solid"/>
+                      <a:round/>
+                      <a:headEnd type="none" w="med" len="med"/>
+                      <a:tailEnd type="none" w="med" len="med"/>
+                    </a:lnT>
+                    <a:lnB w="57150" cap="flat" cmpd="sng" algn="ctr">
+                      <a:solidFill>
+                        <a:schemeClr val="accent4">
+                          <a:lumMod val="40000"/>
+                          <a:lumOff val="60000"/>
+                        </a:schemeClr>
+                      </a:solidFill>
+                      <a:prstDash val="solid"/>
+                      <a:round/>
+                      <a:headEnd type="none" w="med" len="med"/>
+                      <a:tailEnd type="none" w="med" len="med"/>
+                    </a:lnB>
+                    <a:lnTlToBr w="12700" cmpd="sng">
+                      <a:noFill/>
+                      <a:prstDash val="solid"/>
+                    </a:lnTlToBr>
+                    <a:lnBlToTr w="12700" cmpd="sng">
+                      <a:noFill/>
+                      <a:prstDash val="solid"/>
+                    </a:lnBlToTr>
+                  </a:tcPr>
+                </a:tc>
+                <a:extLst>
+                  <a:ext uri="{0D108BD9-81ED-4DB2-BD59-A6C34878D82A}">
+                    <a16:rowId xmlns:a16="http://schemas.microsoft.com/office/drawing/2014/main" val="791077485"/>
+                  </a:ext>
+                </a:extLst>
+              </a:tr>
+              <a:tr h="808440">
+                <a:tc>
+                  <a:txBody>
+                    <a:bodyPr/>
+                    <a:lstStyle/>
+                    <a:p>
+                      <a:endParaRPr lang="en-PT"/>
+                    </a:p>
+                  </a:txBody>
+                  <a:tcPr>
+                    <a:lnL w="57150" cap="flat" cmpd="sng" algn="ctr">
+                      <a:solidFill>
+                        <a:schemeClr val="accent4">
+                          <a:lumMod val="40000"/>
+                          <a:lumOff val="60000"/>
+                        </a:schemeClr>
+                      </a:solidFill>
+                      <a:prstDash val="solid"/>
+                      <a:round/>
+                      <a:headEnd type="none" w="med" len="med"/>
+                      <a:tailEnd type="none" w="med" len="med"/>
+                    </a:lnL>
+                    <a:lnR w="57150" cap="flat" cmpd="sng" algn="ctr">
+                      <a:solidFill>
+                        <a:schemeClr val="accent4">
+                          <a:lumMod val="40000"/>
+                          <a:lumOff val="60000"/>
+                        </a:schemeClr>
+                      </a:solidFill>
+                      <a:prstDash val="solid"/>
+                      <a:round/>
+                      <a:headEnd type="none" w="med" len="med"/>
+                      <a:tailEnd type="none" w="med" len="med"/>
+                    </a:lnR>
+                    <a:lnT w="57150" cap="flat" cmpd="sng" algn="ctr">
+                      <a:solidFill>
+                        <a:schemeClr val="accent4">
+                          <a:lumMod val="40000"/>
+                          <a:lumOff val="60000"/>
+                        </a:schemeClr>
+                      </a:solidFill>
+                      <a:prstDash val="solid"/>
+                      <a:round/>
+                      <a:headEnd type="none" w="med" len="med"/>
+                      <a:tailEnd type="none" w="med" len="med"/>
+                    </a:lnT>
+                    <a:lnB w="57150" cap="flat" cmpd="sng" algn="ctr">
+                      <a:solidFill>
+                        <a:schemeClr val="accent4">
+                          <a:lumMod val="40000"/>
+                          <a:lumOff val="60000"/>
+                        </a:schemeClr>
+                      </a:solidFill>
+                      <a:prstDash val="solid"/>
+                      <a:round/>
+                      <a:headEnd type="none" w="med" len="med"/>
+                      <a:tailEnd type="none" w="med" len="med"/>
+                    </a:lnB>
+                    <a:lnTlToBr w="12700" cmpd="sng">
+                      <a:noFill/>
+                      <a:prstDash val="solid"/>
+                    </a:lnTlToBr>
+                    <a:lnBlToTr w="12700" cmpd="sng">
+                      <a:noFill/>
+                      <a:prstDash val="solid"/>
+                    </a:lnBlToTr>
+                  </a:tcPr>
+                </a:tc>
+                <a:tc>
+                  <a:txBody>
+                    <a:bodyPr/>
+                    <a:lstStyle/>
+                    <a:p>
+                      <a:endParaRPr lang="en-PT" dirty="0"/>
+                    </a:p>
+                  </a:txBody>
+                  <a:tcPr>
+                    <a:lnL w="57150" cap="flat" cmpd="sng" algn="ctr">
+                      <a:solidFill>
+                        <a:schemeClr val="accent4">
+                          <a:lumMod val="40000"/>
+                          <a:lumOff val="60000"/>
+                        </a:schemeClr>
+                      </a:solidFill>
+                      <a:prstDash val="solid"/>
+                      <a:round/>
+                      <a:headEnd type="none" w="med" len="med"/>
+                      <a:tailEnd type="none" w="med" len="med"/>
+                    </a:lnL>
+                    <a:lnR w="57150" cap="flat" cmpd="sng" algn="ctr">
+                      <a:solidFill>
+                        <a:schemeClr val="accent4">
+                          <a:lumMod val="40000"/>
+                          <a:lumOff val="60000"/>
+                        </a:schemeClr>
+                      </a:solidFill>
+                      <a:prstDash val="solid"/>
+                      <a:round/>
+                      <a:headEnd type="none" w="med" len="med"/>
+                      <a:tailEnd type="none" w="med" len="med"/>
+                    </a:lnR>
+                    <a:lnT w="57150" cap="flat" cmpd="sng" algn="ctr">
+                      <a:solidFill>
+                        <a:schemeClr val="accent4">
+                          <a:lumMod val="40000"/>
+                          <a:lumOff val="60000"/>
+                        </a:schemeClr>
+                      </a:solidFill>
+                      <a:prstDash val="solid"/>
+                      <a:round/>
+                      <a:headEnd type="none" w="med" len="med"/>
+                      <a:tailEnd type="none" w="med" len="med"/>
+                    </a:lnT>
+                    <a:lnB w="57150" cap="flat" cmpd="sng" algn="ctr">
+                      <a:solidFill>
+                        <a:schemeClr val="accent4">
+                          <a:lumMod val="40000"/>
+                          <a:lumOff val="60000"/>
+                        </a:schemeClr>
+                      </a:solidFill>
+                      <a:prstDash val="solid"/>
+                      <a:round/>
+                      <a:headEnd type="none" w="med" len="med"/>
+                      <a:tailEnd type="none" w="med" len="med"/>
+                    </a:lnB>
+                    <a:lnTlToBr w="12700" cmpd="sng">
+                      <a:noFill/>
+                      <a:prstDash val="solid"/>
+                    </a:lnTlToBr>
+                    <a:lnBlToTr w="12700" cmpd="sng">
+                      <a:noFill/>
+                      <a:prstDash val="solid"/>
+                    </a:lnBlToTr>
+                  </a:tcPr>
+                </a:tc>
+                <a:extLst>
+                  <a:ext uri="{0D108BD9-81ED-4DB2-BD59-A6C34878D82A}">
+                    <a16:rowId xmlns:a16="http://schemas.microsoft.com/office/drawing/2014/main" val="395418016"/>
+                  </a:ext>
+                </a:extLst>
+              </a:tr>
+              <a:tr h="808440">
+                <a:tc>
+                  <a:txBody>
+                    <a:bodyPr/>
+                    <a:lstStyle/>
+                    <a:p>
+                      <a:endParaRPr lang="en-PT"/>
+                    </a:p>
+                  </a:txBody>
+                  <a:tcPr>
+                    <a:lnL w="57150" cap="flat" cmpd="sng" algn="ctr">
+                      <a:solidFill>
+                        <a:schemeClr val="accent4">
+                          <a:lumMod val="40000"/>
+                          <a:lumOff val="60000"/>
+                        </a:schemeClr>
+                      </a:solidFill>
+                      <a:prstDash val="solid"/>
+                      <a:round/>
+                      <a:headEnd type="none" w="med" len="med"/>
+                      <a:tailEnd type="none" w="med" len="med"/>
+                    </a:lnL>
+                    <a:lnR w="57150" cap="flat" cmpd="sng" algn="ctr">
+                      <a:solidFill>
+                        <a:schemeClr val="accent4">
+                          <a:lumMod val="40000"/>
+                          <a:lumOff val="60000"/>
+                        </a:schemeClr>
+                      </a:solidFill>
+                      <a:prstDash val="solid"/>
+                      <a:round/>
+                      <a:headEnd type="none" w="med" len="med"/>
+                      <a:tailEnd type="none" w="med" len="med"/>
+                    </a:lnR>
+                    <a:lnT w="57150" cap="flat" cmpd="sng" algn="ctr">
+                      <a:solidFill>
+                        <a:schemeClr val="accent4">
+                          <a:lumMod val="40000"/>
+                          <a:lumOff val="60000"/>
+                        </a:schemeClr>
+                      </a:solidFill>
+                      <a:prstDash val="solid"/>
+                      <a:round/>
+                      <a:headEnd type="none" w="med" len="med"/>
+                      <a:tailEnd type="none" w="med" len="med"/>
+                    </a:lnT>
+                    <a:lnB w="57150" cap="flat" cmpd="sng" algn="ctr">
+                      <a:solidFill>
+                        <a:schemeClr val="accent4">
+                          <a:lumMod val="40000"/>
+                          <a:lumOff val="60000"/>
+                        </a:schemeClr>
+                      </a:solidFill>
+                      <a:prstDash val="solid"/>
+                      <a:round/>
+                      <a:headEnd type="none" w="med" len="med"/>
+                      <a:tailEnd type="none" w="med" len="med"/>
+                    </a:lnB>
+                    <a:lnTlToBr w="12700" cmpd="sng">
+                      <a:noFill/>
+                      <a:prstDash val="solid"/>
+                    </a:lnTlToBr>
+                    <a:lnBlToTr w="12700" cmpd="sng">
+                      <a:noFill/>
+                      <a:prstDash val="solid"/>
+                    </a:lnBlToTr>
+                  </a:tcPr>
+                </a:tc>
+                <a:tc>
+                  <a:txBody>
+                    <a:bodyPr/>
+                    <a:lstStyle/>
+                    <a:p>
+                      <a:endParaRPr lang="en-PT"/>
+                    </a:p>
+                  </a:txBody>
+                  <a:tcPr>
+                    <a:lnL w="57150" cap="flat" cmpd="sng" algn="ctr">
+                      <a:solidFill>
+                        <a:schemeClr val="accent4">
+                          <a:lumMod val="40000"/>
+                          <a:lumOff val="60000"/>
+                        </a:schemeClr>
+                      </a:solidFill>
+                      <a:prstDash val="solid"/>
+                      <a:round/>
+                      <a:headEnd type="none" w="med" len="med"/>
+                      <a:tailEnd type="none" w="med" len="med"/>
+                    </a:lnL>
+                    <a:lnR w="57150" cap="flat" cmpd="sng" algn="ctr">
+                      <a:solidFill>
+                        <a:schemeClr val="accent4">
+                          <a:lumMod val="40000"/>
+                          <a:lumOff val="60000"/>
+                        </a:schemeClr>
+                      </a:solidFill>
+                      <a:prstDash val="solid"/>
+                      <a:round/>
+                      <a:headEnd type="none" w="med" len="med"/>
+                      <a:tailEnd type="none" w="med" len="med"/>
+                    </a:lnR>
+                    <a:lnT w="57150" cap="flat" cmpd="sng" algn="ctr">
+                      <a:solidFill>
+                        <a:schemeClr val="accent4">
+                          <a:lumMod val="40000"/>
+                          <a:lumOff val="60000"/>
+                        </a:schemeClr>
+                      </a:solidFill>
+                      <a:prstDash val="solid"/>
+                      <a:round/>
+                      <a:headEnd type="none" w="med" len="med"/>
+                      <a:tailEnd type="none" w="med" len="med"/>
+                    </a:lnT>
+                    <a:lnB w="57150" cap="flat" cmpd="sng" algn="ctr">
+                      <a:solidFill>
+                        <a:schemeClr val="accent4">
+                          <a:lumMod val="40000"/>
+                          <a:lumOff val="60000"/>
+                        </a:schemeClr>
+                      </a:solidFill>
+                      <a:prstDash val="solid"/>
+                      <a:round/>
+                      <a:headEnd type="none" w="med" len="med"/>
+                      <a:tailEnd type="none" w="med" len="med"/>
+                    </a:lnB>
+                    <a:lnTlToBr w="12700" cmpd="sng">
+                      <a:noFill/>
+                      <a:prstDash val="solid"/>
+                    </a:lnTlToBr>
+                    <a:lnBlToTr w="12700" cmpd="sng">
+                      <a:noFill/>
+                      <a:prstDash val="solid"/>
+                    </a:lnBlToTr>
+                  </a:tcPr>
+                </a:tc>
+                <a:extLst>
+                  <a:ext uri="{0D108BD9-81ED-4DB2-BD59-A6C34878D82A}">
+                    <a16:rowId xmlns:a16="http://schemas.microsoft.com/office/drawing/2014/main" val="2275023569"/>
+                  </a:ext>
+                </a:extLst>
+              </a:tr>
+              <a:tr h="803233">
+                <a:tc>
+                  <a:txBody>
+                    <a:bodyPr/>
+                    <a:lstStyle/>
+                    <a:p>
+                      <a:endParaRPr lang="en-PT" dirty="0"/>
+                    </a:p>
+                  </a:txBody>
+                  <a:tcPr>
+                    <a:lnL w="57150" cap="flat" cmpd="sng" algn="ctr">
+                      <a:solidFill>
+                        <a:schemeClr val="accent4">
+                          <a:lumMod val="40000"/>
+                          <a:lumOff val="60000"/>
+                        </a:schemeClr>
+                      </a:solidFill>
+                      <a:prstDash val="solid"/>
+                      <a:round/>
+                      <a:headEnd type="none" w="med" len="med"/>
+                      <a:tailEnd type="none" w="med" len="med"/>
+                    </a:lnL>
+                    <a:lnR w="57150" cap="flat" cmpd="sng" algn="ctr">
+                      <a:solidFill>
+                        <a:schemeClr val="accent4">
+                          <a:lumMod val="40000"/>
+                          <a:lumOff val="60000"/>
+                        </a:schemeClr>
+                      </a:solidFill>
+                      <a:prstDash val="solid"/>
+                      <a:round/>
+                      <a:headEnd type="none" w="med" len="med"/>
+                      <a:tailEnd type="none" w="med" len="med"/>
+                    </a:lnR>
+                    <a:lnT w="57150" cap="flat" cmpd="sng" algn="ctr">
+                      <a:solidFill>
+                        <a:schemeClr val="accent4">
+                          <a:lumMod val="40000"/>
+                          <a:lumOff val="60000"/>
+                        </a:schemeClr>
+                      </a:solidFill>
+                      <a:prstDash val="solid"/>
+                      <a:round/>
+                      <a:headEnd type="none" w="med" len="med"/>
+                      <a:tailEnd type="none" w="med" len="med"/>
+                    </a:lnT>
+                    <a:lnB w="57150" cap="flat" cmpd="sng" algn="ctr">
+                      <a:solidFill>
+                        <a:schemeClr val="accent4">
+                          <a:lumMod val="40000"/>
+                          <a:lumOff val="60000"/>
+                        </a:schemeClr>
+                      </a:solidFill>
+                      <a:prstDash val="solid"/>
+                      <a:round/>
+                      <a:headEnd type="none" w="med" len="med"/>
+                      <a:tailEnd type="none" w="med" len="med"/>
+                    </a:lnB>
+                    <a:lnTlToBr w="12700" cmpd="sng">
+                      <a:noFill/>
+                      <a:prstDash val="solid"/>
+                    </a:lnTlToBr>
+                    <a:lnBlToTr w="12700" cmpd="sng">
+                      <a:noFill/>
+                      <a:prstDash val="solid"/>
+                    </a:lnBlToTr>
+                  </a:tcPr>
+                </a:tc>
+                <a:tc>
+                  <a:txBody>
+                    <a:bodyPr/>
+                    <a:lstStyle/>
+                    <a:p>
+                      <a:endParaRPr lang="en-PT" dirty="0"/>
+                    </a:p>
+                  </a:txBody>
+                  <a:tcPr>
+                    <a:lnL w="57150" cap="flat" cmpd="sng" algn="ctr">
+                      <a:solidFill>
+                        <a:schemeClr val="accent4">
+                          <a:lumMod val="40000"/>
+                          <a:lumOff val="60000"/>
+                        </a:schemeClr>
+                      </a:solidFill>
+                      <a:prstDash val="solid"/>
+                      <a:round/>
+                      <a:headEnd type="none" w="med" len="med"/>
+                      <a:tailEnd type="none" w="med" len="med"/>
+                    </a:lnL>
+                    <a:lnR w="57150" cap="flat" cmpd="sng" algn="ctr">
+                      <a:solidFill>
+                        <a:schemeClr val="accent4">
+                          <a:lumMod val="40000"/>
+                          <a:lumOff val="60000"/>
+                        </a:schemeClr>
+                      </a:solidFill>
+                      <a:prstDash val="solid"/>
+                      <a:round/>
+                      <a:headEnd type="none" w="med" len="med"/>
+                      <a:tailEnd type="none" w="med" len="med"/>
+                    </a:lnR>
+                    <a:lnT w="57150" cap="flat" cmpd="sng" algn="ctr">
+                      <a:solidFill>
+                        <a:schemeClr val="accent4">
+                          <a:lumMod val="40000"/>
+                          <a:lumOff val="60000"/>
+                        </a:schemeClr>
+                      </a:solidFill>
+                      <a:prstDash val="solid"/>
+                      <a:round/>
+                      <a:headEnd type="none" w="med" len="med"/>
+                      <a:tailEnd type="none" w="med" len="med"/>
+                    </a:lnT>
+                    <a:lnB w="57150" cap="flat" cmpd="sng" algn="ctr">
+                      <a:solidFill>
+                        <a:schemeClr val="accent4">
+                          <a:lumMod val="40000"/>
+                          <a:lumOff val="60000"/>
+                        </a:schemeClr>
+                      </a:solidFill>
+                      <a:prstDash val="solid"/>
+                      <a:round/>
+                      <a:headEnd type="none" w="med" len="med"/>
+                      <a:tailEnd type="none" w="med" len="med"/>
+                    </a:lnB>
+                    <a:lnTlToBr w="12700" cmpd="sng">
+                      <a:noFill/>
+                      <a:prstDash val="solid"/>
+                    </a:lnTlToBr>
+                    <a:lnBlToTr w="12700" cmpd="sng">
+                      <a:noFill/>
+                      <a:prstDash val="solid"/>
+                    </a:lnBlToTr>
+                  </a:tcPr>
+                </a:tc>
+                <a:extLst>
+                  <a:ext uri="{0D108BD9-81ED-4DB2-BD59-A6C34878D82A}">
+                    <a16:rowId xmlns:a16="http://schemas.microsoft.com/office/drawing/2014/main" val="4029486484"/>
+                  </a:ext>
+                </a:extLst>
+              </a:tr>
+            </a:tbl>
+          </a:graphicData>
+        </a:graphic>
+      </p:graphicFrame>
+      <p:cxnSp>
+        <p:nvCxnSpPr>
+          <p:cNvPr id="18" name="Straight Arrow Connector 17">
+            <a:extLst>
+              <a:ext uri="{FF2B5EF4-FFF2-40B4-BE49-F238E27FC236}">
+                <a16:creationId xmlns:a16="http://schemas.microsoft.com/office/drawing/2014/main" id="{3B2644F4-2C1A-7E41-AFE2-FE3C6BD0295C}"/>
+              </a:ext>
+            </a:extLst>
+          </p:cNvPr>
+          <p:cNvCxnSpPr>
+            <a:cxnSpLocks/>
+          </p:cNvCxnSpPr>
+          <p:nvPr/>
+        </p:nvCxnSpPr>
+        <p:spPr>
+          <a:xfrm>
+            <a:off x="1476565" y="3968730"/>
+            <a:ext cx="295576" cy="473751"/>
+          </a:xfrm>
+          <a:prstGeom prst="straightConnector1">
+            <a:avLst/>
+          </a:prstGeom>
+          <a:ln w="57150">
+            <a:solidFill>
+              <a:schemeClr val="accent2">
+                <a:lumMod val="40000"/>
+                <a:lumOff val="60000"/>
+              </a:schemeClr>
+            </a:solidFill>
+            <a:tailEnd type="triangle"/>
+          </a:ln>
+        </p:spPr>
+        <p:style>
+          <a:lnRef idx="1">
+            <a:schemeClr val="accent1"/>
+          </a:lnRef>
+          <a:fillRef idx="0">
+            <a:schemeClr val="accent1"/>
+          </a:fillRef>
+          <a:effectRef idx="0">
+            <a:schemeClr val="accent1"/>
+          </a:effectRef>
+          <a:fontRef idx="minor">
+            <a:schemeClr val="tx1"/>
+          </a:fontRef>
+        </p:style>
+      </p:cxnSp>
+      <p:cxnSp>
+        <p:nvCxnSpPr>
+          <p:cNvPr id="20" name="Straight Arrow Connector 19">
+            <a:extLst>
+              <a:ext uri="{FF2B5EF4-FFF2-40B4-BE49-F238E27FC236}">
+                <a16:creationId xmlns:a16="http://schemas.microsoft.com/office/drawing/2014/main" id="{C6DFBDFE-D297-9F44-B4EC-19B672402EB8}"/>
+              </a:ext>
+            </a:extLst>
+          </p:cNvPr>
+          <p:cNvCxnSpPr>
+            <a:cxnSpLocks/>
+          </p:cNvCxnSpPr>
+          <p:nvPr/>
+        </p:nvCxnSpPr>
+        <p:spPr>
+          <a:xfrm>
+            <a:off x="1483430" y="4827557"/>
+            <a:ext cx="295576" cy="473751"/>
+          </a:xfrm>
+          <a:prstGeom prst="straightConnector1">
+            <a:avLst/>
+          </a:prstGeom>
+          <a:ln w="57150">
+            <a:solidFill>
+              <a:schemeClr val="accent2">
+                <a:lumMod val="40000"/>
+                <a:lumOff val="60000"/>
+              </a:schemeClr>
+            </a:solidFill>
+            <a:tailEnd type="triangle"/>
+          </a:ln>
+        </p:spPr>
+        <p:style>
+          <a:lnRef idx="1">
+            <a:schemeClr val="accent1"/>
+          </a:lnRef>
+          <a:fillRef idx="0">
+            <a:schemeClr val="accent1"/>
+          </a:fillRef>
+          <a:effectRef idx="0">
+            <a:schemeClr val="accent1"/>
+          </a:effectRef>
+          <a:fontRef idx="minor">
+            <a:schemeClr val="tx1"/>
+          </a:fontRef>
+        </p:style>
+      </p:cxnSp>
+      <p:cxnSp>
+        <p:nvCxnSpPr>
+          <p:cNvPr id="21" name="Straight Arrow Connector 20">
+            <a:extLst>
+              <a:ext uri="{FF2B5EF4-FFF2-40B4-BE49-F238E27FC236}">
+                <a16:creationId xmlns:a16="http://schemas.microsoft.com/office/drawing/2014/main" id="{B1C1AFFF-2AD0-E546-9319-D5721B8EC132}"/>
+              </a:ext>
+            </a:extLst>
+          </p:cNvPr>
+          <p:cNvCxnSpPr>
+            <a:cxnSpLocks/>
+          </p:cNvCxnSpPr>
+          <p:nvPr/>
+        </p:nvCxnSpPr>
+        <p:spPr>
+          <a:xfrm>
+            <a:off x="1478660" y="5674730"/>
+            <a:ext cx="295576" cy="473751"/>
+          </a:xfrm>
+          <a:prstGeom prst="straightConnector1">
+            <a:avLst/>
+          </a:prstGeom>
+          <a:ln w="57150">
+            <a:solidFill>
+              <a:schemeClr val="accent2">
+                <a:lumMod val="40000"/>
+                <a:lumOff val="60000"/>
+              </a:schemeClr>
+            </a:solidFill>
+            <a:tailEnd type="triangle"/>
+          </a:ln>
+        </p:spPr>
+        <p:style>
+          <a:lnRef idx="1">
+            <a:schemeClr val="accent1"/>
+          </a:lnRef>
+          <a:fillRef idx="0">
+            <a:schemeClr val="accent1"/>
+          </a:fillRef>
+          <a:effectRef idx="0">
+            <a:schemeClr val="accent1"/>
+          </a:effectRef>
+          <a:fontRef idx="minor">
+            <a:schemeClr val="tx1"/>
+          </a:fontRef>
+        </p:style>
+      </p:cxnSp>
+      <p:pic>
+        <p:nvPicPr>
+          <p:cNvPr id="25" name="Graphic 24" descr="Close">
+            <a:extLst>
+              <a:ext uri="{FF2B5EF4-FFF2-40B4-BE49-F238E27FC236}">
+                <a16:creationId xmlns:a16="http://schemas.microsoft.com/office/drawing/2014/main" id="{B3A31596-D78B-D742-BDEC-A9BE31714F63}"/>
+              </a:ext>
+            </a:extLst>
+          </p:cNvPr>
+          <p:cNvPicPr>
+            <a:picLocks noChangeAspect="1"/>
+          </p:cNvPicPr>
+          <p:nvPr/>
+        </p:nvPicPr>
+        <p:blipFill>
+          <a:blip r:embed="rId3">
+            <a:extLst>
+              <a:ext uri="{96DAC541-7B7A-43D3-8B79-37D633B846F1}">
+                <asvg:svgBlip xmlns:asvg="http://schemas.microsoft.com/office/drawing/2016/SVG/main" r:embed="rId4"/>
+              </a:ext>
+            </a:extLst>
+          </a:blip>
+          <a:stretch>
+            <a:fillRect/>
+          </a:stretch>
+        </p:blipFill>
+        <p:spPr>
+          <a:xfrm>
+            <a:off x="1612107" y="3351644"/>
+            <a:ext cx="914400" cy="914400"/>
+          </a:xfrm>
+          <a:prstGeom prst="rect">
+            <a:avLst/>
+          </a:prstGeom>
+        </p:spPr>
+      </p:pic>
+      <p:sp>
+        <p:nvSpPr>
+          <p:cNvPr id="24" name="Oval 23">
+            <a:extLst>
+              <a:ext uri="{FF2B5EF4-FFF2-40B4-BE49-F238E27FC236}">
+                <a16:creationId xmlns:a16="http://schemas.microsoft.com/office/drawing/2014/main" id="{43E38DB9-7BAB-034D-85AC-4EC481C48417}"/>
+              </a:ext>
+            </a:extLst>
+          </p:cNvPr>
+          <p:cNvSpPr/>
+          <p:nvPr/>
+        </p:nvSpPr>
+        <p:spPr>
+          <a:xfrm>
+            <a:off x="1458040" y="2329476"/>
+            <a:ext cx="1224687" cy="1210714"/>
+          </a:xfrm>
+          <a:prstGeom prst="ellipse">
+            <a:avLst/>
+          </a:prstGeom>
+          <a:noFill/>
+          <a:ln w="57150">
+            <a:solidFill>
+              <a:schemeClr val="accent2">
+                <a:lumMod val="40000"/>
+                <a:lumOff val="60000"/>
+              </a:schemeClr>
+            </a:solidFill>
+            <a:prstDash val="lgDash"/>
+          </a:ln>
+        </p:spPr>
+        <p:style>
+          <a:lnRef idx="2">
+            <a:schemeClr val="accent1">
+              <a:shade val="50000"/>
+            </a:schemeClr>
+          </a:lnRef>
+          <a:fillRef idx="1">
+            <a:schemeClr val="accent1"/>
+          </a:fillRef>
+          <a:effectRef idx="0">
+            <a:schemeClr val="accent1"/>
+          </a:effectRef>
+          <a:fontRef idx="minor">
+            <a:schemeClr val="lt1"/>
+          </a:fontRef>
+        </p:style>
+        <p:txBody>
+          <a:bodyPr rtlCol="0" anchor="ctr"/>
+          <a:lstStyle/>
+          <a:p>
+            <a:pPr algn="ctr"/>
+            <a:endParaRPr lang="en-PT"/>
+          </a:p>
+        </p:txBody>
+      </p:sp>
+      <p:cxnSp>
+        <p:nvCxnSpPr>
+          <p:cNvPr id="27" name="Straight Arrow Connector 26">
+            <a:extLst>
+              <a:ext uri="{FF2B5EF4-FFF2-40B4-BE49-F238E27FC236}">
+                <a16:creationId xmlns:a16="http://schemas.microsoft.com/office/drawing/2014/main" id="{B8400C68-08CC-1244-847F-95EF348B023C}"/>
+              </a:ext>
+            </a:extLst>
+          </p:cNvPr>
+          <p:cNvCxnSpPr>
+            <a:cxnSpLocks/>
+          </p:cNvCxnSpPr>
+          <p:nvPr/>
+        </p:nvCxnSpPr>
+        <p:spPr>
+          <a:xfrm>
+            <a:off x="2682727" y="2914541"/>
+            <a:ext cx="663796" cy="0"/>
+          </a:xfrm>
+          <a:prstGeom prst="straightConnector1">
+            <a:avLst/>
+          </a:prstGeom>
+          <a:ln w="57150">
+            <a:solidFill>
+              <a:schemeClr val="accent2">
+                <a:lumMod val="40000"/>
+                <a:lumOff val="60000"/>
+              </a:schemeClr>
+            </a:solidFill>
+            <a:tailEnd type="triangle"/>
+          </a:ln>
+        </p:spPr>
+        <p:style>
+          <a:lnRef idx="1">
+            <a:schemeClr val="accent1"/>
+          </a:lnRef>
+          <a:fillRef idx="0">
+            <a:schemeClr val="accent1"/>
+          </a:fillRef>
+          <a:effectRef idx="0">
+            <a:schemeClr val="accent1"/>
+          </a:effectRef>
+          <a:fontRef idx="minor">
+            <a:schemeClr val="tx1"/>
+          </a:fontRef>
+        </p:style>
+      </p:cxnSp>
+      <p:sp>
+        <p:nvSpPr>
+          <p:cNvPr id="29" name="TextBox 28">
+            <a:extLst>
+              <a:ext uri="{FF2B5EF4-FFF2-40B4-BE49-F238E27FC236}">
+                <a16:creationId xmlns:a16="http://schemas.microsoft.com/office/drawing/2014/main" id="{69EB8D2B-6B26-2241-8750-7E5348B2D555}"/>
+              </a:ext>
+            </a:extLst>
+          </p:cNvPr>
+          <p:cNvSpPr txBox="1"/>
+          <p:nvPr/>
+        </p:nvSpPr>
+        <p:spPr>
+          <a:xfrm>
+            <a:off x="3505944" y="2682315"/>
+            <a:ext cx="8346983" cy="1200329"/>
+          </a:xfrm>
+          <a:prstGeom prst="rect">
+            <a:avLst/>
+          </a:prstGeom>
+          <a:noFill/>
+        </p:spPr>
+        <p:txBody>
+          <a:bodyPr wrap="square" rtlCol="0">
+            <a:spAutoFit/>
+          </a:bodyPr>
+          <a:lstStyle/>
+          <a:p>
+            <a:r>
+              <a:rPr lang="en-PT" dirty="0">
+                <a:latin typeface="Optima" panose="02000503060000020004" pitchFamily="2" charset="0"/>
+                <a:cs typeface="Berlin Sans FB" panose="020F0502020204030204" pitchFamily="34" charset="0"/>
+              </a:rPr>
+              <a:t>O primeiro passos consistiu então na criação de uma nova coluna, em que cada entrada corresponde ao número de </a:t>
+            </a:r>
+            <a:r>
+              <a:rPr lang="en-PT" b="1" dirty="0">
+                <a:latin typeface="Optima" panose="02000503060000020004" pitchFamily="2" charset="0"/>
+                <a:cs typeface="Berlin Sans FB" panose="020F0502020204030204" pitchFamily="34" charset="0"/>
+              </a:rPr>
+              <a:t>casos no dia anterior</a:t>
+            </a:r>
+            <a:r>
+              <a:rPr lang="en-PT" dirty="0">
+                <a:latin typeface="Optima" panose="02000503060000020004" pitchFamily="2" charset="0"/>
+                <a:cs typeface="Berlin Sans FB" panose="020F0502020204030204" pitchFamily="34" charset="0"/>
+              </a:rPr>
+              <a:t>. Desta vez, para prever o número de casos para cada dia, este valor pode ser utilizado como característica, e ajudar nessa previsão</a:t>
+            </a:r>
+            <a:endParaRPr lang="en-GB" b="1" dirty="0">
+              <a:latin typeface="Optima" panose="02000503060000020004" pitchFamily="2" charset="0"/>
+              <a:cs typeface="Berlin Sans FB" panose="020F0502020204030204" pitchFamily="34" charset="0"/>
+            </a:endParaRPr>
+          </a:p>
+        </p:txBody>
+      </p:sp>
+      <p:pic>
+        <p:nvPicPr>
+          <p:cNvPr id="30" name="Picture 29" descr="A close up of graphics&#10;&#10;Description automatically generated">
+            <a:extLst>
+              <a:ext uri="{FF2B5EF4-FFF2-40B4-BE49-F238E27FC236}">
+                <a16:creationId xmlns:a16="http://schemas.microsoft.com/office/drawing/2014/main" id="{50A71B1E-E44C-DC41-A729-2B5555A6AE99}"/>
+              </a:ext>
+            </a:extLst>
+          </p:cNvPr>
+          <p:cNvPicPr>
+            <a:picLocks noChangeAspect="1"/>
+          </p:cNvPicPr>
+          <p:nvPr/>
+        </p:nvPicPr>
+        <p:blipFill>
+          <a:blip r:embed="rId5"/>
+          <a:stretch>
+            <a:fillRect/>
+          </a:stretch>
+        </p:blipFill>
+        <p:spPr>
+          <a:xfrm>
+            <a:off x="863853" y="3492077"/>
+            <a:ext cx="591607" cy="591607"/>
+          </a:xfrm>
+          <a:prstGeom prst="rect">
+            <a:avLst/>
+          </a:prstGeom>
+        </p:spPr>
+      </p:pic>
+      <p:pic>
+        <p:nvPicPr>
+          <p:cNvPr id="32" name="Picture 31" descr="A close up of graphics&#10;&#10;Description automatically generated">
+            <a:extLst>
+              <a:ext uri="{FF2B5EF4-FFF2-40B4-BE49-F238E27FC236}">
+                <a16:creationId xmlns:a16="http://schemas.microsoft.com/office/drawing/2014/main" id="{1936D7DA-AF9C-AF4C-8B6B-B4163543DFC2}"/>
+              </a:ext>
+            </a:extLst>
+          </p:cNvPr>
+          <p:cNvPicPr>
+            <a:picLocks noChangeAspect="1"/>
+          </p:cNvPicPr>
+          <p:nvPr/>
+        </p:nvPicPr>
+        <p:blipFill>
+          <a:blip r:embed="rId5"/>
+          <a:stretch>
+            <a:fillRect/>
+          </a:stretch>
+        </p:blipFill>
+        <p:spPr>
+          <a:xfrm>
+            <a:off x="863853" y="5089453"/>
+            <a:ext cx="591607" cy="591607"/>
+          </a:xfrm>
+          <a:prstGeom prst="rect">
+            <a:avLst/>
+          </a:prstGeom>
+        </p:spPr>
+      </p:pic>
+      <p:pic>
+        <p:nvPicPr>
+          <p:cNvPr id="33" name="Picture 32" descr="A close up of graphics&#10;&#10;Description automatically generated">
+            <a:extLst>
+              <a:ext uri="{FF2B5EF4-FFF2-40B4-BE49-F238E27FC236}">
+                <a16:creationId xmlns:a16="http://schemas.microsoft.com/office/drawing/2014/main" id="{3E4CE4D8-DB52-7D40-9E0E-EEF0E97333F7}"/>
+              </a:ext>
+            </a:extLst>
+          </p:cNvPr>
+          <p:cNvPicPr>
+            <a:picLocks noChangeAspect="1"/>
+          </p:cNvPicPr>
+          <p:nvPr/>
+        </p:nvPicPr>
+        <p:blipFill>
+          <a:blip r:embed="rId5"/>
+          <a:stretch>
+            <a:fillRect/>
+          </a:stretch>
+        </p:blipFill>
+        <p:spPr>
+          <a:xfrm>
+            <a:off x="1779006" y="4330862"/>
+            <a:ext cx="591607" cy="591607"/>
+          </a:xfrm>
+          <a:prstGeom prst="rect">
+            <a:avLst/>
+          </a:prstGeom>
+        </p:spPr>
+      </p:pic>
+      <p:pic>
+        <p:nvPicPr>
+          <p:cNvPr id="34" name="Picture 33" descr="A close up of graphics&#10;&#10;Description automatically generated">
+            <a:extLst>
+              <a:ext uri="{FF2B5EF4-FFF2-40B4-BE49-F238E27FC236}">
+                <a16:creationId xmlns:a16="http://schemas.microsoft.com/office/drawing/2014/main" id="{FE49CF4E-CEC3-F942-AFE4-80913E98517C}"/>
+              </a:ext>
+            </a:extLst>
+          </p:cNvPr>
+          <p:cNvPicPr>
+            <a:picLocks noChangeAspect="1"/>
+          </p:cNvPicPr>
+          <p:nvPr/>
+        </p:nvPicPr>
+        <p:blipFill>
+          <a:blip r:embed="rId5"/>
+          <a:stretch>
+            <a:fillRect/>
+          </a:stretch>
+        </p:blipFill>
+        <p:spPr>
+          <a:xfrm>
+            <a:off x="1779006" y="5913461"/>
+            <a:ext cx="591607" cy="591607"/>
+          </a:xfrm>
+          <a:prstGeom prst="rect">
+            <a:avLst/>
+          </a:prstGeom>
+        </p:spPr>
+      </p:pic>
+      <p:pic>
+        <p:nvPicPr>
+          <p:cNvPr id="35" name="Picture 34" descr="A close up of a logo&#10;&#10;Description automatically generated">
+            <a:extLst>
+              <a:ext uri="{FF2B5EF4-FFF2-40B4-BE49-F238E27FC236}">
+                <a16:creationId xmlns:a16="http://schemas.microsoft.com/office/drawing/2014/main" id="{8F5DFA01-CA56-8A48-817A-298E14E09387}"/>
+              </a:ext>
+            </a:extLst>
+          </p:cNvPr>
+          <p:cNvPicPr>
+            <a:picLocks noChangeAspect="1"/>
+          </p:cNvPicPr>
+          <p:nvPr/>
+        </p:nvPicPr>
+        <p:blipFill>
+          <a:blip r:embed="rId6"/>
+          <a:stretch>
+            <a:fillRect/>
+          </a:stretch>
+        </p:blipFill>
+        <p:spPr>
+          <a:xfrm>
+            <a:off x="818073" y="4347417"/>
+            <a:ext cx="556113" cy="556113"/>
+          </a:xfrm>
+          <a:prstGeom prst="rect">
+            <a:avLst/>
+          </a:prstGeom>
+        </p:spPr>
+      </p:pic>
+      <p:pic>
+        <p:nvPicPr>
+          <p:cNvPr id="36" name="Picture 35" descr="A close up of a logo&#10;&#10;Description automatically generated">
+            <a:extLst>
+              <a:ext uri="{FF2B5EF4-FFF2-40B4-BE49-F238E27FC236}">
+                <a16:creationId xmlns:a16="http://schemas.microsoft.com/office/drawing/2014/main" id="{DDDCFF9C-096A-C64D-9F67-9C3BC4D67815}"/>
+              </a:ext>
+            </a:extLst>
+          </p:cNvPr>
+          <p:cNvPicPr>
+            <a:picLocks noChangeAspect="1"/>
+          </p:cNvPicPr>
+          <p:nvPr/>
+        </p:nvPicPr>
+        <p:blipFill>
+          <a:blip r:embed="rId6"/>
+          <a:stretch>
+            <a:fillRect/>
+          </a:stretch>
+        </p:blipFill>
+        <p:spPr>
+          <a:xfrm>
+            <a:off x="1753607" y="5155421"/>
+            <a:ext cx="556113" cy="556113"/>
+          </a:xfrm>
+          <a:prstGeom prst="rect">
+            <a:avLst/>
+          </a:prstGeom>
+        </p:spPr>
+      </p:pic>
+      <p:pic>
+        <p:nvPicPr>
+          <p:cNvPr id="37" name="Picture 36" descr="A close up of a logo&#10;&#10;Description automatically generated">
+            <a:extLst>
+              <a:ext uri="{FF2B5EF4-FFF2-40B4-BE49-F238E27FC236}">
+                <a16:creationId xmlns:a16="http://schemas.microsoft.com/office/drawing/2014/main" id="{90B4E4EE-0ED3-2F48-8D3F-6E346516AB96}"/>
+              </a:ext>
+            </a:extLst>
+          </p:cNvPr>
+          <p:cNvPicPr>
+            <a:picLocks noChangeAspect="1"/>
+          </p:cNvPicPr>
+          <p:nvPr/>
+        </p:nvPicPr>
+        <p:blipFill>
+          <a:blip r:embed="rId6"/>
+          <a:stretch>
+            <a:fillRect/>
+          </a:stretch>
+        </p:blipFill>
+        <p:spPr>
+          <a:xfrm>
+            <a:off x="818073" y="5901911"/>
+            <a:ext cx="556113" cy="556113"/>
+          </a:xfrm>
+          <a:prstGeom prst="rect">
+            <a:avLst/>
+          </a:prstGeom>
+        </p:spPr>
+      </p:pic>
+      <p:cxnSp>
+        <p:nvCxnSpPr>
+          <p:cNvPr id="38" name="Straight Arrow Connector 37">
+            <a:extLst>
+              <a:ext uri="{FF2B5EF4-FFF2-40B4-BE49-F238E27FC236}">
+                <a16:creationId xmlns:a16="http://schemas.microsoft.com/office/drawing/2014/main" id="{CDC45AE0-3B76-5B46-B1E3-C28D068F1D70}"/>
+              </a:ext>
+            </a:extLst>
+          </p:cNvPr>
+          <p:cNvCxnSpPr>
+            <a:cxnSpLocks/>
+          </p:cNvCxnSpPr>
+          <p:nvPr/>
+        </p:nvCxnSpPr>
+        <p:spPr>
+          <a:xfrm>
+            <a:off x="7257177" y="3905746"/>
+            <a:ext cx="0" cy="850232"/>
+          </a:xfrm>
+          <a:prstGeom prst="straightConnector1">
+            <a:avLst/>
+          </a:prstGeom>
+          <a:ln w="57150">
+            <a:solidFill>
+              <a:schemeClr val="accent4">
+                <a:lumMod val="40000"/>
+                <a:lumOff val="60000"/>
+              </a:schemeClr>
+            </a:solidFill>
+            <a:tailEnd type="triangle"/>
+          </a:ln>
+        </p:spPr>
+        <p:style>
+          <a:lnRef idx="1">
+            <a:schemeClr val="accent1"/>
+          </a:lnRef>
+          <a:fillRef idx="0">
+            <a:schemeClr val="accent1"/>
+          </a:fillRef>
+          <a:effectRef idx="0">
+            <a:schemeClr val="accent1"/>
+          </a:effectRef>
+          <a:fontRef idx="minor">
+            <a:schemeClr val="tx1"/>
+          </a:fontRef>
+        </p:style>
+      </p:cxnSp>
+      <p:sp>
+        <p:nvSpPr>
+          <p:cNvPr id="39" name="Rectangle 38">
+            <a:extLst>
+              <a:ext uri="{FF2B5EF4-FFF2-40B4-BE49-F238E27FC236}">
+                <a16:creationId xmlns:a16="http://schemas.microsoft.com/office/drawing/2014/main" id="{E6B5A6F1-5184-7B45-AAFD-E06CE00168BA}"/>
+              </a:ext>
+            </a:extLst>
+          </p:cNvPr>
+          <p:cNvSpPr/>
+          <p:nvPr/>
+        </p:nvSpPr>
+        <p:spPr>
+          <a:xfrm>
+            <a:off x="2790973" y="4949957"/>
+            <a:ext cx="9088017" cy="1405677"/>
+          </a:xfrm>
+          <a:prstGeom prst="rect">
+            <a:avLst/>
+          </a:prstGeom>
+          <a:noFill/>
+          <a:ln w="57150">
+            <a:solidFill>
+              <a:schemeClr val="accent4">
+                <a:lumMod val="40000"/>
+                <a:lumOff val="60000"/>
+              </a:schemeClr>
+            </a:solidFill>
+            <a:prstDash val="lgDash"/>
+          </a:ln>
+        </p:spPr>
+        <p:style>
+          <a:lnRef idx="2">
+            <a:schemeClr val="accent1">
+              <a:shade val="50000"/>
+            </a:schemeClr>
+          </a:lnRef>
+          <a:fillRef idx="1">
+            <a:schemeClr val="accent1"/>
+          </a:fillRef>
+          <a:effectRef idx="0">
+            <a:schemeClr val="accent1"/>
+          </a:effectRef>
+          <a:fontRef idx="minor">
+            <a:schemeClr val="lt1"/>
+          </a:fontRef>
+        </p:style>
+        <p:txBody>
+          <a:bodyPr rtlCol="0" anchor="ctr"/>
+          <a:lstStyle/>
+          <a:p>
+            <a:pPr algn="ctr"/>
+            <a:endParaRPr lang="en-PT"/>
+          </a:p>
+        </p:txBody>
+      </p:sp>
+      <p:sp>
+        <p:nvSpPr>
+          <p:cNvPr id="40" name="TextBox 39">
+            <a:extLst>
+              <a:ext uri="{FF2B5EF4-FFF2-40B4-BE49-F238E27FC236}">
+                <a16:creationId xmlns:a16="http://schemas.microsoft.com/office/drawing/2014/main" id="{39D77532-3036-344F-99C0-80B65968AA91}"/>
+              </a:ext>
+            </a:extLst>
+          </p:cNvPr>
+          <p:cNvSpPr txBox="1"/>
+          <p:nvPr/>
+        </p:nvSpPr>
+        <p:spPr>
+          <a:xfrm>
+            <a:off x="3038051" y="5170970"/>
+            <a:ext cx="8608723" cy="923330"/>
+          </a:xfrm>
+          <a:prstGeom prst="rect">
+            <a:avLst/>
+          </a:prstGeom>
+          <a:noFill/>
+        </p:spPr>
+        <p:txBody>
+          <a:bodyPr wrap="square" rtlCol="0">
+            <a:spAutoFit/>
+          </a:bodyPr>
+          <a:lstStyle/>
+          <a:p>
+            <a:pPr algn="ctr"/>
+            <a:r>
+              <a:rPr lang="en-PT" dirty="0">
+                <a:latin typeface="Optima" panose="02000503060000020004" pitchFamily="2" charset="0"/>
+                <a:cs typeface="Berlin Sans FB" panose="020F0502020204030204" pitchFamily="34" charset="0"/>
+              </a:rPr>
+              <a:t>Numa fase posterior, pretendemos considerar não apenas </a:t>
+            </a:r>
+            <a:r>
+              <a:rPr lang="en-PT" b="1" dirty="0">
+                <a:latin typeface="Optima" panose="02000503060000020004" pitchFamily="2" charset="0"/>
+                <a:cs typeface="Berlin Sans FB" panose="020F0502020204030204" pitchFamily="34" charset="0"/>
+              </a:rPr>
+              <a:t>o número de casos do dia anterior </a:t>
+            </a:r>
+            <a:r>
+              <a:rPr lang="en-PT" dirty="0">
+                <a:latin typeface="Optima" panose="02000503060000020004" pitchFamily="2" charset="0"/>
+                <a:cs typeface="Berlin Sans FB" panose="020F0502020204030204" pitchFamily="34" charset="0"/>
+              </a:rPr>
+              <a:t>(dado que facilita bastante a tarefa da previsão), tentar adaptar para uma previsão do número de casos, por exemplo, </a:t>
+            </a:r>
+            <a:r>
+              <a:rPr lang="en-PT" b="1" dirty="0">
+                <a:latin typeface="Optima" panose="02000503060000020004" pitchFamily="2" charset="0"/>
+                <a:cs typeface="Berlin Sans FB" panose="020F0502020204030204" pitchFamily="34" charset="0"/>
+              </a:rPr>
+              <a:t>da semana seguinte</a:t>
+            </a:r>
+            <a:endParaRPr lang="en-GB" b="1" dirty="0">
+              <a:latin typeface="Optima" panose="02000503060000020004" pitchFamily="2" charset="0"/>
+              <a:cs typeface="Berlin Sans FB" panose="020F0502020204030204" pitchFamily="34" charset="0"/>
+            </a:endParaRPr>
+          </a:p>
+        </p:txBody>
+      </p:sp>
     </p:spTree>
     <p:extLst>
       <p:ext uri="{BB962C8B-B14F-4D97-AF65-F5344CB8AC3E}">
         <p14:creationId xmlns:p14="http://schemas.microsoft.com/office/powerpoint/2010/main" val="3800911471"/>
+      </p:ext>
+    </p:extLst>
+  </p:cSld>
+  <p:clrMapOvr>
+    <a:masterClrMapping/>
+  </p:clrMapOvr>
+</p:sld>
+</file>
+
+<file path=ppt/slides/slide5.xml><?xml version="1.0" encoding="utf-8"?>
+<p:sld xmlns:a="http://schemas.openxmlformats.org/drawingml/2006/main" xmlns:r="http://schemas.openxmlformats.org/officeDocument/2006/relationships" xmlns:p="http://schemas.openxmlformats.org/presentationml/2006/main">
+  <p:cSld>
+    <p:spTree>
+      <p:nvGrpSpPr>
+        <p:cNvPr id="1" name=""/>
+        <p:cNvGrpSpPr/>
+        <p:nvPr/>
+      </p:nvGrpSpPr>
+      <p:grpSpPr>
+        <a:xfrm>
+          <a:off x="0" y="0"/>
+          <a:ext cx="0" cy="0"/>
+          <a:chOff x="0" y="0"/>
+          <a:chExt cx="0" cy="0"/>
+        </a:xfrm>
+      </p:grpSpPr>
+      <p:sp>
+        <p:nvSpPr>
+          <p:cNvPr id="22" name="Rectangle 21">
+            <a:extLst>
+              <a:ext uri="{FF2B5EF4-FFF2-40B4-BE49-F238E27FC236}">
+                <a16:creationId xmlns:a16="http://schemas.microsoft.com/office/drawing/2014/main" id="{9B61340A-0CE9-5041-9D62-09CE0DB3A1AE}"/>
+              </a:ext>
+            </a:extLst>
+          </p:cNvPr>
+          <p:cNvSpPr/>
+          <p:nvPr/>
+        </p:nvSpPr>
+        <p:spPr>
+          <a:xfrm>
+            <a:off x="0" y="0"/>
+            <a:ext cx="12192000" cy="6858000"/>
+          </a:xfrm>
+          <a:prstGeom prst="rect">
+            <a:avLst/>
+          </a:prstGeom>
+          <a:solidFill>
+            <a:schemeClr val="accent1">
+              <a:lumMod val="60000"/>
+              <a:lumOff val="40000"/>
+            </a:schemeClr>
+          </a:solidFill>
+          <a:ln>
+            <a:solidFill>
+              <a:schemeClr val="accent1">
+                <a:lumMod val="60000"/>
+                <a:lumOff val="40000"/>
+              </a:schemeClr>
+            </a:solidFill>
+          </a:ln>
+        </p:spPr>
+        <p:style>
+          <a:lnRef idx="2">
+            <a:schemeClr val="accent1">
+              <a:shade val="50000"/>
+            </a:schemeClr>
+          </a:lnRef>
+          <a:fillRef idx="1">
+            <a:schemeClr val="accent1"/>
+          </a:fillRef>
+          <a:effectRef idx="0">
+            <a:schemeClr val="accent1"/>
+          </a:effectRef>
+          <a:fontRef idx="minor">
+            <a:schemeClr val="lt1"/>
+          </a:fontRef>
+        </p:style>
+        <p:txBody>
+          <a:bodyPr rtlCol="0" anchor="ctr"/>
+          <a:lstStyle/>
+          <a:p>
+            <a:pPr algn="ctr"/>
+            <a:endParaRPr lang="en-PT"/>
+          </a:p>
+        </p:txBody>
+      </p:sp>
+      <p:sp>
+        <p:nvSpPr>
+          <p:cNvPr id="4" name="Rectangle 3">
+            <a:extLst>
+              <a:ext uri="{FF2B5EF4-FFF2-40B4-BE49-F238E27FC236}">
+                <a16:creationId xmlns:a16="http://schemas.microsoft.com/office/drawing/2014/main" id="{364572B9-69EF-1B4E-9451-C6C18AD62D7D}"/>
+              </a:ext>
+            </a:extLst>
+          </p:cNvPr>
+          <p:cNvSpPr/>
+          <p:nvPr/>
+        </p:nvSpPr>
+        <p:spPr>
+          <a:xfrm>
+            <a:off x="0" y="-16042"/>
+            <a:ext cx="12192000" cy="1428750"/>
+          </a:xfrm>
+          <a:prstGeom prst="rect">
+            <a:avLst/>
+          </a:prstGeom>
+          <a:solidFill>
+            <a:schemeClr val="accent4">
+              <a:lumMod val="40000"/>
+              <a:lumOff val="60000"/>
+            </a:schemeClr>
+          </a:solidFill>
+          <a:ln>
+            <a:solidFill>
+              <a:schemeClr val="accent4">
+                <a:lumMod val="40000"/>
+                <a:lumOff val="60000"/>
+              </a:schemeClr>
+            </a:solidFill>
+          </a:ln>
+        </p:spPr>
+        <p:style>
+          <a:lnRef idx="2">
+            <a:schemeClr val="accent1">
+              <a:shade val="50000"/>
+            </a:schemeClr>
+          </a:lnRef>
+          <a:fillRef idx="1">
+            <a:schemeClr val="accent1"/>
+          </a:fillRef>
+          <a:effectRef idx="0">
+            <a:schemeClr val="accent1"/>
+          </a:effectRef>
+          <a:fontRef idx="minor">
+            <a:schemeClr val="lt1"/>
+          </a:fontRef>
+        </p:style>
+        <p:txBody>
+          <a:bodyPr rtlCol="0" anchor="ctr"/>
+          <a:lstStyle/>
+          <a:p>
+            <a:pPr algn="ctr"/>
+            <a:endParaRPr lang="en-PT" dirty="0"/>
+          </a:p>
+        </p:txBody>
+      </p:sp>
+      <p:pic>
+        <p:nvPicPr>
+          <p:cNvPr id="5" name="Picture 4" descr="A picture containing black, clock&#10;&#10;Description automatically generated">
+            <a:extLst>
+              <a:ext uri="{FF2B5EF4-FFF2-40B4-BE49-F238E27FC236}">
+                <a16:creationId xmlns:a16="http://schemas.microsoft.com/office/drawing/2014/main" id="{445D12F7-D671-7D42-B03E-A5B7AB531869}"/>
+              </a:ext>
+            </a:extLst>
+          </p:cNvPr>
+          <p:cNvPicPr>
+            <a:picLocks noChangeAspect="1"/>
+          </p:cNvPicPr>
+          <p:nvPr/>
+        </p:nvPicPr>
+        <p:blipFill>
+          <a:blip r:embed="rId3"/>
+          <a:stretch>
+            <a:fillRect/>
+          </a:stretch>
+        </p:blipFill>
+        <p:spPr>
+          <a:xfrm>
+            <a:off x="9594034" y="853131"/>
+            <a:ext cx="897355" cy="897355"/>
+          </a:xfrm>
+          <a:prstGeom prst="rect">
+            <a:avLst/>
+          </a:prstGeom>
+        </p:spPr>
+      </p:pic>
+      <p:pic>
+        <p:nvPicPr>
+          <p:cNvPr id="6" name="Picture 5" descr="A picture containing black, clock&#10;&#10;Description automatically generated">
+            <a:extLst>
+              <a:ext uri="{FF2B5EF4-FFF2-40B4-BE49-F238E27FC236}">
+                <a16:creationId xmlns:a16="http://schemas.microsoft.com/office/drawing/2014/main" id="{21908F64-C0A0-9E4A-9E9C-815D57477F46}"/>
+              </a:ext>
+            </a:extLst>
+          </p:cNvPr>
+          <p:cNvPicPr>
+            <a:picLocks noChangeAspect="1"/>
+          </p:cNvPicPr>
+          <p:nvPr/>
+        </p:nvPicPr>
+        <p:blipFill>
+          <a:blip r:embed="rId3"/>
+          <a:stretch>
+            <a:fillRect/>
+          </a:stretch>
+        </p:blipFill>
+        <p:spPr>
+          <a:xfrm>
+            <a:off x="10797340" y="16042"/>
+            <a:ext cx="1167882" cy="1167882"/>
+          </a:xfrm>
+          <a:prstGeom prst="rect">
+            <a:avLst/>
+          </a:prstGeom>
+        </p:spPr>
+      </p:pic>
+      <p:pic>
+        <p:nvPicPr>
+          <p:cNvPr id="7" name="Picture 6" descr="A picture containing black, clock&#10;&#10;Description automatically generated">
+            <a:extLst>
+              <a:ext uri="{FF2B5EF4-FFF2-40B4-BE49-F238E27FC236}">
+                <a16:creationId xmlns:a16="http://schemas.microsoft.com/office/drawing/2014/main" id="{53C7CBB4-8D7F-C04E-9BBC-A81838950C78}"/>
+              </a:ext>
+            </a:extLst>
+          </p:cNvPr>
+          <p:cNvPicPr>
+            <a:picLocks noChangeAspect="1"/>
+          </p:cNvPicPr>
+          <p:nvPr/>
+        </p:nvPicPr>
+        <p:blipFill>
+          <a:blip r:embed="rId3"/>
+          <a:stretch>
+            <a:fillRect/>
+          </a:stretch>
+        </p:blipFill>
+        <p:spPr>
+          <a:xfrm>
+            <a:off x="10037983" y="185502"/>
+            <a:ext cx="443596" cy="443596"/>
+          </a:xfrm>
+          <a:prstGeom prst="rect">
+            <a:avLst/>
+          </a:prstGeom>
+        </p:spPr>
+      </p:pic>
+      <p:sp>
+        <p:nvSpPr>
+          <p:cNvPr id="8" name="TextBox 7">
+            <a:extLst>
+              <a:ext uri="{FF2B5EF4-FFF2-40B4-BE49-F238E27FC236}">
+                <a16:creationId xmlns:a16="http://schemas.microsoft.com/office/drawing/2014/main" id="{8E8B6E98-8EBF-124A-AFAD-37A640BF909C}"/>
+              </a:ext>
+            </a:extLst>
+          </p:cNvPr>
+          <p:cNvSpPr txBox="1"/>
+          <p:nvPr/>
+        </p:nvSpPr>
+        <p:spPr>
+          <a:xfrm>
+            <a:off x="609349" y="502365"/>
+            <a:ext cx="6439399" cy="461665"/>
+          </a:xfrm>
+          <a:prstGeom prst="rect">
+            <a:avLst/>
+          </a:prstGeom>
+          <a:noFill/>
+        </p:spPr>
+        <p:txBody>
+          <a:bodyPr wrap="square" rtlCol="0">
+            <a:spAutoFit/>
+          </a:bodyPr>
+          <a:lstStyle/>
+          <a:p>
+            <a:r>
+              <a:rPr lang="en-GB" sz="2400" dirty="0">
+                <a:latin typeface="Optima" panose="02000503060000020004" pitchFamily="2" charset="0"/>
+                <a:cs typeface="Berlin Sans FB" panose="020F0502020204030204" pitchFamily="34" charset="0"/>
+              </a:rPr>
+              <a:t>Ferramentas a </a:t>
+            </a:r>
+            <a:r>
+              <a:rPr lang="en-GB" sz="2400" dirty="0" err="1">
+                <a:latin typeface="Optima" panose="02000503060000020004" pitchFamily="2" charset="0"/>
+                <a:cs typeface="Berlin Sans FB" panose="020F0502020204030204" pitchFamily="34" charset="0"/>
+              </a:rPr>
+              <a:t>utilizar</a:t>
+            </a:r>
+            <a:endParaRPr lang="en-GB" sz="2400" dirty="0">
+              <a:latin typeface="Optima" panose="02000503060000020004" pitchFamily="2" charset="0"/>
+              <a:cs typeface="Berlin Sans FB" panose="020F0502020204030204" pitchFamily="34" charset="0"/>
+            </a:endParaRPr>
+          </a:p>
+        </p:txBody>
+      </p:sp>
+      <p:sp>
+        <p:nvSpPr>
+          <p:cNvPr id="40" name="TextBox 39">
+            <a:extLst>
+              <a:ext uri="{FF2B5EF4-FFF2-40B4-BE49-F238E27FC236}">
+                <a16:creationId xmlns:a16="http://schemas.microsoft.com/office/drawing/2014/main" id="{39D77532-3036-344F-99C0-80B65968AA91}"/>
+              </a:ext>
+            </a:extLst>
+          </p:cNvPr>
+          <p:cNvSpPr txBox="1"/>
+          <p:nvPr/>
+        </p:nvSpPr>
+        <p:spPr>
+          <a:xfrm>
+            <a:off x="609349" y="1750486"/>
+            <a:ext cx="11112751" cy="1477328"/>
+          </a:xfrm>
+          <a:prstGeom prst="rect">
+            <a:avLst/>
+          </a:prstGeom>
+          <a:noFill/>
+        </p:spPr>
+        <p:txBody>
+          <a:bodyPr wrap="square" rtlCol="0">
+            <a:spAutoFit/>
+          </a:bodyPr>
+          <a:lstStyle/>
+          <a:p>
+            <a:r>
+              <a:rPr lang="en-PT" dirty="0">
+                <a:latin typeface="Optima" panose="02000503060000020004" pitchFamily="2" charset="0"/>
+                <a:cs typeface="Berlin Sans FB" panose="020F0502020204030204" pitchFamily="34" charset="0"/>
+              </a:rPr>
+              <a:t>De seguida, e de forma a conseguir averiguar quais os algoritmos que produziriam melhores resultados para o dataset, traçaram-se as </a:t>
+            </a:r>
+            <a:r>
+              <a:rPr lang="en-PT" b="1" dirty="0">
+                <a:latin typeface="Optima" panose="02000503060000020004" pitchFamily="2" charset="0"/>
+                <a:cs typeface="Berlin Sans FB" panose="020F0502020204030204" pitchFamily="34" charset="0"/>
+              </a:rPr>
+              <a:t>curvas de aprendizagem</a:t>
+            </a:r>
+            <a:r>
+              <a:rPr lang="en-PT" dirty="0">
+                <a:latin typeface="Optima" panose="02000503060000020004" pitchFamily="2" charset="0"/>
+                <a:cs typeface="Berlin Sans FB" panose="020F0502020204030204" pitchFamily="34" charset="0"/>
+              </a:rPr>
+              <a:t> para diferentes algoritmos. Os algoritmos testados foram </a:t>
+            </a:r>
+            <a:r>
+              <a:rPr lang="en-PT" b="1" dirty="0">
+                <a:latin typeface="Optima" panose="02000503060000020004" pitchFamily="2" charset="0"/>
+                <a:cs typeface="Berlin Sans FB" panose="020F0502020204030204" pitchFamily="34" charset="0"/>
+              </a:rPr>
+              <a:t>Regressão Linear, KNN, Na</a:t>
+            </a:r>
+            <a:r>
+              <a:rPr lang="en-GB" b="1" dirty="0" err="1">
+                <a:latin typeface="Optima" panose="02000503060000020004" pitchFamily="2" charset="0"/>
+                <a:cs typeface="Berlin Sans FB" panose="020F0502020204030204" pitchFamily="34" charset="0"/>
+              </a:rPr>
+              <a:t>ï</a:t>
+            </a:r>
+            <a:r>
+              <a:rPr lang="en-PT" b="1" dirty="0">
+                <a:latin typeface="Optima" panose="02000503060000020004" pitchFamily="2" charset="0"/>
+                <a:cs typeface="Berlin Sans FB" panose="020F0502020204030204" pitchFamily="34" charset="0"/>
+              </a:rPr>
+              <a:t>ve Bayes, SGD, SVC, MLP, Decicion Tree </a:t>
+            </a:r>
+            <a:r>
+              <a:rPr lang="en-PT" dirty="0">
+                <a:latin typeface="Optima" panose="02000503060000020004" pitchFamily="2" charset="0"/>
+                <a:cs typeface="Berlin Sans FB" panose="020F0502020204030204" pitchFamily="34" charset="0"/>
+              </a:rPr>
+              <a:t>e </a:t>
+            </a:r>
+            <a:r>
+              <a:rPr lang="en-PT" b="1" dirty="0">
+                <a:latin typeface="Optima" panose="02000503060000020004" pitchFamily="2" charset="0"/>
+                <a:cs typeface="Berlin Sans FB" panose="020F0502020204030204" pitchFamily="34" charset="0"/>
+              </a:rPr>
+              <a:t>Random Forest</a:t>
+            </a:r>
+            <a:r>
+              <a:rPr lang="en-PT" dirty="0">
+                <a:latin typeface="Optima" panose="02000503060000020004" pitchFamily="2" charset="0"/>
+                <a:cs typeface="Berlin Sans FB" panose="020F0502020204030204" pitchFamily="34" charset="0"/>
+              </a:rPr>
+              <a:t>, estando os resultados da linha de aprendizagem apresentados a seguir. </a:t>
+            </a:r>
+            <a:r>
+              <a:rPr lang="en-GB" dirty="0">
+                <a:latin typeface="Optima" panose="02000503060000020004" pitchFamily="2" charset="0"/>
+                <a:cs typeface="Berlin Sans FB" panose="020F0502020204030204" pitchFamily="34" charset="0"/>
+              </a:rPr>
+              <a:t>A</a:t>
+            </a:r>
+            <a:r>
+              <a:rPr lang="en-PT" dirty="0">
+                <a:latin typeface="Optima" panose="02000503060000020004" pitchFamily="2" charset="0"/>
+                <a:cs typeface="Berlin Sans FB" panose="020F0502020204030204" pitchFamily="34" charset="0"/>
+              </a:rPr>
+              <a:t> métrica utilizada para avaliar os resultados foi </a:t>
+            </a:r>
+            <a:r>
+              <a:rPr lang="en-PT" b="1" dirty="0">
+                <a:latin typeface="Optima" panose="02000503060000020004" pitchFamily="2" charset="0"/>
+                <a:cs typeface="Berlin Sans FB" panose="020F0502020204030204" pitchFamily="34" charset="0"/>
+              </a:rPr>
+              <a:t>Negative Mean Square Error</a:t>
+            </a:r>
+            <a:endParaRPr lang="en-GB" b="1" dirty="0">
+              <a:latin typeface="Optima" panose="02000503060000020004" pitchFamily="2" charset="0"/>
+              <a:cs typeface="Berlin Sans FB" panose="020F0502020204030204" pitchFamily="34" charset="0"/>
+            </a:endParaRPr>
+          </a:p>
+        </p:txBody>
+      </p:sp>
+      <p:grpSp>
+        <p:nvGrpSpPr>
+          <p:cNvPr id="59" name="Group 58">
+            <a:extLst>
+              <a:ext uri="{FF2B5EF4-FFF2-40B4-BE49-F238E27FC236}">
+                <a16:creationId xmlns:a16="http://schemas.microsoft.com/office/drawing/2014/main" id="{B9CD4FD2-1183-F84C-B2DC-3FFB40C498AC}"/>
+              </a:ext>
+            </a:extLst>
+          </p:cNvPr>
+          <p:cNvGrpSpPr/>
+          <p:nvPr/>
+        </p:nvGrpSpPr>
+        <p:grpSpPr>
+          <a:xfrm>
+            <a:off x="9155455" y="3290199"/>
+            <a:ext cx="2832343" cy="3252684"/>
+            <a:chOff x="7027640" y="2335656"/>
+            <a:chExt cx="3039607" cy="3529200"/>
+          </a:xfrm>
+        </p:grpSpPr>
+        <p:grpSp>
+          <p:nvGrpSpPr>
+            <p:cNvPr id="52" name="Group 51">
+              <a:extLst>
+                <a:ext uri="{FF2B5EF4-FFF2-40B4-BE49-F238E27FC236}">
+                  <a16:creationId xmlns:a16="http://schemas.microsoft.com/office/drawing/2014/main" id="{7C5DC307-7BD9-B84C-9D61-63925CAEAD67}"/>
+                </a:ext>
+              </a:extLst>
+            </p:cNvPr>
+            <p:cNvGrpSpPr/>
+            <p:nvPr/>
+          </p:nvGrpSpPr>
+          <p:grpSpPr>
+            <a:xfrm>
+              <a:off x="7027640" y="2335656"/>
+              <a:ext cx="3039607" cy="3529200"/>
+              <a:chOff x="7877865" y="2354977"/>
+              <a:chExt cx="3039607" cy="3529200"/>
+            </a:xfrm>
+          </p:grpSpPr>
+          <p:grpSp>
+            <p:nvGrpSpPr>
+              <p:cNvPr id="53" name="Group 52">
+                <a:extLst>
+                  <a:ext uri="{FF2B5EF4-FFF2-40B4-BE49-F238E27FC236}">
+                    <a16:creationId xmlns:a16="http://schemas.microsoft.com/office/drawing/2014/main" id="{8AFB03B1-86BB-084D-8F88-1F0676B56626}"/>
+                  </a:ext>
+                </a:extLst>
+              </p:cNvPr>
+              <p:cNvGrpSpPr/>
+              <p:nvPr/>
+            </p:nvGrpSpPr>
+            <p:grpSpPr>
+              <a:xfrm>
+                <a:off x="7877865" y="2354977"/>
+                <a:ext cx="3039607" cy="3529200"/>
+                <a:chOff x="4573833" y="2882450"/>
+                <a:chExt cx="3039607" cy="3529200"/>
+              </a:xfrm>
+            </p:grpSpPr>
+            <p:grpSp>
+              <p:nvGrpSpPr>
+                <p:cNvPr id="55" name="Group 54">
+                  <a:extLst>
+                    <a:ext uri="{FF2B5EF4-FFF2-40B4-BE49-F238E27FC236}">
+                      <a16:creationId xmlns:a16="http://schemas.microsoft.com/office/drawing/2014/main" id="{BE84D770-670E-2941-8109-7578708DABAE}"/>
+                    </a:ext>
+                  </a:extLst>
+                </p:cNvPr>
+                <p:cNvGrpSpPr/>
+                <p:nvPr/>
+              </p:nvGrpSpPr>
+              <p:grpSpPr>
+                <a:xfrm>
+                  <a:off x="4573833" y="2882450"/>
+                  <a:ext cx="3039607" cy="3529200"/>
+                  <a:chOff x="5135429" y="2359894"/>
+                  <a:chExt cx="3039607" cy="3529200"/>
+                </a:xfrm>
+              </p:grpSpPr>
+              <p:sp>
+                <p:nvSpPr>
+                  <p:cNvPr id="57" name="Rectangle 56">
+                    <a:extLst>
+                      <a:ext uri="{FF2B5EF4-FFF2-40B4-BE49-F238E27FC236}">
+                        <a16:creationId xmlns:a16="http://schemas.microsoft.com/office/drawing/2014/main" id="{F01A4361-03F3-AD40-AE87-7570824BACD9}"/>
+                      </a:ext>
+                    </a:extLst>
+                  </p:cNvPr>
+                  <p:cNvSpPr/>
+                  <p:nvPr/>
+                </p:nvSpPr>
+                <p:spPr>
+                  <a:xfrm>
+                    <a:off x="5135429" y="2359894"/>
+                    <a:ext cx="3039607" cy="3529200"/>
+                  </a:xfrm>
+                  <a:prstGeom prst="rect">
+                    <a:avLst/>
+                  </a:prstGeom>
+                  <a:solidFill>
+                    <a:schemeClr val="accent4">
+                      <a:lumMod val="40000"/>
+                      <a:lumOff val="60000"/>
+                    </a:schemeClr>
+                  </a:solidFill>
+                  <a:ln>
+                    <a:solidFill>
+                      <a:schemeClr val="accent4">
+                        <a:lumMod val="40000"/>
+                        <a:lumOff val="60000"/>
+                      </a:schemeClr>
+                    </a:solidFill>
+                  </a:ln>
+                </p:spPr>
+                <p:style>
+                  <a:lnRef idx="2">
+                    <a:schemeClr val="accent1">
+                      <a:shade val="50000"/>
+                    </a:schemeClr>
+                  </a:lnRef>
+                  <a:fillRef idx="1">
+                    <a:schemeClr val="accent1"/>
+                  </a:fillRef>
+                  <a:effectRef idx="0">
+                    <a:schemeClr val="accent1"/>
+                  </a:effectRef>
+                  <a:fontRef idx="minor">
+                    <a:schemeClr val="lt1"/>
+                  </a:fontRef>
+                </p:style>
+                <p:txBody>
+                  <a:bodyPr rtlCol="0" anchor="ctr"/>
+                  <a:lstStyle/>
+                  <a:p>
+                    <a:pPr algn="ctr"/>
+                    <a:endParaRPr lang="en-PT"/>
+                  </a:p>
+                </p:txBody>
+              </p:sp>
+              <p:pic>
+                <p:nvPicPr>
+                  <p:cNvPr id="58" name="Picture 57">
+                    <a:extLst>
+                      <a:ext uri="{FF2B5EF4-FFF2-40B4-BE49-F238E27FC236}">
+                        <a16:creationId xmlns:a16="http://schemas.microsoft.com/office/drawing/2014/main" id="{C8D5F2D3-3768-2B45-ABA5-4B04AF682E77}"/>
+                      </a:ext>
+                    </a:extLst>
+                  </p:cNvPr>
+                  <p:cNvPicPr>
+                    <a:picLocks noChangeAspect="1"/>
+                  </p:cNvPicPr>
+                  <p:nvPr/>
+                </p:nvPicPr>
+                <p:blipFill>
+                  <a:blip r:embed="rId4"/>
+                  <a:stretch>
+                    <a:fillRect/>
+                  </a:stretch>
+                </p:blipFill>
+                <p:spPr>
+                  <a:xfrm>
+                    <a:off x="5224083" y="2457596"/>
+                    <a:ext cx="2859513" cy="3324818"/>
+                  </a:xfrm>
+                  <a:prstGeom prst="rect">
+                    <a:avLst/>
+                  </a:prstGeom>
+                </p:spPr>
+              </p:pic>
+            </p:grpSp>
+            <p:pic>
+              <p:nvPicPr>
+                <p:cNvPr id="56" name="Picture 55">
+                  <a:extLst>
+                    <a:ext uri="{FF2B5EF4-FFF2-40B4-BE49-F238E27FC236}">
+                      <a16:creationId xmlns:a16="http://schemas.microsoft.com/office/drawing/2014/main" id="{98C60041-F4FD-8540-BDAC-3C6C59674834}"/>
+                    </a:ext>
+                  </a:extLst>
+                </p:cNvPr>
+                <p:cNvPicPr>
+                  <a:picLocks noChangeAspect="1"/>
+                </p:cNvPicPr>
+                <p:nvPr/>
+              </p:nvPicPr>
+              <p:blipFill>
+                <a:blip r:embed="rId5"/>
+                <a:stretch>
+                  <a:fillRect/>
+                </a:stretch>
+              </p:blipFill>
+              <p:spPr>
+                <a:xfrm>
+                  <a:off x="4662767" y="2989130"/>
+                  <a:ext cx="2859513" cy="3324818"/>
+                </a:xfrm>
+                <a:prstGeom prst="rect">
+                  <a:avLst/>
+                </a:prstGeom>
+              </p:spPr>
+            </p:pic>
+          </p:grpSp>
+          <p:pic>
+            <p:nvPicPr>
+              <p:cNvPr id="54" name="Picture 53">
+                <a:extLst>
+                  <a:ext uri="{FF2B5EF4-FFF2-40B4-BE49-F238E27FC236}">
+                    <a16:creationId xmlns:a16="http://schemas.microsoft.com/office/drawing/2014/main" id="{90963D12-422A-D040-B96A-44AC99CC406A}"/>
+                  </a:ext>
+                </a:extLst>
+              </p:cNvPr>
+              <p:cNvPicPr>
+                <a:picLocks noChangeAspect="1"/>
+              </p:cNvPicPr>
+              <p:nvPr/>
+            </p:nvPicPr>
+            <p:blipFill>
+              <a:blip r:embed="rId6"/>
+              <a:stretch>
+                <a:fillRect/>
+              </a:stretch>
+            </p:blipFill>
+            <p:spPr>
+              <a:xfrm>
+                <a:off x="7977771" y="2477698"/>
+                <a:ext cx="2859513" cy="3324819"/>
+              </a:xfrm>
+              <a:prstGeom prst="rect">
+                <a:avLst/>
+              </a:prstGeom>
+            </p:spPr>
+          </p:pic>
+        </p:grpSp>
+        <p:pic>
+          <p:nvPicPr>
+            <p:cNvPr id="17" name="Picture 16">
+              <a:extLst>
+                <a:ext uri="{FF2B5EF4-FFF2-40B4-BE49-F238E27FC236}">
+                  <a16:creationId xmlns:a16="http://schemas.microsoft.com/office/drawing/2014/main" id="{2B0409C7-6C8E-FA4C-9CE8-D73B546A0F27}"/>
+                </a:ext>
+              </a:extLst>
+            </p:cNvPr>
+            <p:cNvPicPr>
+              <a:picLocks noChangeAspect="1"/>
+            </p:cNvPicPr>
+            <p:nvPr/>
+          </p:nvPicPr>
+          <p:blipFill>
+            <a:blip r:embed="rId7"/>
+            <a:stretch>
+              <a:fillRect/>
+            </a:stretch>
+          </p:blipFill>
+          <p:spPr>
+            <a:xfrm>
+              <a:off x="7120809" y="2449479"/>
+              <a:ext cx="2859513" cy="3324818"/>
+            </a:xfrm>
+            <a:prstGeom prst="rect">
+              <a:avLst/>
+            </a:prstGeom>
+          </p:spPr>
+        </p:pic>
+      </p:grpSp>
+      <p:grpSp>
+        <p:nvGrpSpPr>
+          <p:cNvPr id="69" name="Group 68">
+            <a:extLst>
+              <a:ext uri="{FF2B5EF4-FFF2-40B4-BE49-F238E27FC236}">
+                <a16:creationId xmlns:a16="http://schemas.microsoft.com/office/drawing/2014/main" id="{2BF6E176-C6C7-3E4C-812D-54BE70CF9402}"/>
+              </a:ext>
+            </a:extLst>
+          </p:cNvPr>
+          <p:cNvGrpSpPr/>
+          <p:nvPr/>
+        </p:nvGrpSpPr>
+        <p:grpSpPr>
+          <a:xfrm>
+            <a:off x="194971" y="3293492"/>
+            <a:ext cx="2832343" cy="3252681"/>
+            <a:chOff x="7276576" y="2607079"/>
+            <a:chExt cx="3039607" cy="3529200"/>
+          </a:xfrm>
+        </p:grpSpPr>
+        <p:grpSp>
+          <p:nvGrpSpPr>
+            <p:cNvPr id="60" name="Group 59">
+              <a:extLst>
+                <a:ext uri="{FF2B5EF4-FFF2-40B4-BE49-F238E27FC236}">
+                  <a16:creationId xmlns:a16="http://schemas.microsoft.com/office/drawing/2014/main" id="{D115BB1C-FDBB-3E4B-AFC2-911AEDBC02E2}"/>
+                </a:ext>
+              </a:extLst>
+            </p:cNvPr>
+            <p:cNvGrpSpPr/>
+            <p:nvPr/>
+          </p:nvGrpSpPr>
+          <p:grpSpPr>
+            <a:xfrm>
+              <a:off x="7276576" y="2607079"/>
+              <a:ext cx="3039607" cy="3529200"/>
+              <a:chOff x="7027640" y="2335656"/>
+              <a:chExt cx="3039607" cy="3529200"/>
+            </a:xfrm>
+          </p:grpSpPr>
+          <p:grpSp>
+            <p:nvGrpSpPr>
+              <p:cNvPr id="61" name="Group 60">
+                <a:extLst>
+                  <a:ext uri="{FF2B5EF4-FFF2-40B4-BE49-F238E27FC236}">
+                    <a16:creationId xmlns:a16="http://schemas.microsoft.com/office/drawing/2014/main" id="{75F7A5ED-53B0-4D40-A901-AE6EAADED012}"/>
+                  </a:ext>
+                </a:extLst>
+              </p:cNvPr>
+              <p:cNvGrpSpPr/>
+              <p:nvPr/>
+            </p:nvGrpSpPr>
+            <p:grpSpPr>
+              <a:xfrm>
+                <a:off x="7027640" y="2335656"/>
+                <a:ext cx="3039607" cy="3529200"/>
+                <a:chOff x="7877865" y="2354977"/>
+                <a:chExt cx="3039607" cy="3529200"/>
+              </a:xfrm>
+            </p:grpSpPr>
+            <p:grpSp>
+              <p:nvGrpSpPr>
+                <p:cNvPr id="63" name="Group 62">
+                  <a:extLst>
+                    <a:ext uri="{FF2B5EF4-FFF2-40B4-BE49-F238E27FC236}">
+                      <a16:creationId xmlns:a16="http://schemas.microsoft.com/office/drawing/2014/main" id="{9A710084-BF99-0548-8F0D-B9084C22615E}"/>
+                    </a:ext>
+                  </a:extLst>
+                </p:cNvPr>
+                <p:cNvGrpSpPr/>
+                <p:nvPr/>
+              </p:nvGrpSpPr>
+              <p:grpSpPr>
+                <a:xfrm>
+                  <a:off x="7877865" y="2354977"/>
+                  <a:ext cx="3039607" cy="3529200"/>
+                  <a:chOff x="4573833" y="2882450"/>
+                  <a:chExt cx="3039607" cy="3529200"/>
+                </a:xfrm>
+              </p:grpSpPr>
+              <p:grpSp>
+                <p:nvGrpSpPr>
+                  <p:cNvPr id="65" name="Group 64">
+                    <a:extLst>
+                      <a:ext uri="{FF2B5EF4-FFF2-40B4-BE49-F238E27FC236}">
+                        <a16:creationId xmlns:a16="http://schemas.microsoft.com/office/drawing/2014/main" id="{4727E660-CB0A-8447-8993-05D77CC6777D}"/>
+                      </a:ext>
+                    </a:extLst>
+                  </p:cNvPr>
+                  <p:cNvGrpSpPr/>
+                  <p:nvPr/>
+                </p:nvGrpSpPr>
+                <p:grpSpPr>
+                  <a:xfrm>
+                    <a:off x="4573833" y="2882450"/>
+                    <a:ext cx="3039607" cy="3529200"/>
+                    <a:chOff x="5135429" y="2359894"/>
+                    <a:chExt cx="3039607" cy="3529200"/>
+                  </a:xfrm>
+                </p:grpSpPr>
+                <p:sp>
+                  <p:nvSpPr>
+                    <p:cNvPr id="67" name="Rectangle 66">
+                      <a:extLst>
+                        <a:ext uri="{FF2B5EF4-FFF2-40B4-BE49-F238E27FC236}">
+                          <a16:creationId xmlns:a16="http://schemas.microsoft.com/office/drawing/2014/main" id="{81D288BB-840E-8543-8CB4-70E43C75AE7C}"/>
+                        </a:ext>
+                      </a:extLst>
+                    </p:cNvPr>
+                    <p:cNvSpPr/>
+                    <p:nvPr/>
+                  </p:nvSpPr>
+                  <p:spPr>
+                    <a:xfrm>
+                      <a:off x="5135429" y="2359894"/>
+                      <a:ext cx="3039607" cy="3529200"/>
+                    </a:xfrm>
+                    <a:prstGeom prst="rect">
+                      <a:avLst/>
+                    </a:prstGeom>
+                    <a:solidFill>
+                      <a:schemeClr val="accent4">
+                        <a:lumMod val="40000"/>
+                        <a:lumOff val="60000"/>
+                      </a:schemeClr>
+                    </a:solidFill>
+                    <a:ln>
+                      <a:solidFill>
+                        <a:schemeClr val="accent4">
+                          <a:lumMod val="40000"/>
+                          <a:lumOff val="60000"/>
+                        </a:schemeClr>
+                      </a:solidFill>
+                    </a:ln>
+                  </p:spPr>
+                  <p:style>
+                    <a:lnRef idx="2">
+                      <a:schemeClr val="accent1">
+                        <a:shade val="50000"/>
+                      </a:schemeClr>
+                    </a:lnRef>
+                    <a:fillRef idx="1">
+                      <a:schemeClr val="accent1"/>
+                    </a:fillRef>
+                    <a:effectRef idx="0">
+                      <a:schemeClr val="accent1"/>
+                    </a:effectRef>
+                    <a:fontRef idx="minor">
+                      <a:schemeClr val="lt1"/>
+                    </a:fontRef>
+                  </p:style>
+                  <p:txBody>
+                    <a:bodyPr rtlCol="0" anchor="ctr"/>
+                    <a:lstStyle/>
+                    <a:p>
+                      <a:pPr algn="ctr"/>
+                      <a:endParaRPr lang="en-PT"/>
+                    </a:p>
+                  </p:txBody>
+                </p:sp>
+                <p:pic>
+                  <p:nvPicPr>
+                    <p:cNvPr id="68" name="Picture 67">
+                      <a:extLst>
+                        <a:ext uri="{FF2B5EF4-FFF2-40B4-BE49-F238E27FC236}">
+                          <a16:creationId xmlns:a16="http://schemas.microsoft.com/office/drawing/2014/main" id="{81F1C3D6-C082-364B-9C44-9DA6855E8E47}"/>
+                        </a:ext>
+                      </a:extLst>
+                    </p:cNvPr>
+                    <p:cNvPicPr>
+                      <a:picLocks noChangeAspect="1"/>
+                    </p:cNvPicPr>
+                    <p:nvPr/>
+                  </p:nvPicPr>
+                  <p:blipFill>
+                    <a:blip r:embed="rId4"/>
+                    <a:stretch>
+                      <a:fillRect/>
+                    </a:stretch>
+                  </p:blipFill>
+                  <p:spPr>
+                    <a:xfrm>
+                      <a:off x="5224083" y="2457596"/>
+                      <a:ext cx="2859513" cy="3324818"/>
+                    </a:xfrm>
+                    <a:prstGeom prst="rect">
+                      <a:avLst/>
+                    </a:prstGeom>
+                  </p:spPr>
+                </p:pic>
+              </p:grpSp>
+              <p:pic>
+                <p:nvPicPr>
+                  <p:cNvPr id="66" name="Picture 65">
+                    <a:extLst>
+                      <a:ext uri="{FF2B5EF4-FFF2-40B4-BE49-F238E27FC236}">
+                        <a16:creationId xmlns:a16="http://schemas.microsoft.com/office/drawing/2014/main" id="{4EFCF0DF-6644-3246-BA9C-8875E63F15AA}"/>
+                      </a:ext>
+                    </a:extLst>
+                  </p:cNvPr>
+                  <p:cNvPicPr>
+                    <a:picLocks noChangeAspect="1"/>
+                  </p:cNvPicPr>
+                  <p:nvPr/>
+                </p:nvPicPr>
+                <p:blipFill>
+                  <a:blip r:embed="rId5"/>
+                  <a:stretch>
+                    <a:fillRect/>
+                  </a:stretch>
+                </p:blipFill>
+                <p:spPr>
+                  <a:xfrm>
+                    <a:off x="4662767" y="2989130"/>
+                    <a:ext cx="2859513" cy="3324818"/>
+                  </a:xfrm>
+                  <a:prstGeom prst="rect">
+                    <a:avLst/>
+                  </a:prstGeom>
+                </p:spPr>
+              </p:pic>
+            </p:grpSp>
+            <p:pic>
+              <p:nvPicPr>
+                <p:cNvPr id="64" name="Picture 63">
+                  <a:extLst>
+                    <a:ext uri="{FF2B5EF4-FFF2-40B4-BE49-F238E27FC236}">
+                      <a16:creationId xmlns:a16="http://schemas.microsoft.com/office/drawing/2014/main" id="{F7A87708-7EFF-F840-BB57-40C69E725D1E}"/>
+                    </a:ext>
+                  </a:extLst>
+                </p:cNvPr>
+                <p:cNvPicPr>
+                  <a:picLocks noChangeAspect="1"/>
+                </p:cNvPicPr>
+                <p:nvPr/>
+              </p:nvPicPr>
+              <p:blipFill>
+                <a:blip r:embed="rId6"/>
+                <a:stretch>
+                  <a:fillRect/>
+                </a:stretch>
+              </p:blipFill>
+              <p:spPr>
+                <a:xfrm>
+                  <a:off x="7977771" y="2477698"/>
+                  <a:ext cx="2859513" cy="3324819"/>
+                </a:xfrm>
+                <a:prstGeom prst="rect">
+                  <a:avLst/>
+                </a:prstGeom>
+              </p:spPr>
+            </p:pic>
+          </p:grpSp>
+          <p:pic>
+            <p:nvPicPr>
+              <p:cNvPr id="62" name="Picture 61">
+                <a:extLst>
+                  <a:ext uri="{FF2B5EF4-FFF2-40B4-BE49-F238E27FC236}">
+                    <a16:creationId xmlns:a16="http://schemas.microsoft.com/office/drawing/2014/main" id="{E7C26384-7895-E846-AF11-7F71AA1663A9}"/>
+                  </a:ext>
+                </a:extLst>
+              </p:cNvPr>
+              <p:cNvPicPr>
+                <a:picLocks noChangeAspect="1"/>
+              </p:cNvPicPr>
+              <p:nvPr/>
+            </p:nvPicPr>
+            <p:blipFill>
+              <a:blip r:embed="rId7"/>
+              <a:stretch>
+                <a:fillRect/>
+              </a:stretch>
+            </p:blipFill>
+            <p:spPr>
+              <a:xfrm>
+                <a:off x="7120809" y="2449479"/>
+                <a:ext cx="2859513" cy="3324818"/>
+              </a:xfrm>
+              <a:prstGeom prst="rect">
+                <a:avLst/>
+              </a:prstGeom>
+            </p:spPr>
+          </p:pic>
+        </p:grpSp>
+        <p:pic>
+          <p:nvPicPr>
+            <p:cNvPr id="26" name="Picture 25">
+              <a:extLst>
+                <a:ext uri="{FF2B5EF4-FFF2-40B4-BE49-F238E27FC236}">
+                  <a16:creationId xmlns:a16="http://schemas.microsoft.com/office/drawing/2014/main" id="{49722571-D8C0-5B45-BE24-34822EEB1187}"/>
+                </a:ext>
+              </a:extLst>
+            </p:cNvPr>
+            <p:cNvPicPr>
+              <a:picLocks noChangeAspect="1"/>
+            </p:cNvPicPr>
+            <p:nvPr/>
+          </p:nvPicPr>
+          <p:blipFill>
+            <a:blip r:embed="rId8"/>
+            <a:stretch>
+              <a:fillRect/>
+            </a:stretch>
+          </p:blipFill>
+          <p:spPr>
+            <a:xfrm>
+              <a:off x="7358493" y="2699599"/>
+              <a:ext cx="2863970" cy="3330000"/>
+            </a:xfrm>
+            <a:prstGeom prst="rect">
+              <a:avLst/>
+            </a:prstGeom>
+          </p:spPr>
+        </p:pic>
+      </p:grpSp>
+      <p:grpSp>
+        <p:nvGrpSpPr>
+          <p:cNvPr id="81" name="Group 80">
+            <a:extLst>
+              <a:ext uri="{FF2B5EF4-FFF2-40B4-BE49-F238E27FC236}">
+                <a16:creationId xmlns:a16="http://schemas.microsoft.com/office/drawing/2014/main" id="{662538E9-BB96-2441-92C7-A0B76433E284}"/>
+              </a:ext>
+            </a:extLst>
+          </p:cNvPr>
+          <p:cNvGrpSpPr/>
+          <p:nvPr/>
+        </p:nvGrpSpPr>
+        <p:grpSpPr>
+          <a:xfrm>
+            <a:off x="6176170" y="3286062"/>
+            <a:ext cx="2832343" cy="3252683"/>
+            <a:chOff x="7681702" y="2242443"/>
+            <a:chExt cx="3039607" cy="3529200"/>
+          </a:xfrm>
+        </p:grpSpPr>
+        <p:grpSp>
+          <p:nvGrpSpPr>
+            <p:cNvPr id="70" name="Group 69">
+              <a:extLst>
+                <a:ext uri="{FF2B5EF4-FFF2-40B4-BE49-F238E27FC236}">
+                  <a16:creationId xmlns:a16="http://schemas.microsoft.com/office/drawing/2014/main" id="{C1B3CED2-6BBD-3047-8493-CB5429052EB3}"/>
+                </a:ext>
+              </a:extLst>
+            </p:cNvPr>
+            <p:cNvGrpSpPr/>
+            <p:nvPr/>
+          </p:nvGrpSpPr>
+          <p:grpSpPr>
+            <a:xfrm>
+              <a:off x="7681702" y="2242443"/>
+              <a:ext cx="3039607" cy="3529200"/>
+              <a:chOff x="7276576" y="2607079"/>
+              <a:chExt cx="3039607" cy="3529200"/>
+            </a:xfrm>
+          </p:grpSpPr>
+          <p:grpSp>
+            <p:nvGrpSpPr>
+              <p:cNvPr id="71" name="Group 70">
+                <a:extLst>
+                  <a:ext uri="{FF2B5EF4-FFF2-40B4-BE49-F238E27FC236}">
+                    <a16:creationId xmlns:a16="http://schemas.microsoft.com/office/drawing/2014/main" id="{DCA2952F-72E1-374D-9D6A-AA9366A9D6DF}"/>
+                  </a:ext>
+                </a:extLst>
+              </p:cNvPr>
+              <p:cNvGrpSpPr/>
+              <p:nvPr/>
+            </p:nvGrpSpPr>
+            <p:grpSpPr>
+              <a:xfrm>
+                <a:off x="7276576" y="2607079"/>
+                <a:ext cx="3039607" cy="3529200"/>
+                <a:chOff x="7027640" y="2335656"/>
+                <a:chExt cx="3039607" cy="3529200"/>
+              </a:xfrm>
+            </p:grpSpPr>
+            <p:grpSp>
+              <p:nvGrpSpPr>
+                <p:cNvPr id="73" name="Group 72">
+                  <a:extLst>
+                    <a:ext uri="{FF2B5EF4-FFF2-40B4-BE49-F238E27FC236}">
+                      <a16:creationId xmlns:a16="http://schemas.microsoft.com/office/drawing/2014/main" id="{8C44A583-97AC-A342-86FE-473369BEAC9E}"/>
+                    </a:ext>
+                  </a:extLst>
+                </p:cNvPr>
+                <p:cNvGrpSpPr/>
+                <p:nvPr/>
+              </p:nvGrpSpPr>
+              <p:grpSpPr>
+                <a:xfrm>
+                  <a:off x="7027640" y="2335656"/>
+                  <a:ext cx="3039607" cy="3529200"/>
+                  <a:chOff x="7877865" y="2354977"/>
+                  <a:chExt cx="3039607" cy="3529200"/>
+                </a:xfrm>
+              </p:grpSpPr>
+              <p:grpSp>
+                <p:nvGrpSpPr>
+                  <p:cNvPr id="75" name="Group 74">
+                    <a:extLst>
+                      <a:ext uri="{FF2B5EF4-FFF2-40B4-BE49-F238E27FC236}">
+                        <a16:creationId xmlns:a16="http://schemas.microsoft.com/office/drawing/2014/main" id="{CFE4C4B2-B18C-EA4D-A9CC-968B6CA46C7A}"/>
+                      </a:ext>
+                    </a:extLst>
+                  </p:cNvPr>
+                  <p:cNvGrpSpPr/>
+                  <p:nvPr/>
+                </p:nvGrpSpPr>
+                <p:grpSpPr>
+                  <a:xfrm>
+                    <a:off x="7877865" y="2354977"/>
+                    <a:ext cx="3039607" cy="3529200"/>
+                    <a:chOff x="4573833" y="2882450"/>
+                    <a:chExt cx="3039607" cy="3529200"/>
+                  </a:xfrm>
+                </p:grpSpPr>
+                <p:grpSp>
+                  <p:nvGrpSpPr>
+                    <p:cNvPr id="77" name="Group 76">
+                      <a:extLst>
+                        <a:ext uri="{FF2B5EF4-FFF2-40B4-BE49-F238E27FC236}">
+                          <a16:creationId xmlns:a16="http://schemas.microsoft.com/office/drawing/2014/main" id="{EAD9CCC5-71BB-DD48-A026-4DC98A75AC6D}"/>
+                        </a:ext>
+                      </a:extLst>
+                    </p:cNvPr>
+                    <p:cNvGrpSpPr/>
+                    <p:nvPr/>
+                  </p:nvGrpSpPr>
+                  <p:grpSpPr>
+                    <a:xfrm>
+                      <a:off x="4573833" y="2882450"/>
+                      <a:ext cx="3039607" cy="3529200"/>
+                      <a:chOff x="5135429" y="2359894"/>
+                      <a:chExt cx="3039607" cy="3529200"/>
+                    </a:xfrm>
+                  </p:grpSpPr>
+                  <p:sp>
+                    <p:nvSpPr>
+                      <p:cNvPr id="79" name="Rectangle 78">
+                        <a:extLst>
+                          <a:ext uri="{FF2B5EF4-FFF2-40B4-BE49-F238E27FC236}">
+                            <a16:creationId xmlns:a16="http://schemas.microsoft.com/office/drawing/2014/main" id="{CFFF4E7C-CBA2-8A41-93CC-1AA5AAEF6A4C}"/>
+                          </a:ext>
+                        </a:extLst>
+                      </p:cNvPr>
+                      <p:cNvSpPr/>
+                      <p:nvPr/>
+                    </p:nvSpPr>
+                    <p:spPr>
+                      <a:xfrm>
+                        <a:off x="5135429" y="2359894"/>
+                        <a:ext cx="3039607" cy="3529200"/>
+                      </a:xfrm>
+                      <a:prstGeom prst="rect">
+                        <a:avLst/>
+                      </a:prstGeom>
+                      <a:solidFill>
+                        <a:schemeClr val="accent4">
+                          <a:lumMod val="40000"/>
+                          <a:lumOff val="60000"/>
+                        </a:schemeClr>
+                      </a:solidFill>
+                      <a:ln>
+                        <a:solidFill>
+                          <a:schemeClr val="accent4">
+                            <a:lumMod val="40000"/>
+                            <a:lumOff val="60000"/>
+                          </a:schemeClr>
+                        </a:solidFill>
+                      </a:ln>
+                    </p:spPr>
+                    <p:style>
+                      <a:lnRef idx="2">
+                        <a:schemeClr val="accent1">
+                          <a:shade val="50000"/>
+                        </a:schemeClr>
+                      </a:lnRef>
+                      <a:fillRef idx="1">
+                        <a:schemeClr val="accent1"/>
+                      </a:fillRef>
+                      <a:effectRef idx="0">
+                        <a:schemeClr val="accent1"/>
+                      </a:effectRef>
+                      <a:fontRef idx="minor">
+                        <a:schemeClr val="lt1"/>
+                      </a:fontRef>
+                    </p:style>
+                    <p:txBody>
+                      <a:bodyPr rtlCol="0" anchor="ctr"/>
+                      <a:lstStyle/>
+                      <a:p>
+                        <a:pPr algn="ctr"/>
+                        <a:endParaRPr lang="en-PT"/>
+                      </a:p>
+                    </p:txBody>
+                  </p:sp>
+                  <p:pic>
+                    <p:nvPicPr>
+                      <p:cNvPr id="80" name="Picture 79">
+                        <a:extLst>
+                          <a:ext uri="{FF2B5EF4-FFF2-40B4-BE49-F238E27FC236}">
+                            <a16:creationId xmlns:a16="http://schemas.microsoft.com/office/drawing/2014/main" id="{CAF1E3D8-1490-5043-84F8-514C21457D49}"/>
+                          </a:ext>
+                        </a:extLst>
+                      </p:cNvPr>
+                      <p:cNvPicPr>
+                        <a:picLocks noChangeAspect="1"/>
+                      </p:cNvPicPr>
+                      <p:nvPr/>
+                    </p:nvPicPr>
+                    <p:blipFill>
+                      <a:blip r:embed="rId4"/>
+                      <a:stretch>
+                        <a:fillRect/>
+                      </a:stretch>
+                    </p:blipFill>
+                    <p:spPr>
+                      <a:xfrm>
+                        <a:off x="5224083" y="2457596"/>
+                        <a:ext cx="2859513" cy="3324818"/>
+                      </a:xfrm>
+                      <a:prstGeom prst="rect">
+                        <a:avLst/>
+                      </a:prstGeom>
+                    </p:spPr>
+                  </p:pic>
+                </p:grpSp>
+                <p:pic>
+                  <p:nvPicPr>
+                    <p:cNvPr id="78" name="Picture 77">
+                      <a:extLst>
+                        <a:ext uri="{FF2B5EF4-FFF2-40B4-BE49-F238E27FC236}">
+                          <a16:creationId xmlns:a16="http://schemas.microsoft.com/office/drawing/2014/main" id="{BF42B0F3-2735-834E-8F79-30841706DFD9}"/>
+                        </a:ext>
+                      </a:extLst>
+                    </p:cNvPr>
+                    <p:cNvPicPr>
+                      <a:picLocks noChangeAspect="1"/>
+                    </p:cNvPicPr>
+                    <p:nvPr/>
+                  </p:nvPicPr>
+                  <p:blipFill>
+                    <a:blip r:embed="rId5"/>
+                    <a:stretch>
+                      <a:fillRect/>
+                    </a:stretch>
+                  </p:blipFill>
+                  <p:spPr>
+                    <a:xfrm>
+                      <a:off x="4662767" y="2989130"/>
+                      <a:ext cx="2859513" cy="3324818"/>
+                    </a:xfrm>
+                    <a:prstGeom prst="rect">
+                      <a:avLst/>
+                    </a:prstGeom>
+                  </p:spPr>
+                </p:pic>
+              </p:grpSp>
+              <p:pic>
+                <p:nvPicPr>
+                  <p:cNvPr id="76" name="Picture 75">
+                    <a:extLst>
+                      <a:ext uri="{FF2B5EF4-FFF2-40B4-BE49-F238E27FC236}">
+                        <a16:creationId xmlns:a16="http://schemas.microsoft.com/office/drawing/2014/main" id="{029506CB-C535-374F-A83A-9E4F3611D904}"/>
+                      </a:ext>
+                    </a:extLst>
+                  </p:cNvPr>
+                  <p:cNvPicPr>
+                    <a:picLocks noChangeAspect="1"/>
+                  </p:cNvPicPr>
+                  <p:nvPr/>
+                </p:nvPicPr>
+                <p:blipFill>
+                  <a:blip r:embed="rId6"/>
+                  <a:stretch>
+                    <a:fillRect/>
+                  </a:stretch>
+                </p:blipFill>
+                <p:spPr>
+                  <a:xfrm>
+                    <a:off x="7977771" y="2477698"/>
+                    <a:ext cx="2859513" cy="3324819"/>
+                  </a:xfrm>
+                  <a:prstGeom prst="rect">
+                    <a:avLst/>
+                  </a:prstGeom>
+                </p:spPr>
+              </p:pic>
+            </p:grpSp>
+            <p:pic>
+              <p:nvPicPr>
+                <p:cNvPr id="74" name="Picture 73">
+                  <a:extLst>
+                    <a:ext uri="{FF2B5EF4-FFF2-40B4-BE49-F238E27FC236}">
+                      <a16:creationId xmlns:a16="http://schemas.microsoft.com/office/drawing/2014/main" id="{7F777D6A-A00B-864B-BE85-71C1F2B3A35E}"/>
+                    </a:ext>
+                  </a:extLst>
+                </p:cNvPr>
+                <p:cNvPicPr>
+                  <a:picLocks noChangeAspect="1"/>
+                </p:cNvPicPr>
+                <p:nvPr/>
+              </p:nvPicPr>
+              <p:blipFill>
+                <a:blip r:embed="rId7"/>
+                <a:stretch>
+                  <a:fillRect/>
+                </a:stretch>
+              </p:blipFill>
+              <p:spPr>
+                <a:xfrm>
+                  <a:off x="7120809" y="2449479"/>
+                  <a:ext cx="2859513" cy="3324818"/>
+                </a:xfrm>
+                <a:prstGeom prst="rect">
+                  <a:avLst/>
+                </a:prstGeom>
+              </p:spPr>
+            </p:pic>
+          </p:grpSp>
+          <p:pic>
+            <p:nvPicPr>
+              <p:cNvPr id="72" name="Picture 71">
+                <a:extLst>
+                  <a:ext uri="{FF2B5EF4-FFF2-40B4-BE49-F238E27FC236}">
+                    <a16:creationId xmlns:a16="http://schemas.microsoft.com/office/drawing/2014/main" id="{280D227C-5E8C-8A46-AC98-3CC7E04E6958}"/>
+                  </a:ext>
+                </a:extLst>
+              </p:cNvPr>
+              <p:cNvPicPr>
+                <a:picLocks noChangeAspect="1"/>
+              </p:cNvPicPr>
+              <p:nvPr/>
+            </p:nvPicPr>
+            <p:blipFill>
+              <a:blip r:embed="rId8"/>
+              <a:stretch>
+                <a:fillRect/>
+              </a:stretch>
+            </p:blipFill>
+            <p:spPr>
+              <a:xfrm>
+                <a:off x="7358493" y="2699599"/>
+                <a:ext cx="2863970" cy="3330000"/>
+              </a:xfrm>
+              <a:prstGeom prst="rect">
+                <a:avLst/>
+              </a:prstGeom>
+            </p:spPr>
+          </p:pic>
+        </p:grpSp>
+        <p:pic>
+          <p:nvPicPr>
+            <p:cNvPr id="19" name="Picture 18">
+              <a:extLst>
+                <a:ext uri="{FF2B5EF4-FFF2-40B4-BE49-F238E27FC236}">
+                  <a16:creationId xmlns:a16="http://schemas.microsoft.com/office/drawing/2014/main" id="{FCAB05AD-E777-8E48-9570-6E3EF6AB6E2D}"/>
+                </a:ext>
+              </a:extLst>
+            </p:cNvPr>
+            <p:cNvPicPr>
+              <a:picLocks noChangeAspect="1"/>
+            </p:cNvPicPr>
+            <p:nvPr/>
+          </p:nvPicPr>
+          <p:blipFill>
+            <a:blip r:embed="rId9"/>
+            <a:stretch>
+              <a:fillRect/>
+            </a:stretch>
+          </p:blipFill>
+          <p:spPr>
+            <a:xfrm>
+              <a:off x="7772473" y="2352695"/>
+              <a:ext cx="2859513" cy="3324818"/>
+            </a:xfrm>
+            <a:prstGeom prst="rect">
+              <a:avLst/>
+            </a:prstGeom>
+          </p:spPr>
+        </p:pic>
+      </p:grpSp>
+      <p:grpSp>
+        <p:nvGrpSpPr>
+          <p:cNvPr id="95" name="Group 94">
+            <a:extLst>
+              <a:ext uri="{FF2B5EF4-FFF2-40B4-BE49-F238E27FC236}">
+                <a16:creationId xmlns:a16="http://schemas.microsoft.com/office/drawing/2014/main" id="{181ABE2C-2D0C-9D4A-B555-8439FD8F3D13}"/>
+              </a:ext>
+            </a:extLst>
+          </p:cNvPr>
+          <p:cNvGrpSpPr/>
+          <p:nvPr/>
+        </p:nvGrpSpPr>
+        <p:grpSpPr>
+          <a:xfrm>
+            <a:off x="3186956" y="3286062"/>
+            <a:ext cx="2832343" cy="3252682"/>
+            <a:chOff x="8248319" y="2216207"/>
+            <a:chExt cx="3039607" cy="3529200"/>
+          </a:xfrm>
+        </p:grpSpPr>
+        <p:grpSp>
+          <p:nvGrpSpPr>
+            <p:cNvPr id="82" name="Group 81">
+              <a:extLst>
+                <a:ext uri="{FF2B5EF4-FFF2-40B4-BE49-F238E27FC236}">
+                  <a16:creationId xmlns:a16="http://schemas.microsoft.com/office/drawing/2014/main" id="{5B500DE5-787D-CB48-8DB7-6E390C777BCB}"/>
+                </a:ext>
+              </a:extLst>
+            </p:cNvPr>
+            <p:cNvGrpSpPr/>
+            <p:nvPr/>
+          </p:nvGrpSpPr>
+          <p:grpSpPr>
+            <a:xfrm>
+              <a:off x="8248319" y="2216207"/>
+              <a:ext cx="3039607" cy="3529200"/>
+              <a:chOff x="7681702" y="2242443"/>
+              <a:chExt cx="3039607" cy="3529200"/>
+            </a:xfrm>
+          </p:grpSpPr>
+          <p:grpSp>
+            <p:nvGrpSpPr>
+              <p:cNvPr id="83" name="Group 82">
+                <a:extLst>
+                  <a:ext uri="{FF2B5EF4-FFF2-40B4-BE49-F238E27FC236}">
+                    <a16:creationId xmlns:a16="http://schemas.microsoft.com/office/drawing/2014/main" id="{7E7326F8-A111-8048-A818-E364FBD49EE7}"/>
+                  </a:ext>
+                </a:extLst>
+              </p:cNvPr>
+              <p:cNvGrpSpPr/>
+              <p:nvPr/>
+            </p:nvGrpSpPr>
+            <p:grpSpPr>
+              <a:xfrm>
+                <a:off x="7681702" y="2242443"/>
+                <a:ext cx="3039607" cy="3529200"/>
+                <a:chOff x="7276576" y="2607079"/>
+                <a:chExt cx="3039607" cy="3529200"/>
+              </a:xfrm>
+            </p:grpSpPr>
+            <p:grpSp>
+              <p:nvGrpSpPr>
+                <p:cNvPr id="85" name="Group 84">
+                  <a:extLst>
+                    <a:ext uri="{FF2B5EF4-FFF2-40B4-BE49-F238E27FC236}">
+                      <a16:creationId xmlns:a16="http://schemas.microsoft.com/office/drawing/2014/main" id="{3E65D443-2FAB-DB43-874F-B581764096F8}"/>
+                    </a:ext>
+                  </a:extLst>
+                </p:cNvPr>
+                <p:cNvGrpSpPr/>
+                <p:nvPr/>
+              </p:nvGrpSpPr>
+              <p:grpSpPr>
+                <a:xfrm>
+                  <a:off x="7276576" y="2607079"/>
+                  <a:ext cx="3039607" cy="3529200"/>
+                  <a:chOff x="7027640" y="2335656"/>
+                  <a:chExt cx="3039607" cy="3529200"/>
+                </a:xfrm>
+              </p:grpSpPr>
+              <p:grpSp>
+                <p:nvGrpSpPr>
+                  <p:cNvPr id="87" name="Group 86">
+                    <a:extLst>
+                      <a:ext uri="{FF2B5EF4-FFF2-40B4-BE49-F238E27FC236}">
+                        <a16:creationId xmlns:a16="http://schemas.microsoft.com/office/drawing/2014/main" id="{DA64C552-F1AB-EA48-954E-1B091917A9CF}"/>
+                      </a:ext>
+                    </a:extLst>
+                  </p:cNvPr>
+                  <p:cNvGrpSpPr/>
+                  <p:nvPr/>
+                </p:nvGrpSpPr>
+                <p:grpSpPr>
+                  <a:xfrm>
+                    <a:off x="7027640" y="2335656"/>
+                    <a:ext cx="3039607" cy="3529200"/>
+                    <a:chOff x="7877865" y="2354977"/>
+                    <a:chExt cx="3039607" cy="3529200"/>
+                  </a:xfrm>
+                </p:grpSpPr>
+                <p:grpSp>
+                  <p:nvGrpSpPr>
+                    <p:cNvPr id="89" name="Group 88">
+                      <a:extLst>
+                        <a:ext uri="{FF2B5EF4-FFF2-40B4-BE49-F238E27FC236}">
+                          <a16:creationId xmlns:a16="http://schemas.microsoft.com/office/drawing/2014/main" id="{1E00B3D0-5B20-CF4A-AE88-CB0F33AFD4A2}"/>
+                        </a:ext>
+                      </a:extLst>
+                    </p:cNvPr>
+                    <p:cNvGrpSpPr/>
+                    <p:nvPr/>
+                  </p:nvGrpSpPr>
+                  <p:grpSpPr>
+                    <a:xfrm>
+                      <a:off x="7877865" y="2354977"/>
+                      <a:ext cx="3039607" cy="3529200"/>
+                      <a:chOff x="4573833" y="2882450"/>
+                      <a:chExt cx="3039607" cy="3529200"/>
+                    </a:xfrm>
+                  </p:grpSpPr>
+                  <p:grpSp>
+                    <p:nvGrpSpPr>
+                      <p:cNvPr id="91" name="Group 90">
+                        <a:extLst>
+                          <a:ext uri="{FF2B5EF4-FFF2-40B4-BE49-F238E27FC236}">
+                            <a16:creationId xmlns:a16="http://schemas.microsoft.com/office/drawing/2014/main" id="{5B04C5B6-5B5B-9B40-8EF2-70576201BAB7}"/>
+                          </a:ext>
+                        </a:extLst>
+                      </p:cNvPr>
+                      <p:cNvGrpSpPr/>
+                      <p:nvPr/>
+                    </p:nvGrpSpPr>
+                    <p:grpSpPr>
+                      <a:xfrm>
+                        <a:off x="4573833" y="2882450"/>
+                        <a:ext cx="3039607" cy="3529200"/>
+                        <a:chOff x="5135429" y="2359894"/>
+                        <a:chExt cx="3039607" cy="3529200"/>
+                      </a:xfrm>
+                    </p:grpSpPr>
+                    <p:sp>
+                      <p:nvSpPr>
+                        <p:cNvPr id="93" name="Rectangle 92">
+                          <a:extLst>
+                            <a:ext uri="{FF2B5EF4-FFF2-40B4-BE49-F238E27FC236}">
+                              <a16:creationId xmlns:a16="http://schemas.microsoft.com/office/drawing/2014/main" id="{0F2CC58E-6ED9-E84E-8648-6D74EEF7C858}"/>
+                            </a:ext>
+                          </a:extLst>
+                        </p:cNvPr>
+                        <p:cNvSpPr/>
+                        <p:nvPr/>
+                      </p:nvSpPr>
+                      <p:spPr>
+                        <a:xfrm>
+                          <a:off x="5135429" y="2359894"/>
+                          <a:ext cx="3039607" cy="3529200"/>
+                        </a:xfrm>
+                        <a:prstGeom prst="rect">
+                          <a:avLst/>
+                        </a:prstGeom>
+                        <a:solidFill>
+                          <a:schemeClr val="accent4">
+                            <a:lumMod val="40000"/>
+                            <a:lumOff val="60000"/>
+                          </a:schemeClr>
+                        </a:solidFill>
+                        <a:ln>
+                          <a:solidFill>
+                            <a:schemeClr val="accent4">
+                              <a:lumMod val="40000"/>
+                              <a:lumOff val="60000"/>
+                            </a:schemeClr>
+                          </a:solidFill>
+                        </a:ln>
+                      </p:spPr>
+                      <p:style>
+                        <a:lnRef idx="2">
+                          <a:schemeClr val="accent1">
+                            <a:shade val="50000"/>
+                          </a:schemeClr>
+                        </a:lnRef>
+                        <a:fillRef idx="1">
+                          <a:schemeClr val="accent1"/>
+                        </a:fillRef>
+                        <a:effectRef idx="0">
+                          <a:schemeClr val="accent1"/>
+                        </a:effectRef>
+                        <a:fontRef idx="minor">
+                          <a:schemeClr val="lt1"/>
+                        </a:fontRef>
+                      </p:style>
+                      <p:txBody>
+                        <a:bodyPr rtlCol="0" anchor="ctr"/>
+                        <a:lstStyle/>
+                        <a:p>
+                          <a:pPr algn="ctr"/>
+                          <a:endParaRPr lang="en-PT"/>
+                        </a:p>
+                      </p:txBody>
+                    </p:sp>
+                    <p:pic>
+                      <p:nvPicPr>
+                        <p:cNvPr id="94" name="Picture 93">
+                          <a:extLst>
+                            <a:ext uri="{FF2B5EF4-FFF2-40B4-BE49-F238E27FC236}">
+                              <a16:creationId xmlns:a16="http://schemas.microsoft.com/office/drawing/2014/main" id="{A3FA1A20-603A-7B47-9846-0F287A1A2BB8}"/>
+                            </a:ext>
+                          </a:extLst>
+                        </p:cNvPr>
+                        <p:cNvPicPr>
+                          <a:picLocks noChangeAspect="1"/>
+                        </p:cNvPicPr>
+                        <p:nvPr/>
+                      </p:nvPicPr>
+                      <p:blipFill>
+                        <a:blip r:embed="rId4"/>
+                        <a:stretch>
+                          <a:fillRect/>
+                        </a:stretch>
+                      </p:blipFill>
+                      <p:spPr>
+                        <a:xfrm>
+                          <a:off x="5224083" y="2457596"/>
+                          <a:ext cx="2859513" cy="3324818"/>
+                        </a:xfrm>
+                        <a:prstGeom prst="rect">
+                          <a:avLst/>
+                        </a:prstGeom>
+                      </p:spPr>
+                    </p:pic>
+                  </p:grpSp>
+                  <p:pic>
+                    <p:nvPicPr>
+                      <p:cNvPr id="92" name="Picture 91">
+                        <a:extLst>
+                          <a:ext uri="{FF2B5EF4-FFF2-40B4-BE49-F238E27FC236}">
+                            <a16:creationId xmlns:a16="http://schemas.microsoft.com/office/drawing/2014/main" id="{403F8AE0-6598-C340-B7AC-3A562FF1869E}"/>
+                          </a:ext>
+                        </a:extLst>
+                      </p:cNvPr>
+                      <p:cNvPicPr>
+                        <a:picLocks noChangeAspect="1"/>
+                      </p:cNvPicPr>
+                      <p:nvPr/>
+                    </p:nvPicPr>
+                    <p:blipFill>
+                      <a:blip r:embed="rId5"/>
+                      <a:stretch>
+                        <a:fillRect/>
+                      </a:stretch>
+                    </p:blipFill>
+                    <p:spPr>
+                      <a:xfrm>
+                        <a:off x="4662767" y="2989130"/>
+                        <a:ext cx="2859513" cy="3324818"/>
+                      </a:xfrm>
+                      <a:prstGeom prst="rect">
+                        <a:avLst/>
+                      </a:prstGeom>
+                    </p:spPr>
+                  </p:pic>
+                </p:grpSp>
+                <p:pic>
+                  <p:nvPicPr>
+                    <p:cNvPr id="90" name="Picture 89">
+                      <a:extLst>
+                        <a:ext uri="{FF2B5EF4-FFF2-40B4-BE49-F238E27FC236}">
+                          <a16:creationId xmlns:a16="http://schemas.microsoft.com/office/drawing/2014/main" id="{F36E9514-144A-294F-B162-8A2DC822C729}"/>
+                        </a:ext>
+                      </a:extLst>
+                    </p:cNvPr>
+                    <p:cNvPicPr>
+                      <a:picLocks noChangeAspect="1"/>
+                    </p:cNvPicPr>
+                    <p:nvPr/>
+                  </p:nvPicPr>
+                  <p:blipFill>
+                    <a:blip r:embed="rId6"/>
+                    <a:stretch>
+                      <a:fillRect/>
+                    </a:stretch>
+                  </p:blipFill>
+                  <p:spPr>
+                    <a:xfrm>
+                      <a:off x="7977771" y="2477698"/>
+                      <a:ext cx="2859513" cy="3324819"/>
+                    </a:xfrm>
+                    <a:prstGeom prst="rect">
+                      <a:avLst/>
+                    </a:prstGeom>
+                  </p:spPr>
+                </p:pic>
+              </p:grpSp>
+              <p:pic>
+                <p:nvPicPr>
+                  <p:cNvPr id="88" name="Picture 87">
+                    <a:extLst>
+                      <a:ext uri="{FF2B5EF4-FFF2-40B4-BE49-F238E27FC236}">
+                        <a16:creationId xmlns:a16="http://schemas.microsoft.com/office/drawing/2014/main" id="{EA5CE7C2-8A5E-6F48-8E24-64DFC1AC2BB8}"/>
+                      </a:ext>
+                    </a:extLst>
+                  </p:cNvPr>
+                  <p:cNvPicPr>
+                    <a:picLocks noChangeAspect="1"/>
+                  </p:cNvPicPr>
+                  <p:nvPr/>
+                </p:nvPicPr>
+                <p:blipFill>
+                  <a:blip r:embed="rId7"/>
+                  <a:stretch>
+                    <a:fillRect/>
+                  </a:stretch>
+                </p:blipFill>
+                <p:spPr>
+                  <a:xfrm>
+                    <a:off x="7120809" y="2449479"/>
+                    <a:ext cx="2859513" cy="3324818"/>
+                  </a:xfrm>
+                  <a:prstGeom prst="rect">
+                    <a:avLst/>
+                  </a:prstGeom>
+                </p:spPr>
+              </p:pic>
+            </p:grpSp>
+            <p:pic>
+              <p:nvPicPr>
+                <p:cNvPr id="86" name="Picture 85">
+                  <a:extLst>
+                    <a:ext uri="{FF2B5EF4-FFF2-40B4-BE49-F238E27FC236}">
+                      <a16:creationId xmlns:a16="http://schemas.microsoft.com/office/drawing/2014/main" id="{6A23A9E2-F0E4-2F42-83E4-FD037B4D2BDA}"/>
+                    </a:ext>
+                  </a:extLst>
+                </p:cNvPr>
+                <p:cNvPicPr>
+                  <a:picLocks noChangeAspect="1"/>
+                </p:cNvPicPr>
+                <p:nvPr/>
+              </p:nvPicPr>
+              <p:blipFill>
+                <a:blip r:embed="rId8"/>
+                <a:stretch>
+                  <a:fillRect/>
+                </a:stretch>
+              </p:blipFill>
+              <p:spPr>
+                <a:xfrm>
+                  <a:off x="7358493" y="2699599"/>
+                  <a:ext cx="2863970" cy="3330000"/>
+                </a:xfrm>
+                <a:prstGeom prst="rect">
+                  <a:avLst/>
+                </a:prstGeom>
+              </p:spPr>
+            </p:pic>
+          </p:grpSp>
+          <p:pic>
+            <p:nvPicPr>
+              <p:cNvPr id="84" name="Picture 83">
+                <a:extLst>
+                  <a:ext uri="{FF2B5EF4-FFF2-40B4-BE49-F238E27FC236}">
+                    <a16:creationId xmlns:a16="http://schemas.microsoft.com/office/drawing/2014/main" id="{40FF0DD1-437F-3044-8D1E-F7CA11979419}"/>
+                  </a:ext>
+                </a:extLst>
+              </p:cNvPr>
+              <p:cNvPicPr>
+                <a:picLocks noChangeAspect="1"/>
+              </p:cNvPicPr>
+              <p:nvPr/>
+            </p:nvPicPr>
+            <p:blipFill>
+              <a:blip r:embed="rId9"/>
+              <a:stretch>
+                <a:fillRect/>
+              </a:stretch>
+            </p:blipFill>
+            <p:spPr>
+              <a:xfrm>
+                <a:off x="7772473" y="2352695"/>
+                <a:ext cx="2859513" cy="3324818"/>
+              </a:xfrm>
+              <a:prstGeom prst="rect">
+                <a:avLst/>
+              </a:prstGeom>
+            </p:spPr>
+          </p:pic>
+        </p:grpSp>
+        <p:pic>
+          <p:nvPicPr>
+            <p:cNvPr id="23" name="Picture 22">
+              <a:extLst>
+                <a:ext uri="{FF2B5EF4-FFF2-40B4-BE49-F238E27FC236}">
+                  <a16:creationId xmlns:a16="http://schemas.microsoft.com/office/drawing/2014/main" id="{6EB5E556-CFC7-DD4E-A17C-47A49561761B}"/>
+                </a:ext>
+              </a:extLst>
+            </p:cNvPr>
+            <p:cNvPicPr>
+              <a:picLocks noChangeAspect="1"/>
+            </p:cNvPicPr>
+            <p:nvPr/>
+          </p:nvPicPr>
+          <p:blipFill>
+            <a:blip r:embed="rId10"/>
+            <a:stretch>
+              <a:fillRect/>
+            </a:stretch>
+          </p:blipFill>
+          <p:spPr>
+            <a:xfrm>
+              <a:off x="8339089" y="2321131"/>
+              <a:ext cx="2859513" cy="3324819"/>
+            </a:xfrm>
+            <a:prstGeom prst="rect">
+              <a:avLst/>
+            </a:prstGeom>
+          </p:spPr>
+        </p:pic>
+      </p:grpSp>
+    </p:spTree>
+    <p:extLst>
+      <p:ext uri="{BB962C8B-B14F-4D97-AF65-F5344CB8AC3E}">
+        <p14:creationId xmlns:p14="http://schemas.microsoft.com/office/powerpoint/2010/main" val="1816431993"/>
+      </p:ext>
+    </p:extLst>
+  </p:cSld>
+  <p:clrMapOvr>
+    <a:masterClrMapping/>
+  </p:clrMapOvr>
+</p:sld>
+</file>
+
+<file path=ppt/slides/slide6.xml><?xml version="1.0" encoding="utf-8"?>
+<p:sld xmlns:a="http://schemas.openxmlformats.org/drawingml/2006/main" xmlns:r="http://schemas.openxmlformats.org/officeDocument/2006/relationships" xmlns:p="http://schemas.openxmlformats.org/presentationml/2006/main">
+  <p:cSld>
+    <p:spTree>
+      <p:nvGrpSpPr>
+        <p:cNvPr id="1" name=""/>
+        <p:cNvGrpSpPr/>
+        <p:nvPr/>
+      </p:nvGrpSpPr>
+      <p:grpSpPr>
+        <a:xfrm>
+          <a:off x="0" y="0"/>
+          <a:ext cx="0" cy="0"/>
+          <a:chOff x="0" y="0"/>
+          <a:chExt cx="0" cy="0"/>
+        </a:xfrm>
+      </p:grpSpPr>
+      <p:sp>
+        <p:nvSpPr>
+          <p:cNvPr id="22" name="Rectangle 21">
+            <a:extLst>
+              <a:ext uri="{FF2B5EF4-FFF2-40B4-BE49-F238E27FC236}">
+                <a16:creationId xmlns:a16="http://schemas.microsoft.com/office/drawing/2014/main" id="{9B61340A-0CE9-5041-9D62-09CE0DB3A1AE}"/>
+              </a:ext>
+            </a:extLst>
+          </p:cNvPr>
+          <p:cNvSpPr/>
+          <p:nvPr/>
+        </p:nvSpPr>
+        <p:spPr>
+          <a:xfrm>
+            <a:off x="0" y="0"/>
+            <a:ext cx="12192000" cy="6858000"/>
+          </a:xfrm>
+          <a:prstGeom prst="rect">
+            <a:avLst/>
+          </a:prstGeom>
+          <a:solidFill>
+            <a:schemeClr val="accent1">
+              <a:lumMod val="60000"/>
+              <a:lumOff val="40000"/>
+            </a:schemeClr>
+          </a:solidFill>
+          <a:ln>
+            <a:solidFill>
+              <a:schemeClr val="accent1">
+                <a:lumMod val="60000"/>
+                <a:lumOff val="40000"/>
+              </a:schemeClr>
+            </a:solidFill>
+          </a:ln>
+        </p:spPr>
+        <p:style>
+          <a:lnRef idx="2">
+            <a:schemeClr val="accent1">
+              <a:shade val="50000"/>
+            </a:schemeClr>
+          </a:lnRef>
+          <a:fillRef idx="1">
+            <a:schemeClr val="accent1"/>
+          </a:fillRef>
+          <a:effectRef idx="0">
+            <a:schemeClr val="accent1"/>
+          </a:effectRef>
+          <a:fontRef idx="minor">
+            <a:schemeClr val="lt1"/>
+          </a:fontRef>
+        </p:style>
+        <p:txBody>
+          <a:bodyPr rtlCol="0" anchor="ctr"/>
+          <a:lstStyle/>
+          <a:p>
+            <a:pPr algn="ctr"/>
+            <a:endParaRPr lang="en-PT"/>
+          </a:p>
+        </p:txBody>
+      </p:sp>
+      <p:sp>
+        <p:nvSpPr>
+          <p:cNvPr id="4" name="Rectangle 3">
+            <a:extLst>
+              <a:ext uri="{FF2B5EF4-FFF2-40B4-BE49-F238E27FC236}">
+                <a16:creationId xmlns:a16="http://schemas.microsoft.com/office/drawing/2014/main" id="{364572B9-69EF-1B4E-9451-C6C18AD62D7D}"/>
+              </a:ext>
+            </a:extLst>
+          </p:cNvPr>
+          <p:cNvSpPr/>
+          <p:nvPr/>
+        </p:nvSpPr>
+        <p:spPr>
+          <a:xfrm>
+            <a:off x="0" y="-16042"/>
+            <a:ext cx="12192000" cy="1428750"/>
+          </a:xfrm>
+          <a:prstGeom prst="rect">
+            <a:avLst/>
+          </a:prstGeom>
+          <a:solidFill>
+            <a:schemeClr val="accent4">
+              <a:lumMod val="40000"/>
+              <a:lumOff val="60000"/>
+            </a:schemeClr>
+          </a:solidFill>
+          <a:ln>
+            <a:solidFill>
+              <a:schemeClr val="accent4">
+                <a:lumMod val="40000"/>
+                <a:lumOff val="60000"/>
+              </a:schemeClr>
+            </a:solidFill>
+          </a:ln>
+        </p:spPr>
+        <p:style>
+          <a:lnRef idx="2">
+            <a:schemeClr val="accent1">
+              <a:shade val="50000"/>
+            </a:schemeClr>
+          </a:lnRef>
+          <a:fillRef idx="1">
+            <a:schemeClr val="accent1"/>
+          </a:fillRef>
+          <a:effectRef idx="0">
+            <a:schemeClr val="accent1"/>
+          </a:effectRef>
+          <a:fontRef idx="minor">
+            <a:schemeClr val="lt1"/>
+          </a:fontRef>
+        </p:style>
+        <p:txBody>
+          <a:bodyPr rtlCol="0" anchor="ctr"/>
+          <a:lstStyle/>
+          <a:p>
+            <a:pPr algn="ctr"/>
+            <a:endParaRPr lang="en-PT" dirty="0"/>
+          </a:p>
+        </p:txBody>
+      </p:sp>
+      <p:pic>
+        <p:nvPicPr>
+          <p:cNvPr id="5" name="Picture 4" descr="A picture containing black, clock&#10;&#10;Description automatically generated">
+            <a:extLst>
+              <a:ext uri="{FF2B5EF4-FFF2-40B4-BE49-F238E27FC236}">
+                <a16:creationId xmlns:a16="http://schemas.microsoft.com/office/drawing/2014/main" id="{445D12F7-D671-7D42-B03E-A5B7AB531869}"/>
+              </a:ext>
+            </a:extLst>
+          </p:cNvPr>
+          <p:cNvPicPr>
+            <a:picLocks noChangeAspect="1"/>
+          </p:cNvPicPr>
+          <p:nvPr/>
+        </p:nvPicPr>
+        <p:blipFill>
+          <a:blip r:embed="rId3"/>
+          <a:stretch>
+            <a:fillRect/>
+          </a:stretch>
+        </p:blipFill>
+        <p:spPr>
+          <a:xfrm>
+            <a:off x="9594034" y="853131"/>
+            <a:ext cx="897355" cy="897355"/>
+          </a:xfrm>
+          <a:prstGeom prst="rect">
+            <a:avLst/>
+          </a:prstGeom>
+        </p:spPr>
+      </p:pic>
+      <p:pic>
+        <p:nvPicPr>
+          <p:cNvPr id="6" name="Picture 5" descr="A picture containing black, clock&#10;&#10;Description automatically generated">
+            <a:extLst>
+              <a:ext uri="{FF2B5EF4-FFF2-40B4-BE49-F238E27FC236}">
+                <a16:creationId xmlns:a16="http://schemas.microsoft.com/office/drawing/2014/main" id="{21908F64-C0A0-9E4A-9E9C-815D57477F46}"/>
+              </a:ext>
+            </a:extLst>
+          </p:cNvPr>
+          <p:cNvPicPr>
+            <a:picLocks noChangeAspect="1"/>
+          </p:cNvPicPr>
+          <p:nvPr/>
+        </p:nvPicPr>
+        <p:blipFill>
+          <a:blip r:embed="rId3"/>
+          <a:stretch>
+            <a:fillRect/>
+          </a:stretch>
+        </p:blipFill>
+        <p:spPr>
+          <a:xfrm>
+            <a:off x="10797340" y="16042"/>
+            <a:ext cx="1167882" cy="1167882"/>
+          </a:xfrm>
+          <a:prstGeom prst="rect">
+            <a:avLst/>
+          </a:prstGeom>
+        </p:spPr>
+      </p:pic>
+      <p:pic>
+        <p:nvPicPr>
+          <p:cNvPr id="7" name="Picture 6" descr="A picture containing black, clock&#10;&#10;Description automatically generated">
+            <a:extLst>
+              <a:ext uri="{FF2B5EF4-FFF2-40B4-BE49-F238E27FC236}">
+                <a16:creationId xmlns:a16="http://schemas.microsoft.com/office/drawing/2014/main" id="{53C7CBB4-8D7F-C04E-9BBC-A81838950C78}"/>
+              </a:ext>
+            </a:extLst>
+          </p:cNvPr>
+          <p:cNvPicPr>
+            <a:picLocks noChangeAspect="1"/>
+          </p:cNvPicPr>
+          <p:nvPr/>
+        </p:nvPicPr>
+        <p:blipFill>
+          <a:blip r:embed="rId3"/>
+          <a:stretch>
+            <a:fillRect/>
+          </a:stretch>
+        </p:blipFill>
+        <p:spPr>
+          <a:xfrm>
+            <a:off x="10037983" y="185502"/>
+            <a:ext cx="443596" cy="443596"/>
+          </a:xfrm>
+          <a:prstGeom prst="rect">
+            <a:avLst/>
+          </a:prstGeom>
+        </p:spPr>
+      </p:pic>
+      <p:sp>
+        <p:nvSpPr>
+          <p:cNvPr id="8" name="TextBox 7">
+            <a:extLst>
+              <a:ext uri="{FF2B5EF4-FFF2-40B4-BE49-F238E27FC236}">
+                <a16:creationId xmlns:a16="http://schemas.microsoft.com/office/drawing/2014/main" id="{8E8B6E98-8EBF-124A-AFAD-37A640BF909C}"/>
+              </a:ext>
+            </a:extLst>
+          </p:cNvPr>
+          <p:cNvSpPr txBox="1"/>
+          <p:nvPr/>
+        </p:nvSpPr>
+        <p:spPr>
+          <a:xfrm>
+            <a:off x="609349" y="502365"/>
+            <a:ext cx="6439399" cy="461665"/>
+          </a:xfrm>
+          <a:prstGeom prst="rect">
+            <a:avLst/>
+          </a:prstGeom>
+          <a:noFill/>
+        </p:spPr>
+        <p:txBody>
+          <a:bodyPr wrap="square" rtlCol="0">
+            <a:spAutoFit/>
+          </a:bodyPr>
+          <a:lstStyle/>
+          <a:p>
+            <a:r>
+              <a:rPr lang="en-GB" sz="2400" dirty="0">
+                <a:latin typeface="Optima" panose="02000503060000020004" pitchFamily="2" charset="0"/>
+                <a:cs typeface="Berlin Sans FB" panose="020F0502020204030204" pitchFamily="34" charset="0"/>
+              </a:rPr>
+              <a:t>Ferramentas a </a:t>
+            </a:r>
+            <a:r>
+              <a:rPr lang="en-GB" sz="2400" dirty="0" err="1">
+                <a:latin typeface="Optima" panose="02000503060000020004" pitchFamily="2" charset="0"/>
+                <a:cs typeface="Berlin Sans FB" panose="020F0502020204030204" pitchFamily="34" charset="0"/>
+              </a:rPr>
+              <a:t>utilizar</a:t>
+            </a:r>
+            <a:endParaRPr lang="en-GB" sz="2400" dirty="0">
+              <a:latin typeface="Optima" panose="02000503060000020004" pitchFamily="2" charset="0"/>
+              <a:cs typeface="Berlin Sans FB" panose="020F0502020204030204" pitchFamily="34" charset="0"/>
+            </a:endParaRPr>
+          </a:p>
+        </p:txBody>
+      </p:sp>
+      <p:grpSp>
+        <p:nvGrpSpPr>
+          <p:cNvPr id="11" name="Group 10">
+            <a:extLst>
+              <a:ext uri="{FF2B5EF4-FFF2-40B4-BE49-F238E27FC236}">
+                <a16:creationId xmlns:a16="http://schemas.microsoft.com/office/drawing/2014/main" id="{9A4E93DB-9037-894B-A9A8-6BF2DE63DC1F}"/>
+              </a:ext>
+            </a:extLst>
+          </p:cNvPr>
+          <p:cNvGrpSpPr/>
+          <p:nvPr/>
+        </p:nvGrpSpPr>
+        <p:grpSpPr>
+          <a:xfrm>
+            <a:off x="188678" y="1883342"/>
+            <a:ext cx="2830529" cy="3252683"/>
+            <a:chOff x="5135429" y="2359894"/>
+            <a:chExt cx="3039607" cy="3529200"/>
+          </a:xfrm>
+        </p:grpSpPr>
+        <p:sp>
+          <p:nvSpPr>
+            <p:cNvPr id="10" name="Rectangle 9">
+              <a:extLst>
+                <a:ext uri="{FF2B5EF4-FFF2-40B4-BE49-F238E27FC236}">
+                  <a16:creationId xmlns:a16="http://schemas.microsoft.com/office/drawing/2014/main" id="{8B3CA293-ECEE-234A-BB6F-020EC8CF1886}"/>
+                </a:ext>
+              </a:extLst>
+            </p:cNvPr>
+            <p:cNvSpPr/>
+            <p:nvPr/>
+          </p:nvSpPr>
+          <p:spPr>
+            <a:xfrm>
+              <a:off x="5135429" y="2359894"/>
+              <a:ext cx="3039607" cy="3529200"/>
+            </a:xfrm>
+            <a:prstGeom prst="rect">
+              <a:avLst/>
+            </a:prstGeom>
+            <a:solidFill>
+              <a:schemeClr val="accent4">
+                <a:lumMod val="40000"/>
+                <a:lumOff val="60000"/>
+              </a:schemeClr>
+            </a:solidFill>
+            <a:ln>
+              <a:solidFill>
+                <a:schemeClr val="accent4">
+                  <a:lumMod val="40000"/>
+                  <a:lumOff val="60000"/>
+                </a:schemeClr>
+              </a:solidFill>
+            </a:ln>
+          </p:spPr>
+          <p:style>
+            <a:lnRef idx="2">
+              <a:schemeClr val="accent1">
+                <a:shade val="50000"/>
+              </a:schemeClr>
+            </a:lnRef>
+            <a:fillRef idx="1">
+              <a:schemeClr val="accent1"/>
+            </a:fillRef>
+            <a:effectRef idx="0">
+              <a:schemeClr val="accent1"/>
+            </a:effectRef>
+            <a:fontRef idx="minor">
+              <a:schemeClr val="lt1"/>
+            </a:fontRef>
+          </p:style>
+          <p:txBody>
+            <a:bodyPr rtlCol="0" anchor="ctr"/>
+            <a:lstStyle/>
+            <a:p>
+              <a:pPr algn="ctr"/>
+              <a:endParaRPr lang="en-PT"/>
+            </a:p>
+          </p:txBody>
+        </p:sp>
+        <p:pic>
+          <p:nvPicPr>
+            <p:cNvPr id="9" name="Picture 8">
+              <a:extLst>
+                <a:ext uri="{FF2B5EF4-FFF2-40B4-BE49-F238E27FC236}">
+                  <a16:creationId xmlns:a16="http://schemas.microsoft.com/office/drawing/2014/main" id="{ECF69DC6-10C0-8B4B-B700-F1D91DF8B77C}"/>
+                </a:ext>
+              </a:extLst>
+            </p:cNvPr>
+            <p:cNvPicPr>
+              <a:picLocks noChangeAspect="1"/>
+            </p:cNvPicPr>
+            <p:nvPr/>
+          </p:nvPicPr>
+          <p:blipFill>
+            <a:blip r:embed="rId4"/>
+            <a:stretch>
+              <a:fillRect/>
+            </a:stretch>
+          </p:blipFill>
+          <p:spPr>
+            <a:xfrm>
+              <a:off x="5224083" y="2457596"/>
+              <a:ext cx="2859513" cy="3324818"/>
+            </a:xfrm>
+            <a:prstGeom prst="rect">
+              <a:avLst/>
+            </a:prstGeom>
+          </p:spPr>
+        </p:pic>
+      </p:grpSp>
+      <p:grpSp>
+        <p:nvGrpSpPr>
+          <p:cNvPr id="13" name="Group 12">
+            <a:extLst>
+              <a:ext uri="{FF2B5EF4-FFF2-40B4-BE49-F238E27FC236}">
+                <a16:creationId xmlns:a16="http://schemas.microsoft.com/office/drawing/2014/main" id="{D94B9319-0ED1-DA4B-B8C5-835FBABDAFE0}"/>
+              </a:ext>
+            </a:extLst>
+          </p:cNvPr>
+          <p:cNvGrpSpPr/>
+          <p:nvPr/>
+        </p:nvGrpSpPr>
+        <p:grpSpPr>
+          <a:xfrm>
+            <a:off x="6203490" y="1857943"/>
+            <a:ext cx="2829026" cy="3252682"/>
+            <a:chOff x="4009141" y="2345336"/>
+            <a:chExt cx="3039607" cy="3529200"/>
+          </a:xfrm>
+        </p:grpSpPr>
+        <p:grpSp>
+          <p:nvGrpSpPr>
+            <p:cNvPr id="41" name="Group 40">
+              <a:extLst>
+                <a:ext uri="{FF2B5EF4-FFF2-40B4-BE49-F238E27FC236}">
+                  <a16:creationId xmlns:a16="http://schemas.microsoft.com/office/drawing/2014/main" id="{B7DE26DB-4354-504F-9A52-11889CA06F72}"/>
+                </a:ext>
+              </a:extLst>
+            </p:cNvPr>
+            <p:cNvGrpSpPr/>
+            <p:nvPr/>
+          </p:nvGrpSpPr>
+          <p:grpSpPr>
+            <a:xfrm>
+              <a:off x="4009141" y="2345336"/>
+              <a:ext cx="3039607" cy="3529200"/>
+              <a:chOff x="5135429" y="2359894"/>
+              <a:chExt cx="3039607" cy="3529200"/>
+            </a:xfrm>
+          </p:grpSpPr>
+          <p:sp>
+            <p:nvSpPr>
+              <p:cNvPr id="42" name="Rectangle 41">
+                <a:extLst>
+                  <a:ext uri="{FF2B5EF4-FFF2-40B4-BE49-F238E27FC236}">
+                    <a16:creationId xmlns:a16="http://schemas.microsoft.com/office/drawing/2014/main" id="{9006C360-CC09-2D47-91C8-052F2F347D56}"/>
+                  </a:ext>
+                </a:extLst>
+              </p:cNvPr>
+              <p:cNvSpPr/>
+              <p:nvPr/>
+            </p:nvSpPr>
+            <p:spPr>
+              <a:xfrm>
+                <a:off x="5135429" y="2359894"/>
+                <a:ext cx="3039607" cy="3529200"/>
+              </a:xfrm>
+              <a:prstGeom prst="rect">
+                <a:avLst/>
+              </a:prstGeom>
+              <a:solidFill>
+                <a:schemeClr val="accent4">
+                  <a:lumMod val="40000"/>
+                  <a:lumOff val="60000"/>
+                </a:schemeClr>
+              </a:solidFill>
+              <a:ln>
+                <a:solidFill>
+                  <a:schemeClr val="accent4">
+                    <a:lumMod val="40000"/>
+                    <a:lumOff val="60000"/>
+                  </a:schemeClr>
+                </a:solidFill>
+              </a:ln>
+            </p:spPr>
+            <p:style>
+              <a:lnRef idx="2">
+                <a:schemeClr val="accent1">
+                  <a:shade val="50000"/>
+                </a:schemeClr>
+              </a:lnRef>
+              <a:fillRef idx="1">
+                <a:schemeClr val="accent1"/>
+              </a:fillRef>
+              <a:effectRef idx="0">
+                <a:schemeClr val="accent1"/>
+              </a:effectRef>
+              <a:fontRef idx="minor">
+                <a:schemeClr val="lt1"/>
+              </a:fontRef>
+            </p:style>
+            <p:txBody>
+              <a:bodyPr rtlCol="0" anchor="ctr"/>
+              <a:lstStyle/>
+              <a:p>
+                <a:pPr algn="ctr"/>
+                <a:endParaRPr lang="en-PT"/>
+              </a:p>
+            </p:txBody>
+          </p:sp>
+          <p:pic>
+            <p:nvPicPr>
+              <p:cNvPr id="43" name="Picture 42">
+                <a:extLst>
+                  <a:ext uri="{FF2B5EF4-FFF2-40B4-BE49-F238E27FC236}">
+                    <a16:creationId xmlns:a16="http://schemas.microsoft.com/office/drawing/2014/main" id="{A71B5377-F6E0-474C-90C7-FF7FACAC1388}"/>
+                  </a:ext>
+                </a:extLst>
+              </p:cNvPr>
+              <p:cNvPicPr>
+                <a:picLocks noChangeAspect="1"/>
+              </p:cNvPicPr>
+              <p:nvPr/>
+            </p:nvPicPr>
+            <p:blipFill>
+              <a:blip r:embed="rId4"/>
+              <a:stretch>
+                <a:fillRect/>
+              </a:stretch>
+            </p:blipFill>
+            <p:spPr>
+              <a:xfrm>
+                <a:off x="5224083" y="2457596"/>
+                <a:ext cx="2859513" cy="3324818"/>
+              </a:xfrm>
+              <a:prstGeom prst="rect">
+                <a:avLst/>
+              </a:prstGeom>
+            </p:spPr>
+          </p:pic>
+        </p:grpSp>
+        <p:pic>
+          <p:nvPicPr>
+            <p:cNvPr id="12" name="Picture 11">
+              <a:extLst>
+                <a:ext uri="{FF2B5EF4-FFF2-40B4-BE49-F238E27FC236}">
+                  <a16:creationId xmlns:a16="http://schemas.microsoft.com/office/drawing/2014/main" id="{3F16DFAC-2BA5-7248-8F73-48D90AC8253D}"/>
+                </a:ext>
+              </a:extLst>
+            </p:cNvPr>
+            <p:cNvPicPr>
+              <a:picLocks noChangeAspect="1"/>
+            </p:cNvPicPr>
+            <p:nvPr/>
+          </p:nvPicPr>
+          <p:blipFill>
+            <a:blip r:embed="rId5"/>
+            <a:stretch>
+              <a:fillRect/>
+            </a:stretch>
+          </p:blipFill>
+          <p:spPr>
+            <a:xfrm>
+              <a:off x="4163824" y="2511331"/>
+              <a:ext cx="2793484" cy="3248045"/>
+            </a:xfrm>
+            <a:prstGeom prst="rect">
+              <a:avLst/>
+            </a:prstGeom>
+          </p:spPr>
+        </p:pic>
+      </p:grpSp>
+      <p:grpSp>
+        <p:nvGrpSpPr>
+          <p:cNvPr id="15" name="Group 14">
+            <a:extLst>
+              <a:ext uri="{FF2B5EF4-FFF2-40B4-BE49-F238E27FC236}">
+                <a16:creationId xmlns:a16="http://schemas.microsoft.com/office/drawing/2014/main" id="{AD4F250A-8D72-C640-A361-D5162687F9D4}"/>
+              </a:ext>
+            </a:extLst>
+          </p:cNvPr>
+          <p:cNvGrpSpPr/>
+          <p:nvPr/>
+        </p:nvGrpSpPr>
+        <p:grpSpPr>
+          <a:xfrm>
+            <a:off x="3205744" y="1870642"/>
+            <a:ext cx="2829026" cy="3252683"/>
+            <a:chOff x="4573833" y="2882450"/>
+            <a:chExt cx="3039607" cy="3529200"/>
+          </a:xfrm>
+        </p:grpSpPr>
+        <p:grpSp>
+          <p:nvGrpSpPr>
+            <p:cNvPr id="44" name="Group 43">
+              <a:extLst>
+                <a:ext uri="{FF2B5EF4-FFF2-40B4-BE49-F238E27FC236}">
+                  <a16:creationId xmlns:a16="http://schemas.microsoft.com/office/drawing/2014/main" id="{A85A79EA-A8FD-DB45-9EE0-77753609996D}"/>
+                </a:ext>
+              </a:extLst>
+            </p:cNvPr>
+            <p:cNvGrpSpPr/>
+            <p:nvPr/>
+          </p:nvGrpSpPr>
+          <p:grpSpPr>
+            <a:xfrm>
+              <a:off x="4573833" y="2882450"/>
+              <a:ext cx="3039607" cy="3529200"/>
+              <a:chOff x="5135429" y="2359894"/>
+              <a:chExt cx="3039607" cy="3529200"/>
+            </a:xfrm>
+          </p:grpSpPr>
+          <p:sp>
+            <p:nvSpPr>
+              <p:cNvPr id="45" name="Rectangle 44">
+                <a:extLst>
+                  <a:ext uri="{FF2B5EF4-FFF2-40B4-BE49-F238E27FC236}">
+                    <a16:creationId xmlns:a16="http://schemas.microsoft.com/office/drawing/2014/main" id="{76CE6B8E-B5AD-384D-9016-41DC3E3E0EE5}"/>
+                  </a:ext>
+                </a:extLst>
+              </p:cNvPr>
+              <p:cNvSpPr/>
+              <p:nvPr/>
+            </p:nvSpPr>
+            <p:spPr>
+              <a:xfrm>
+                <a:off x="5135429" y="2359894"/>
+                <a:ext cx="3039607" cy="3529200"/>
+              </a:xfrm>
+              <a:prstGeom prst="rect">
+                <a:avLst/>
+              </a:prstGeom>
+              <a:solidFill>
+                <a:schemeClr val="accent4">
+                  <a:lumMod val="40000"/>
+                  <a:lumOff val="60000"/>
+                </a:schemeClr>
+              </a:solidFill>
+              <a:ln>
+                <a:solidFill>
+                  <a:schemeClr val="accent4">
+                    <a:lumMod val="40000"/>
+                    <a:lumOff val="60000"/>
+                  </a:schemeClr>
+                </a:solidFill>
+              </a:ln>
+            </p:spPr>
+            <p:style>
+              <a:lnRef idx="2">
+                <a:schemeClr val="accent1">
+                  <a:shade val="50000"/>
+                </a:schemeClr>
+              </a:lnRef>
+              <a:fillRef idx="1">
+                <a:schemeClr val="accent1"/>
+              </a:fillRef>
+              <a:effectRef idx="0">
+                <a:schemeClr val="accent1"/>
+              </a:effectRef>
+              <a:fontRef idx="minor">
+                <a:schemeClr val="lt1"/>
+              </a:fontRef>
+            </p:style>
+            <p:txBody>
+              <a:bodyPr rtlCol="0" anchor="ctr"/>
+              <a:lstStyle/>
+              <a:p>
+                <a:pPr algn="ctr"/>
+                <a:endParaRPr lang="en-PT"/>
+              </a:p>
+            </p:txBody>
+          </p:sp>
+          <p:pic>
+            <p:nvPicPr>
+              <p:cNvPr id="46" name="Picture 45">
+                <a:extLst>
+                  <a:ext uri="{FF2B5EF4-FFF2-40B4-BE49-F238E27FC236}">
+                    <a16:creationId xmlns:a16="http://schemas.microsoft.com/office/drawing/2014/main" id="{0192EC94-D80C-5B4C-B840-40F548879525}"/>
+                  </a:ext>
+                </a:extLst>
+              </p:cNvPr>
+              <p:cNvPicPr>
+                <a:picLocks noChangeAspect="1"/>
+              </p:cNvPicPr>
+              <p:nvPr/>
+            </p:nvPicPr>
+            <p:blipFill>
+              <a:blip r:embed="rId4"/>
+              <a:stretch>
+                <a:fillRect/>
+              </a:stretch>
+            </p:blipFill>
+            <p:spPr>
+              <a:xfrm>
+                <a:off x="5224083" y="2457596"/>
+                <a:ext cx="2859513" cy="3324818"/>
+              </a:xfrm>
+              <a:prstGeom prst="rect">
+                <a:avLst/>
+              </a:prstGeom>
+            </p:spPr>
+          </p:pic>
+        </p:grpSp>
+        <p:pic>
+          <p:nvPicPr>
+            <p:cNvPr id="14" name="Picture 13">
+              <a:extLst>
+                <a:ext uri="{FF2B5EF4-FFF2-40B4-BE49-F238E27FC236}">
+                  <a16:creationId xmlns:a16="http://schemas.microsoft.com/office/drawing/2014/main" id="{87EFCB9D-CF9C-4643-9A05-D64C2CFB25FC}"/>
+                </a:ext>
+              </a:extLst>
+            </p:cNvPr>
+            <p:cNvPicPr>
+              <a:picLocks noChangeAspect="1"/>
+            </p:cNvPicPr>
+            <p:nvPr/>
+          </p:nvPicPr>
+          <p:blipFill>
+            <a:blip r:embed="rId6"/>
+            <a:stretch>
+              <a:fillRect/>
+            </a:stretch>
+          </p:blipFill>
+          <p:spPr>
+            <a:xfrm>
+              <a:off x="4662767" y="2989130"/>
+              <a:ext cx="2859513" cy="3324818"/>
+            </a:xfrm>
+            <a:prstGeom prst="rect">
+              <a:avLst/>
+            </a:prstGeom>
+          </p:spPr>
+        </p:pic>
+      </p:grpSp>
+      <p:grpSp>
+        <p:nvGrpSpPr>
+          <p:cNvPr id="28" name="Group 27">
+            <a:extLst>
+              <a:ext uri="{FF2B5EF4-FFF2-40B4-BE49-F238E27FC236}">
+                <a16:creationId xmlns:a16="http://schemas.microsoft.com/office/drawing/2014/main" id="{C8A8320E-E1AE-1943-AAF6-201611B57AA8}"/>
+              </a:ext>
+            </a:extLst>
+          </p:cNvPr>
+          <p:cNvGrpSpPr/>
+          <p:nvPr/>
+        </p:nvGrpSpPr>
+        <p:grpSpPr>
+          <a:xfrm>
+            <a:off x="9184748" y="1845242"/>
+            <a:ext cx="2829026" cy="3252681"/>
+            <a:chOff x="7877865" y="2354977"/>
+            <a:chExt cx="3039607" cy="3529200"/>
+          </a:xfrm>
+        </p:grpSpPr>
+        <p:grpSp>
+          <p:nvGrpSpPr>
+            <p:cNvPr id="47" name="Group 46">
+              <a:extLst>
+                <a:ext uri="{FF2B5EF4-FFF2-40B4-BE49-F238E27FC236}">
+                  <a16:creationId xmlns:a16="http://schemas.microsoft.com/office/drawing/2014/main" id="{A34F0CB7-98B9-594A-8514-699DF09AAF9C}"/>
+                </a:ext>
+              </a:extLst>
+            </p:cNvPr>
+            <p:cNvGrpSpPr/>
+            <p:nvPr/>
+          </p:nvGrpSpPr>
+          <p:grpSpPr>
+            <a:xfrm>
+              <a:off x="7877865" y="2354977"/>
+              <a:ext cx="3039607" cy="3529200"/>
+              <a:chOff x="4573833" y="2882450"/>
+              <a:chExt cx="3039607" cy="3529200"/>
+            </a:xfrm>
+          </p:grpSpPr>
+          <p:grpSp>
+            <p:nvGrpSpPr>
+              <p:cNvPr id="48" name="Group 47">
+                <a:extLst>
+                  <a:ext uri="{FF2B5EF4-FFF2-40B4-BE49-F238E27FC236}">
+                    <a16:creationId xmlns:a16="http://schemas.microsoft.com/office/drawing/2014/main" id="{E3F31EE2-BF20-DD40-B264-A9EFBCFDF118}"/>
+                  </a:ext>
+                </a:extLst>
+              </p:cNvPr>
+              <p:cNvGrpSpPr/>
+              <p:nvPr/>
+            </p:nvGrpSpPr>
+            <p:grpSpPr>
+              <a:xfrm>
+                <a:off x="4573833" y="2882450"/>
+                <a:ext cx="3039607" cy="3529200"/>
+                <a:chOff x="5135429" y="2359894"/>
+                <a:chExt cx="3039607" cy="3529200"/>
+              </a:xfrm>
+            </p:grpSpPr>
+            <p:sp>
+              <p:nvSpPr>
+                <p:cNvPr id="50" name="Rectangle 49">
+                  <a:extLst>
+                    <a:ext uri="{FF2B5EF4-FFF2-40B4-BE49-F238E27FC236}">
+                      <a16:creationId xmlns:a16="http://schemas.microsoft.com/office/drawing/2014/main" id="{AEBEA00C-608C-D241-BF4B-F88C5B419E5C}"/>
+                    </a:ext>
+                  </a:extLst>
+                </p:cNvPr>
+                <p:cNvSpPr/>
+                <p:nvPr/>
+              </p:nvSpPr>
+              <p:spPr>
+                <a:xfrm>
+                  <a:off x="5135429" y="2359894"/>
+                  <a:ext cx="3039607" cy="3529200"/>
+                </a:xfrm>
+                <a:prstGeom prst="rect">
+                  <a:avLst/>
+                </a:prstGeom>
+                <a:solidFill>
+                  <a:schemeClr val="accent4">
+                    <a:lumMod val="40000"/>
+                    <a:lumOff val="60000"/>
+                  </a:schemeClr>
+                </a:solidFill>
+                <a:ln>
+                  <a:solidFill>
+                    <a:schemeClr val="accent4">
+                      <a:lumMod val="40000"/>
+                      <a:lumOff val="60000"/>
+                    </a:schemeClr>
+                  </a:solidFill>
+                </a:ln>
+              </p:spPr>
+              <p:style>
+                <a:lnRef idx="2">
+                  <a:schemeClr val="accent1">
+                    <a:shade val="50000"/>
+                  </a:schemeClr>
+                </a:lnRef>
+                <a:fillRef idx="1">
+                  <a:schemeClr val="accent1"/>
+                </a:fillRef>
+                <a:effectRef idx="0">
+                  <a:schemeClr val="accent1"/>
+                </a:effectRef>
+                <a:fontRef idx="minor">
+                  <a:schemeClr val="lt1"/>
+                </a:fontRef>
+              </p:style>
+              <p:txBody>
+                <a:bodyPr rtlCol="0" anchor="ctr"/>
+                <a:lstStyle/>
+                <a:p>
+                  <a:pPr algn="ctr"/>
+                  <a:endParaRPr lang="en-PT"/>
+                </a:p>
+              </p:txBody>
+            </p:sp>
+            <p:pic>
+              <p:nvPicPr>
+                <p:cNvPr id="51" name="Picture 50">
+                  <a:extLst>
+                    <a:ext uri="{FF2B5EF4-FFF2-40B4-BE49-F238E27FC236}">
+                      <a16:creationId xmlns:a16="http://schemas.microsoft.com/office/drawing/2014/main" id="{AAB060D1-D19E-2546-BEA9-2EB078DEC7E6}"/>
+                    </a:ext>
+                  </a:extLst>
+                </p:cNvPr>
+                <p:cNvPicPr>
+                  <a:picLocks noChangeAspect="1"/>
+                </p:cNvPicPr>
+                <p:nvPr/>
+              </p:nvPicPr>
+              <p:blipFill>
+                <a:blip r:embed="rId4"/>
+                <a:stretch>
+                  <a:fillRect/>
+                </a:stretch>
+              </p:blipFill>
+              <p:spPr>
+                <a:xfrm>
+                  <a:off x="5224083" y="2457596"/>
+                  <a:ext cx="2859513" cy="3324818"/>
+                </a:xfrm>
+                <a:prstGeom prst="rect">
+                  <a:avLst/>
+                </a:prstGeom>
+              </p:spPr>
+            </p:pic>
+          </p:grpSp>
+          <p:pic>
+            <p:nvPicPr>
+              <p:cNvPr id="49" name="Picture 48">
+                <a:extLst>
+                  <a:ext uri="{FF2B5EF4-FFF2-40B4-BE49-F238E27FC236}">
+                    <a16:creationId xmlns:a16="http://schemas.microsoft.com/office/drawing/2014/main" id="{2CEAC309-A33E-B244-816F-13621C60B9EF}"/>
+                  </a:ext>
+                </a:extLst>
+              </p:cNvPr>
+              <p:cNvPicPr>
+                <a:picLocks noChangeAspect="1"/>
+              </p:cNvPicPr>
+              <p:nvPr/>
+            </p:nvPicPr>
+            <p:blipFill>
+              <a:blip r:embed="rId6"/>
+              <a:stretch>
+                <a:fillRect/>
+              </a:stretch>
+            </p:blipFill>
+            <p:spPr>
+              <a:xfrm>
+                <a:off x="4662767" y="2989130"/>
+                <a:ext cx="2859513" cy="3324818"/>
+              </a:xfrm>
+              <a:prstGeom prst="rect">
+                <a:avLst/>
+              </a:prstGeom>
+            </p:spPr>
+          </p:pic>
+        </p:grpSp>
+        <p:pic>
+          <p:nvPicPr>
+            <p:cNvPr id="16" name="Picture 15">
+              <a:extLst>
+                <a:ext uri="{FF2B5EF4-FFF2-40B4-BE49-F238E27FC236}">
+                  <a16:creationId xmlns:a16="http://schemas.microsoft.com/office/drawing/2014/main" id="{BA7D78B9-FC52-6C45-8769-A8F88D1B9DAF}"/>
+                </a:ext>
+              </a:extLst>
+            </p:cNvPr>
+            <p:cNvPicPr>
+              <a:picLocks noChangeAspect="1"/>
+            </p:cNvPicPr>
+            <p:nvPr/>
+          </p:nvPicPr>
+          <p:blipFill>
+            <a:blip r:embed="rId7"/>
+            <a:stretch>
+              <a:fillRect/>
+            </a:stretch>
+          </p:blipFill>
+          <p:spPr>
+            <a:xfrm>
+              <a:off x="7977771" y="2477698"/>
+              <a:ext cx="2859513" cy="3324819"/>
+            </a:xfrm>
+            <a:prstGeom prst="rect">
+              <a:avLst/>
+            </a:prstGeom>
+          </p:spPr>
+        </p:pic>
+      </p:grpSp>
+      <p:cxnSp>
+        <p:nvCxnSpPr>
+          <p:cNvPr id="107" name="Straight Arrow Connector 106">
+            <a:extLst>
+              <a:ext uri="{FF2B5EF4-FFF2-40B4-BE49-F238E27FC236}">
+                <a16:creationId xmlns:a16="http://schemas.microsoft.com/office/drawing/2014/main" id="{FA8B62BA-A861-4F47-A076-712C553B458F}"/>
+              </a:ext>
+            </a:extLst>
+          </p:cNvPr>
+          <p:cNvCxnSpPr>
+            <a:cxnSpLocks/>
+          </p:cNvCxnSpPr>
+          <p:nvPr/>
+        </p:nvCxnSpPr>
+        <p:spPr>
+          <a:xfrm>
+            <a:off x="1618377" y="5136025"/>
+            <a:ext cx="0" cy="850232"/>
+          </a:xfrm>
+          <a:prstGeom prst="straightConnector1">
+            <a:avLst/>
+          </a:prstGeom>
+          <a:ln w="57150">
+            <a:solidFill>
+              <a:schemeClr val="accent4">
+                <a:lumMod val="40000"/>
+                <a:lumOff val="60000"/>
+              </a:schemeClr>
+            </a:solidFill>
+            <a:tailEnd type="triangle"/>
+          </a:ln>
+        </p:spPr>
+        <p:style>
+          <a:lnRef idx="1">
+            <a:schemeClr val="accent1"/>
+          </a:lnRef>
+          <a:fillRef idx="0">
+            <a:schemeClr val="accent1"/>
+          </a:fillRef>
+          <a:effectRef idx="0">
+            <a:schemeClr val="accent1"/>
+          </a:effectRef>
+          <a:fontRef idx="minor">
+            <a:schemeClr val="tx1"/>
+          </a:fontRef>
+        </p:style>
+      </p:cxnSp>
+      <p:sp>
+        <p:nvSpPr>
+          <p:cNvPr id="108" name="TextBox 107">
+            <a:extLst>
+              <a:ext uri="{FF2B5EF4-FFF2-40B4-BE49-F238E27FC236}">
+                <a16:creationId xmlns:a16="http://schemas.microsoft.com/office/drawing/2014/main" id="{6B4C1865-2985-0C4E-AF26-00AE0EFD1199}"/>
+              </a:ext>
+            </a:extLst>
+          </p:cNvPr>
+          <p:cNvSpPr txBox="1"/>
+          <p:nvPr/>
+        </p:nvSpPr>
+        <p:spPr>
+          <a:xfrm>
+            <a:off x="423793" y="5915282"/>
+            <a:ext cx="11768207" cy="923330"/>
+          </a:xfrm>
+          <a:prstGeom prst="rect">
+            <a:avLst/>
+          </a:prstGeom>
+          <a:noFill/>
+        </p:spPr>
+        <p:txBody>
+          <a:bodyPr wrap="square" rtlCol="0">
+            <a:spAutoFit/>
+          </a:bodyPr>
+          <a:lstStyle/>
+          <a:p>
+            <a:pPr algn="ctr"/>
+            <a:r>
+              <a:rPr lang="en-PT" dirty="0">
+                <a:latin typeface="Optima" panose="02000503060000020004" pitchFamily="2" charset="0"/>
+                <a:cs typeface="Berlin Sans FB" panose="020F0502020204030204" pitchFamily="34" charset="0"/>
+              </a:rPr>
+              <a:t>Pelos resultados apresentados nas diferentes curvas de aprendizagem, decidimos então optar pelo algoritmo </a:t>
+            </a:r>
+            <a:r>
+              <a:rPr lang="en-PT" b="1" dirty="0">
+                <a:latin typeface="Optima" panose="02000503060000020004" pitchFamily="2" charset="0"/>
+                <a:cs typeface="Berlin Sans FB" panose="020F0502020204030204" pitchFamily="34" charset="0"/>
+              </a:rPr>
+              <a:t>Random Forest</a:t>
+            </a:r>
+            <a:r>
+              <a:rPr lang="en-PT" dirty="0">
+                <a:latin typeface="Optima" panose="02000503060000020004" pitchFamily="2" charset="0"/>
+                <a:cs typeface="Berlin Sans FB" panose="020F0502020204030204" pitchFamily="34" charset="0"/>
+              </a:rPr>
+              <a:t>, sendo este aquele que, para um crescente tamanho do </a:t>
+            </a:r>
+            <a:r>
+              <a:rPr lang="en-PT" b="1" dirty="0">
+                <a:latin typeface="Optima" panose="02000503060000020004" pitchFamily="2" charset="0"/>
+                <a:cs typeface="Berlin Sans FB" panose="020F0502020204030204" pitchFamily="34" charset="0"/>
+              </a:rPr>
+              <a:t>set de validação</a:t>
+            </a:r>
+            <a:r>
+              <a:rPr lang="en-PT" dirty="0">
+                <a:latin typeface="Optima" panose="02000503060000020004" pitchFamily="2" charset="0"/>
+                <a:cs typeface="Berlin Sans FB" panose="020F0502020204030204" pitchFamily="34" charset="0"/>
+              </a:rPr>
+              <a:t>, apresenta um erro menor e mais próximo do </a:t>
+            </a:r>
+            <a:r>
+              <a:rPr lang="en-PT" b="1" dirty="0">
+                <a:latin typeface="Optima" panose="02000503060000020004" pitchFamily="2" charset="0"/>
+                <a:cs typeface="Berlin Sans FB" panose="020F0502020204030204" pitchFamily="34" charset="0"/>
+              </a:rPr>
+              <a:t>set de treino</a:t>
+            </a:r>
+            <a:r>
+              <a:rPr lang="en-PT" dirty="0">
+                <a:latin typeface="Optima" panose="02000503060000020004" pitchFamily="2" charset="0"/>
+                <a:cs typeface="Berlin Sans FB" panose="020F0502020204030204" pitchFamily="34" charset="0"/>
+              </a:rPr>
+              <a:t> </a:t>
+            </a:r>
+            <a:endParaRPr lang="en-GB" b="1" dirty="0">
+              <a:latin typeface="Optima" panose="02000503060000020004" pitchFamily="2" charset="0"/>
+              <a:cs typeface="Berlin Sans FB" panose="020F0502020204030204" pitchFamily="34" charset="0"/>
+            </a:endParaRPr>
+          </a:p>
+        </p:txBody>
+      </p:sp>
+    </p:spTree>
+    <p:extLst>
+      <p:ext uri="{BB962C8B-B14F-4D97-AF65-F5344CB8AC3E}">
+        <p14:creationId xmlns:p14="http://schemas.microsoft.com/office/powerpoint/2010/main" val="3912399663"/>
       </p:ext>
     </p:extLst>
   </p:cSld>
